--- a/Pune Monthly tech - Oct.pptx
+++ b/Pune Monthly tech - Oct.pptx
@@ -1,24 +1,451 @@
 
 <file path=ppt/presentation.xml><?xml version="1.0" encoding="utf-8"?>
-<p:presentation xmlns:a="http://schemas.openxmlformats.org/drawingml/2006/main" xmlns:p="http://schemas.openxmlformats.org/presentationml/2006/main" xmlns:r="http://schemas.openxmlformats.org/officeDocument/2006/relationships" xmlns:p14="http://schemas.microsoft.com/office/powerpoint/2010/main" xmlns:p15="http://schemas.microsoft.com/office/powerpoint/2012/main" xmlns:mc="http://schemas.openxmlformats.org/markup-compatibility/2006">
+<p:presentation xmlns:a="http://schemas.openxmlformats.org/drawingml/2006/main" xmlns:r="http://schemas.openxmlformats.org/officeDocument/2006/relationships" xmlns:p="http://schemas.openxmlformats.org/presentationml/2006/main">
   <p:sldMasterIdLst>
-    <p:sldMasterId id="2147483648" r:id="rId2"/>
-    <p:sldMasterId id="2147483661" r:id="rId3"/>
-    <p:sldMasterId id="2147483674" r:id="rId4"/>
+    <p:sldMasterId id="2147483648" r:id="rId1"/>
+    <p:sldMasterId id="2147483661" r:id="rId2"/>
+    <p:sldMasterId id="2147483674" r:id="rId3"/>
   </p:sldMasterIdLst>
   <p:notesMasterIdLst>
     <p:notesMasterId r:id="rId5"/>
   </p:notesMasterIdLst>
   <p:sldIdLst>
-    <p:sldId id="256" r:id="rId6"/>
+    <p:sldId id="256" r:id="rId4"/>
   </p:sldIdLst>
   <p:sldSz cx="12192000" cy="6858000"/>
   <p:notesSz cx="6858000" cy="9144000"/>
+  <p:defaultTextStyle>
+    <a:defPPr>
+      <a:defRPr lang="en-US"/>
+    </a:defPPr>
+    <a:lvl1pPr marL="0" algn="l" defTabSz="914400" rtl="0" eaLnBrk="1" latinLnBrk="0" hangingPunct="1">
+      <a:defRPr sz="1800" kern="1200">
+        <a:solidFill>
+          <a:schemeClr val="tx1"/>
+        </a:solidFill>
+        <a:latin typeface="+mn-lt"/>
+        <a:ea typeface="+mn-ea"/>
+        <a:cs typeface="+mn-cs"/>
+      </a:defRPr>
+    </a:lvl1pPr>
+    <a:lvl2pPr marL="457200" algn="l" defTabSz="914400" rtl="0" eaLnBrk="1" latinLnBrk="0" hangingPunct="1">
+      <a:defRPr sz="1800" kern="1200">
+        <a:solidFill>
+          <a:schemeClr val="tx1"/>
+        </a:solidFill>
+        <a:latin typeface="+mn-lt"/>
+        <a:ea typeface="+mn-ea"/>
+        <a:cs typeface="+mn-cs"/>
+      </a:defRPr>
+    </a:lvl2pPr>
+    <a:lvl3pPr marL="914400" algn="l" defTabSz="914400" rtl="0" eaLnBrk="1" latinLnBrk="0" hangingPunct="1">
+      <a:defRPr sz="1800" kern="1200">
+        <a:solidFill>
+          <a:schemeClr val="tx1"/>
+        </a:solidFill>
+        <a:latin typeface="+mn-lt"/>
+        <a:ea typeface="+mn-ea"/>
+        <a:cs typeface="+mn-cs"/>
+      </a:defRPr>
+    </a:lvl3pPr>
+    <a:lvl4pPr marL="1371600" algn="l" defTabSz="914400" rtl="0" eaLnBrk="1" latinLnBrk="0" hangingPunct="1">
+      <a:defRPr sz="1800" kern="1200">
+        <a:solidFill>
+          <a:schemeClr val="tx1"/>
+        </a:solidFill>
+        <a:latin typeface="+mn-lt"/>
+        <a:ea typeface="+mn-ea"/>
+        <a:cs typeface="+mn-cs"/>
+      </a:defRPr>
+    </a:lvl4pPr>
+    <a:lvl5pPr marL="1828800" algn="l" defTabSz="914400" rtl="0" eaLnBrk="1" latinLnBrk="0" hangingPunct="1">
+      <a:defRPr sz="1800" kern="1200">
+        <a:solidFill>
+          <a:schemeClr val="tx1"/>
+        </a:solidFill>
+        <a:latin typeface="+mn-lt"/>
+        <a:ea typeface="+mn-ea"/>
+        <a:cs typeface="+mn-cs"/>
+      </a:defRPr>
+    </a:lvl5pPr>
+    <a:lvl6pPr marL="2286000" algn="l" defTabSz="914400" rtl="0" eaLnBrk="1" latinLnBrk="0" hangingPunct="1">
+      <a:defRPr sz="1800" kern="1200">
+        <a:solidFill>
+          <a:schemeClr val="tx1"/>
+        </a:solidFill>
+        <a:latin typeface="+mn-lt"/>
+        <a:ea typeface="+mn-ea"/>
+        <a:cs typeface="+mn-cs"/>
+      </a:defRPr>
+    </a:lvl6pPr>
+    <a:lvl7pPr marL="2743200" algn="l" defTabSz="914400" rtl="0" eaLnBrk="1" latinLnBrk="0" hangingPunct="1">
+      <a:defRPr sz="1800" kern="1200">
+        <a:solidFill>
+          <a:schemeClr val="tx1"/>
+        </a:solidFill>
+        <a:latin typeface="+mn-lt"/>
+        <a:ea typeface="+mn-ea"/>
+        <a:cs typeface="+mn-cs"/>
+      </a:defRPr>
+    </a:lvl7pPr>
+    <a:lvl8pPr marL="3200400" algn="l" defTabSz="914400" rtl="0" eaLnBrk="1" latinLnBrk="0" hangingPunct="1">
+      <a:defRPr sz="1800" kern="1200">
+        <a:solidFill>
+          <a:schemeClr val="tx1"/>
+        </a:solidFill>
+        <a:latin typeface="+mn-lt"/>
+        <a:ea typeface="+mn-ea"/>
+        <a:cs typeface="+mn-cs"/>
+      </a:defRPr>
+    </a:lvl8pPr>
+    <a:lvl9pPr marL="3657600" algn="l" defTabSz="914400" rtl="0" eaLnBrk="1" latinLnBrk="0" hangingPunct="1">
+      <a:defRPr sz="1800" kern="1200">
+        <a:solidFill>
+          <a:schemeClr val="tx1"/>
+        </a:solidFill>
+        <a:latin typeface="+mn-lt"/>
+        <a:ea typeface="+mn-ea"/>
+        <a:cs typeface="+mn-cs"/>
+      </a:defRPr>
+    </a:lvl9pPr>
+  </p:defaultTextStyle>
 </p:presentation>
 </file>
 
 <file path=ppt/notesMasters/notesMaster1.xml><?xml version="1.0" encoding="utf-8"?>
-<p:notesMaster xmlns:a="http://schemas.openxmlformats.org/drawingml/2006/main" xmlns:p="http://schemas.openxmlformats.org/presentationml/2006/main" xmlns:r="http://schemas.openxmlformats.org/officeDocument/2006/relationships" xmlns:p14="http://schemas.microsoft.com/office/powerpoint/2010/main" xmlns:p15="http://schemas.microsoft.com/office/powerpoint/2012/main" xmlns:mc="http://schemas.openxmlformats.org/markup-compatibility/2006">
+<p:notesMaster xmlns:a="http://schemas.openxmlformats.org/drawingml/2006/main" xmlns:r="http://schemas.openxmlformats.org/officeDocument/2006/relationships" xmlns:p="http://schemas.openxmlformats.org/presentationml/2006/main">
+  <p:cSld>
+    <p:bg>
+      <p:bgRef idx="1001">
+        <a:schemeClr val="bg1"/>
+      </p:bgRef>
+    </p:bg>
+    <p:spTree>
+      <p:nvGrpSpPr>
+        <p:cNvPr id="1" name=""/>
+        <p:cNvGrpSpPr/>
+        <p:nvPr/>
+      </p:nvGrpSpPr>
+      <p:grpSpPr>
+        <a:xfrm>
+          <a:off x="0" y="0"/>
+          <a:ext cx="0" cy="0"/>
+          <a:chOff x="0" y="0"/>
+          <a:chExt cx="0" cy="0"/>
+        </a:xfrm>
+      </p:grpSpPr>
+      <p:sp>
+        <p:nvSpPr>
+          <p:cNvPr id="153" name="PlaceHolder 1"/>
+          <p:cNvSpPr>
+            <a:spLocks noGrp="1" noRot="1" noChangeAspect="1"/>
+          </p:cNvSpPr>
+          <p:nvPr>
+            <p:ph type="sldImg"/>
+          </p:nvPr>
+        </p:nvSpPr>
+        <p:spPr>
+          <a:xfrm>
+            <a:off x="380880" y="694800"/>
+            <a:ext cx="6095520" cy="3428640"/>
+          </a:xfrm>
+          <a:prstGeom prst="rect">
+            <a:avLst/>
+          </a:prstGeom>
+        </p:spPr>
+        <p:txBody>
+          <a:bodyPr lIns="0" tIns="0" rIns="0" bIns="0" anchor="ctr">
+            <a:noAutofit/>
+          </a:bodyPr>
+          <a:lstStyle/>
+          <a:p>
+            <a:r>
+              <a:rPr lang="en-IN" sz="1400" b="0" strike="noStrike" spc="-1">
+                <a:solidFill>
+                  <a:srgbClr val="000000"/>
+                </a:solidFill>
+                <a:latin typeface="Arial"/>
+              </a:rPr>
+              <a:t>Click to move the slide</a:t>
+            </a:r>
+          </a:p>
+        </p:txBody>
+      </p:sp>
+      <p:sp>
+        <p:nvSpPr>
+          <p:cNvPr id="154" name="PlaceHolder 2"/>
+          <p:cNvSpPr>
+            <a:spLocks noGrp="1"/>
+          </p:cNvSpPr>
+          <p:nvPr>
+            <p:ph type="body"/>
+          </p:nvPr>
+        </p:nvSpPr>
+        <p:spPr>
+          <a:xfrm>
+            <a:off x="685800" y="4343400"/>
+            <a:ext cx="5486040" cy="4114440"/>
+          </a:xfrm>
+          <a:prstGeom prst="rect">
+            <a:avLst/>
+          </a:prstGeom>
+        </p:spPr>
+        <p:txBody>
+          <a:bodyPr lIns="0" tIns="0" rIns="0" bIns="0">
+            <a:noAutofit/>
+          </a:bodyPr>
+          <a:lstStyle/>
+          <a:p>
+            <a:r>
+              <a:rPr lang="en-IN" sz="2000" b="0" strike="noStrike" spc="-1">
+                <a:latin typeface="Arial"/>
+              </a:rPr>
+              <a:t>Click to edit the notes format</a:t>
+            </a:r>
+          </a:p>
+        </p:txBody>
+      </p:sp>
+      <p:sp>
+        <p:nvSpPr>
+          <p:cNvPr id="155" name="PlaceHolder 3"/>
+          <p:cNvSpPr>
+            <a:spLocks noGrp="1"/>
+          </p:cNvSpPr>
+          <p:nvPr>
+            <p:ph type="hdr"/>
+          </p:nvPr>
+        </p:nvSpPr>
+        <p:spPr>
+          <a:xfrm>
+            <a:off x="0" y="0"/>
+            <a:ext cx="2975760" cy="456840"/>
+          </a:xfrm>
+          <a:prstGeom prst="rect">
+            <a:avLst/>
+          </a:prstGeom>
+        </p:spPr>
+        <p:txBody>
+          <a:bodyPr lIns="0" tIns="0" rIns="0" bIns="0">
+            <a:noAutofit/>
+          </a:bodyPr>
+          <a:lstStyle/>
+          <a:p>
+            <a:r>
+              <a:rPr lang="en-IN" sz="1400" b="0" strike="noStrike" spc="-1">
+                <a:latin typeface="Times New Roman"/>
+              </a:rPr>
+              <a:t>&lt;header&gt;</a:t>
+            </a:r>
+          </a:p>
+        </p:txBody>
+      </p:sp>
+      <p:sp>
+        <p:nvSpPr>
+          <p:cNvPr id="156" name="PlaceHolder 4"/>
+          <p:cNvSpPr>
+            <a:spLocks noGrp="1"/>
+          </p:cNvSpPr>
+          <p:nvPr>
+            <p:ph type="dt"/>
+          </p:nvPr>
+        </p:nvSpPr>
+        <p:spPr>
+          <a:xfrm>
+            <a:off x="3881880" y="0"/>
+            <a:ext cx="2975760" cy="456840"/>
+          </a:xfrm>
+          <a:prstGeom prst="rect">
+            <a:avLst/>
+          </a:prstGeom>
+        </p:spPr>
+        <p:txBody>
+          <a:bodyPr lIns="0" tIns="0" rIns="0" bIns="0">
+            <a:noAutofit/>
+          </a:bodyPr>
+          <a:lstStyle/>
+          <a:p>
+            <a:pPr algn="r"/>
+            <a:r>
+              <a:rPr lang="en-IN" sz="1400" b="0" strike="noStrike" spc="-1">
+                <a:latin typeface="Times New Roman"/>
+              </a:rPr>
+              <a:t>&lt;date/time&gt;</a:t>
+            </a:r>
+          </a:p>
+        </p:txBody>
+      </p:sp>
+      <p:sp>
+        <p:nvSpPr>
+          <p:cNvPr id="157" name="PlaceHolder 5"/>
+          <p:cNvSpPr>
+            <a:spLocks noGrp="1"/>
+          </p:cNvSpPr>
+          <p:nvPr>
+            <p:ph type="ftr"/>
+          </p:nvPr>
+        </p:nvSpPr>
+        <p:spPr>
+          <a:xfrm>
+            <a:off x="0" y="8686800"/>
+            <a:ext cx="2975760" cy="456840"/>
+          </a:xfrm>
+          <a:prstGeom prst="rect">
+            <a:avLst/>
+          </a:prstGeom>
+        </p:spPr>
+        <p:txBody>
+          <a:bodyPr lIns="0" tIns="0" rIns="0" bIns="0" anchor="b">
+            <a:noAutofit/>
+          </a:bodyPr>
+          <a:lstStyle/>
+          <a:p>
+            <a:r>
+              <a:rPr lang="en-IN" sz="1400" b="0" strike="noStrike" spc="-1">
+                <a:latin typeface="Times New Roman"/>
+              </a:rPr>
+              <a:t>&lt;footer&gt;</a:t>
+            </a:r>
+          </a:p>
+        </p:txBody>
+      </p:sp>
+      <p:sp>
+        <p:nvSpPr>
+          <p:cNvPr id="158" name="PlaceHolder 6"/>
+          <p:cNvSpPr>
+            <a:spLocks noGrp="1"/>
+          </p:cNvSpPr>
+          <p:nvPr>
+            <p:ph type="sldNum"/>
+          </p:nvPr>
+        </p:nvSpPr>
+        <p:spPr>
+          <a:xfrm>
+            <a:off x="3881880" y="8686800"/>
+            <a:ext cx="2975760" cy="456840"/>
+          </a:xfrm>
+          <a:prstGeom prst="rect">
+            <a:avLst/>
+          </a:prstGeom>
+        </p:spPr>
+        <p:txBody>
+          <a:bodyPr lIns="0" tIns="0" rIns="0" bIns="0" anchor="b">
+            <a:noAutofit/>
+          </a:bodyPr>
+          <a:lstStyle/>
+          <a:p>
+            <a:pPr algn="r"/>
+            <a:fld id="{DED96A9A-BF21-4FA1-B9A0-8166E8245011}" type="slidenum">
+              <a:rPr lang="en-IN" sz="1400" b="0" strike="noStrike" spc="-1">
+                <a:latin typeface="Times New Roman"/>
+              </a:rPr>
+              <a:t>‹#›</a:t>
+            </a:fld>
+            <a:endParaRPr lang="en-IN" sz="1400" b="0" strike="noStrike" spc="-1">
+              <a:latin typeface="Times New Roman"/>
+            </a:endParaRPr>
+          </a:p>
+        </p:txBody>
+      </p:sp>
+    </p:spTree>
+  </p:cSld>
+  <p:clrMap bg1="lt1" tx1="dk1" bg2="lt2" tx2="dk2" accent1="accent1" accent2="accent2" accent3="accent3" accent4="accent4" accent5="accent5" accent6="accent6" hlink="hlink" folHlink="folHlink"/>
+  <p:notesStyle>
+    <a:lvl1pPr marL="0" algn="l" defTabSz="914400" rtl="0" eaLnBrk="1" latinLnBrk="0" hangingPunct="1">
+      <a:defRPr sz="1200" kern="1200">
+        <a:solidFill>
+          <a:schemeClr val="tx1"/>
+        </a:solidFill>
+        <a:latin typeface="+mn-lt"/>
+        <a:ea typeface="+mn-ea"/>
+        <a:cs typeface="+mn-cs"/>
+      </a:defRPr>
+    </a:lvl1pPr>
+    <a:lvl2pPr marL="457200" algn="l" defTabSz="914400" rtl="0" eaLnBrk="1" latinLnBrk="0" hangingPunct="1">
+      <a:defRPr sz="1200" kern="1200">
+        <a:solidFill>
+          <a:schemeClr val="tx1"/>
+        </a:solidFill>
+        <a:latin typeface="+mn-lt"/>
+        <a:ea typeface="+mn-ea"/>
+        <a:cs typeface="+mn-cs"/>
+      </a:defRPr>
+    </a:lvl2pPr>
+    <a:lvl3pPr marL="914400" algn="l" defTabSz="914400" rtl="0" eaLnBrk="1" latinLnBrk="0" hangingPunct="1">
+      <a:defRPr sz="1200" kern="1200">
+        <a:solidFill>
+          <a:schemeClr val="tx1"/>
+        </a:solidFill>
+        <a:latin typeface="+mn-lt"/>
+        <a:ea typeface="+mn-ea"/>
+        <a:cs typeface="+mn-cs"/>
+      </a:defRPr>
+    </a:lvl3pPr>
+    <a:lvl4pPr marL="1371600" algn="l" defTabSz="914400" rtl="0" eaLnBrk="1" latinLnBrk="0" hangingPunct="1">
+      <a:defRPr sz="1200" kern="1200">
+        <a:solidFill>
+          <a:schemeClr val="tx1"/>
+        </a:solidFill>
+        <a:latin typeface="+mn-lt"/>
+        <a:ea typeface="+mn-ea"/>
+        <a:cs typeface="+mn-cs"/>
+      </a:defRPr>
+    </a:lvl4pPr>
+    <a:lvl5pPr marL="1828800" algn="l" defTabSz="914400" rtl="0" eaLnBrk="1" latinLnBrk="0" hangingPunct="1">
+      <a:defRPr sz="1200" kern="1200">
+        <a:solidFill>
+          <a:schemeClr val="tx1"/>
+        </a:solidFill>
+        <a:latin typeface="+mn-lt"/>
+        <a:ea typeface="+mn-ea"/>
+        <a:cs typeface="+mn-cs"/>
+      </a:defRPr>
+    </a:lvl5pPr>
+    <a:lvl6pPr marL="2286000" algn="l" defTabSz="914400" rtl="0" eaLnBrk="1" latinLnBrk="0" hangingPunct="1">
+      <a:defRPr sz="1200" kern="1200">
+        <a:solidFill>
+          <a:schemeClr val="tx1"/>
+        </a:solidFill>
+        <a:latin typeface="+mn-lt"/>
+        <a:ea typeface="+mn-ea"/>
+        <a:cs typeface="+mn-cs"/>
+      </a:defRPr>
+    </a:lvl6pPr>
+    <a:lvl7pPr marL="2743200" algn="l" defTabSz="914400" rtl="0" eaLnBrk="1" latinLnBrk="0" hangingPunct="1">
+      <a:defRPr sz="1200" kern="1200">
+        <a:solidFill>
+          <a:schemeClr val="tx1"/>
+        </a:solidFill>
+        <a:latin typeface="+mn-lt"/>
+        <a:ea typeface="+mn-ea"/>
+        <a:cs typeface="+mn-cs"/>
+      </a:defRPr>
+    </a:lvl7pPr>
+    <a:lvl8pPr marL="3200400" algn="l" defTabSz="914400" rtl="0" eaLnBrk="1" latinLnBrk="0" hangingPunct="1">
+      <a:defRPr sz="1200" kern="1200">
+        <a:solidFill>
+          <a:schemeClr val="tx1"/>
+        </a:solidFill>
+        <a:latin typeface="+mn-lt"/>
+        <a:ea typeface="+mn-ea"/>
+        <a:cs typeface="+mn-cs"/>
+      </a:defRPr>
+    </a:lvl8pPr>
+    <a:lvl9pPr marL="3657600" algn="l" defTabSz="914400" rtl="0" eaLnBrk="1" latinLnBrk="0" hangingPunct="1">
+      <a:defRPr sz="1200" kern="1200">
+        <a:solidFill>
+          <a:schemeClr val="tx1"/>
+        </a:solidFill>
+        <a:latin typeface="+mn-lt"/>
+        <a:ea typeface="+mn-ea"/>
+        <a:cs typeface="+mn-cs"/>
+      </a:defRPr>
+    </a:lvl9pPr>
+  </p:notesStyle>
+</p:notesMaster>
+</file>
+
+<file path=ppt/notesSlides/notesSlide1.xml><?xml version="1.0" encoding="utf-8"?>
+<p:notes xmlns:a="http://schemas.openxmlformats.org/drawingml/2006/main" xmlns:r="http://schemas.openxmlformats.org/officeDocument/2006/relationships" xmlns:p="http://schemas.openxmlformats.org/presentationml/2006/main">
   <p:cSld>
     <p:spTree>
       <p:nvGrpSpPr>
@@ -36,9 +463,9 @@
       </p:grpSpPr>
       <p:sp>
         <p:nvSpPr>
-          <p:cNvPr id="153" name="PlaceHolder 1"/>
-          <p:cNvSpPr>
-            <a:spLocks noGrp="1"/>
+          <p:cNvPr id="164" name="PlaceHolder 1"/>
+          <p:cNvSpPr>
+            <a:spLocks noGrp="1" noRot="1" noChangeAspect="1"/>
           </p:cNvSpPr>
           <p:nvPr>
             <p:ph type="sldImg"/>
@@ -46,39 +473,17 @@
         </p:nvSpPr>
         <p:spPr>
           <a:xfrm>
-            <a:off x="380880" y="694800"/>
-            <a:ext cx="6095520" cy="3428640"/>
-          </a:xfrm>
-          <a:prstGeom prst="rect">
-            <a:avLst/>
-          </a:prstGeom>
-        </p:spPr>
-        <p:txBody>
-          <a:bodyPr lIns="0" rIns="0" tIns="0" bIns="0" anchor="ctr">
-            <a:noAutofit/>
-          </a:bodyPr>
-          <a:p>
-            <a:r>
-              <a:rPr b="0" lang="en-IN" sz="1400" spc="-1" strike="noStrike">
-                <a:solidFill>
-                  <a:srgbClr val="000000"/>
-                </a:solidFill>
-                <a:latin typeface="Arial"/>
-              </a:rPr>
-              <a:t>Click to move the slide</a:t>
-            </a:r>
-            <a:endParaRPr b="0" lang="en-IN" sz="1400" spc="-1" strike="noStrike">
-              <a:solidFill>
-                <a:srgbClr val="000000"/>
-              </a:solidFill>
-              <a:latin typeface="Arial"/>
-            </a:endParaRPr>
-          </a:p>
-        </p:txBody>
-      </p:sp>
-      <p:sp>
-        <p:nvSpPr>
-          <p:cNvPr id="154" name="PlaceHolder 2"/>
+            <a:off x="381000" y="685800"/>
+            <a:ext cx="6096000" cy="3429000"/>
+          </a:xfrm>
+          <a:prstGeom prst="rect">
+            <a:avLst/>
+          </a:prstGeom>
+        </p:spPr>
+      </p:sp>
+      <p:sp>
+        <p:nvSpPr>
+          <p:cNvPr id="165" name="PlaceHolder 2"/>
           <p:cNvSpPr>
             <a:spLocks noGrp="1"/>
           </p:cNvSpPr>
@@ -96,246 +501,10 @@
           </a:prstGeom>
         </p:spPr>
         <p:txBody>
-          <a:bodyPr lIns="0" rIns="0" tIns="0" bIns="0">
-            <a:noAutofit/>
-          </a:bodyPr>
-          <a:p>
-            <a:r>
-              <a:rPr b="0" lang="en-IN" sz="2000" spc="-1" strike="noStrike">
-                <a:latin typeface="Arial"/>
-              </a:rPr>
-              <a:t>Click to edit </a:t>
-            </a:r>
-            <a:r>
-              <a:rPr b="0" lang="en-IN" sz="2000" spc="-1" strike="noStrike">
-                <a:latin typeface="Arial"/>
-              </a:rPr>
-              <a:t>the notes </a:t>
-            </a:r>
-            <a:r>
-              <a:rPr b="0" lang="en-IN" sz="2000" spc="-1" strike="noStrike">
-                <a:latin typeface="Arial"/>
-              </a:rPr>
-              <a:t>format</a:t>
-            </a:r>
-            <a:endParaRPr b="0" lang="en-IN" sz="2000" spc="-1" strike="noStrike">
-              <a:latin typeface="Arial"/>
-            </a:endParaRPr>
-          </a:p>
-        </p:txBody>
-      </p:sp>
-      <p:sp>
-        <p:nvSpPr>
-          <p:cNvPr id="155" name="PlaceHolder 3"/>
-          <p:cNvSpPr>
-            <a:spLocks noGrp="1"/>
-          </p:cNvSpPr>
-          <p:nvPr>
-            <p:ph type="hdr"/>
-          </p:nvPr>
-        </p:nvSpPr>
-        <p:spPr>
-          <a:xfrm>
-            <a:off x="0" y="0"/>
-            <a:ext cx="2975760" cy="456840"/>
-          </a:xfrm>
-          <a:prstGeom prst="rect">
-            <a:avLst/>
-          </a:prstGeom>
-        </p:spPr>
-        <p:txBody>
-          <a:bodyPr lIns="0" rIns="0" tIns="0" bIns="0">
-            <a:noAutofit/>
-          </a:bodyPr>
-          <a:p>
-            <a:r>
-              <a:rPr b="0" lang="en-IN" sz="1400" spc="-1" strike="noStrike">
-                <a:latin typeface="Times New Roman"/>
-              </a:rPr>
-              <a:t>&lt;header&gt;</a:t>
-            </a:r>
-            <a:endParaRPr b="0" lang="en-IN" sz="1400" spc="-1" strike="noStrike">
-              <a:latin typeface="Times New Roman"/>
-            </a:endParaRPr>
-          </a:p>
-        </p:txBody>
-      </p:sp>
-      <p:sp>
-        <p:nvSpPr>
-          <p:cNvPr id="156" name="PlaceHolder 4"/>
-          <p:cNvSpPr>
-            <a:spLocks noGrp="1"/>
-          </p:cNvSpPr>
-          <p:nvPr>
-            <p:ph type="dt"/>
-          </p:nvPr>
-        </p:nvSpPr>
-        <p:spPr>
-          <a:xfrm>
-            <a:off x="3881880" y="0"/>
-            <a:ext cx="2975760" cy="456840"/>
-          </a:xfrm>
-          <a:prstGeom prst="rect">
-            <a:avLst/>
-          </a:prstGeom>
-        </p:spPr>
-        <p:txBody>
-          <a:bodyPr lIns="0" rIns="0" tIns="0" bIns="0">
-            <a:noAutofit/>
-          </a:bodyPr>
-          <a:p>
-            <a:pPr algn="r"/>
-            <a:r>
-              <a:rPr b="0" lang="en-IN" sz="1400" spc="-1" strike="noStrike">
-                <a:latin typeface="Times New Roman"/>
-              </a:rPr>
-              <a:t>&lt;date/time&gt;</a:t>
-            </a:r>
-            <a:endParaRPr b="0" lang="en-IN" sz="1400" spc="-1" strike="noStrike">
-              <a:latin typeface="Times New Roman"/>
-            </a:endParaRPr>
-          </a:p>
-        </p:txBody>
-      </p:sp>
-      <p:sp>
-        <p:nvSpPr>
-          <p:cNvPr id="157" name="PlaceHolder 5"/>
-          <p:cNvSpPr>
-            <a:spLocks noGrp="1"/>
-          </p:cNvSpPr>
-          <p:nvPr>
-            <p:ph type="ftr"/>
-          </p:nvPr>
-        </p:nvSpPr>
-        <p:spPr>
-          <a:xfrm>
-            <a:off x="0" y="8686800"/>
-            <a:ext cx="2975760" cy="456840"/>
-          </a:xfrm>
-          <a:prstGeom prst="rect">
-            <a:avLst/>
-          </a:prstGeom>
-        </p:spPr>
-        <p:txBody>
-          <a:bodyPr lIns="0" rIns="0" tIns="0" bIns="0" anchor="b">
-            <a:noAutofit/>
-          </a:bodyPr>
-          <a:p>
-            <a:r>
-              <a:rPr b="0" lang="en-IN" sz="1400" spc="-1" strike="noStrike">
-                <a:latin typeface="Times New Roman"/>
-              </a:rPr>
-              <a:t>&lt;footer&gt;</a:t>
-            </a:r>
-            <a:endParaRPr b="0" lang="en-IN" sz="1400" spc="-1" strike="noStrike">
-              <a:latin typeface="Times New Roman"/>
-            </a:endParaRPr>
-          </a:p>
-        </p:txBody>
-      </p:sp>
-      <p:sp>
-        <p:nvSpPr>
-          <p:cNvPr id="158" name="PlaceHolder 6"/>
-          <p:cNvSpPr>
-            <a:spLocks noGrp="1"/>
-          </p:cNvSpPr>
-          <p:nvPr>
-            <p:ph type="sldNum"/>
-          </p:nvPr>
-        </p:nvSpPr>
-        <p:spPr>
-          <a:xfrm>
-            <a:off x="3881880" y="8686800"/>
-            <a:ext cx="2975760" cy="456840"/>
-          </a:xfrm>
-          <a:prstGeom prst="rect">
-            <a:avLst/>
-          </a:prstGeom>
-        </p:spPr>
-        <p:txBody>
-          <a:bodyPr lIns="0" rIns="0" tIns="0" bIns="0" anchor="b">
-            <a:noAutofit/>
-          </a:bodyPr>
-          <a:p>
-            <a:pPr algn="r"/>
-            <a:fld id="{DED96A9A-BF21-4FA1-B9A0-8166E8245011}" type="slidenum">
-              <a:rPr b="0" lang="en-IN" sz="1400" spc="-1" strike="noStrike">
-                <a:latin typeface="Times New Roman"/>
-              </a:rPr>
-              <a:t>&lt;number&gt;</a:t>
-            </a:fld>
-            <a:endParaRPr b="0" lang="en-IN" sz="1400" spc="-1" strike="noStrike">
-              <a:latin typeface="Times New Roman"/>
-            </a:endParaRPr>
-          </a:p>
-        </p:txBody>
-      </p:sp>
-    </p:spTree>
-  </p:cSld>
-  <p:clrMap bg1="lt1" bg2="lt2" tx1="dk1" tx2="dk2" accent1="accent1" accent2="accent2" accent3="accent3" accent4="accent4" accent5="accent5" accent6="accent6" hlink="hlink" folHlink="folHlink"/>
-</p:notesMaster>
-</file>
-
-<file path=ppt/notesSlides/notesSlide1.xml><?xml version="1.0" encoding="utf-8"?>
-<p:notes xmlns:a="http://schemas.openxmlformats.org/drawingml/2006/main" xmlns:p="http://schemas.openxmlformats.org/presentationml/2006/main" xmlns:r="http://schemas.openxmlformats.org/officeDocument/2006/relationships" xmlns:p14="http://schemas.microsoft.com/office/powerpoint/2010/main" xmlns:p15="http://schemas.microsoft.com/office/powerpoint/2012/main" xmlns:mc="http://schemas.openxmlformats.org/markup-compatibility/2006">
-  <p:cSld>
-    <p:spTree>
-      <p:nvGrpSpPr>
-        <p:cNvPr id="1" name=""/>
-        <p:cNvGrpSpPr/>
-        <p:nvPr/>
-      </p:nvGrpSpPr>
-      <p:grpSpPr>
-        <a:xfrm>
-          <a:off x="0" y="0"/>
-          <a:ext cx="0" cy="0"/>
-          <a:chOff x="0" y="0"/>
-          <a:chExt cx="0" cy="0"/>
-        </a:xfrm>
-      </p:grpSpPr>
-      <p:sp>
-        <p:nvSpPr>
-          <p:cNvPr id="164" name="PlaceHolder 1"/>
-          <p:cNvSpPr>
-            <a:spLocks noGrp="1"/>
-          </p:cNvSpPr>
-          <p:nvPr>
-            <p:ph type="sldImg"/>
-          </p:nvPr>
-        </p:nvSpPr>
-        <p:spPr>
-          <a:xfrm>
-            <a:off x="380880" y="685800"/>
-            <a:ext cx="6095520" cy="3428640"/>
-          </a:xfrm>
-          <a:prstGeom prst="rect">
-            <a:avLst/>
-          </a:prstGeom>
-        </p:spPr>
-      </p:sp>
-      <p:sp>
-        <p:nvSpPr>
-          <p:cNvPr id="165" name="PlaceHolder 2"/>
-          <p:cNvSpPr>
-            <a:spLocks noGrp="1"/>
-          </p:cNvSpPr>
-          <p:nvPr>
-            <p:ph type="body"/>
-          </p:nvPr>
-        </p:nvSpPr>
-        <p:spPr>
-          <a:xfrm>
-            <a:off x="685800" y="4343400"/>
-            <a:ext cx="5486040" cy="4114440"/>
-          </a:xfrm>
-          <a:prstGeom prst="rect">
-            <a:avLst/>
-          </a:prstGeom>
-        </p:spPr>
-        <p:txBody>
           <a:bodyPr>
             <a:noAutofit/>
           </a:bodyPr>
+          <a:lstStyle/>
           <a:p>
             <a:pPr marL="171360" indent="-171000">
               <a:lnSpc>
@@ -348,7 +517,7 @@
               <a:buChar char="•"/>
             </a:pPr>
             <a:r>
-              <a:rPr b="0" lang="en-US" sz="1200" spc="-1" strike="noStrike">
+              <a:rPr lang="en-US" sz="1200" b="0" strike="noStrike" spc="-1">
                 <a:solidFill>
                   <a:srgbClr val="000000"/>
                 </a:solidFill>
@@ -357,7 +526,7 @@
               </a:rPr>
               <a:t>What did you learn about your area that you think even others might benefit from</a:t>
             </a:r>
-            <a:endParaRPr b="0" lang="en-IN" sz="1200" spc="-1" strike="noStrike">
+            <a:endParaRPr lang="en-IN" sz="1200" b="0" strike="noStrike" spc="-1">
               <a:latin typeface="Arial"/>
             </a:endParaRPr>
           </a:p>
@@ -373,7 +542,7 @@
               <a:buChar char="•"/>
             </a:pPr>
             <a:r>
-              <a:rPr b="0" lang="en-US" sz="1200" spc="-1" strike="noStrike">
+              <a:rPr lang="en-US" sz="1200" b="0" strike="noStrike" spc="-1">
                 <a:solidFill>
                   <a:srgbClr val="000000"/>
                 </a:solidFill>
@@ -382,7 +551,7 @@
               </a:rPr>
               <a:t>Share individual highlights as a token of appreciation for your team. </a:t>
             </a:r>
-            <a:endParaRPr b="0" lang="en-IN" sz="1200" spc="-1" strike="noStrike">
+            <a:endParaRPr lang="en-IN" sz="1200" b="0" strike="noStrike" spc="-1">
               <a:latin typeface="Arial"/>
             </a:endParaRPr>
           </a:p>
@@ -398,7 +567,7 @@
               <a:buChar char="•"/>
             </a:pPr>
             <a:r>
-              <a:rPr b="0" lang="en-US" sz="1200" spc="-1" strike="noStrike">
+              <a:rPr lang="en-US" sz="1200" b="0" strike="noStrike" spc="-1">
                 <a:solidFill>
                   <a:srgbClr val="000000"/>
                 </a:solidFill>
@@ -407,7 +576,7 @@
               </a:rPr>
               <a:t>List your positives, negatives and deltas. </a:t>
             </a:r>
-            <a:endParaRPr b="0" lang="en-IN" sz="1200" spc="-1" strike="noStrike">
+            <a:endParaRPr lang="en-IN" sz="1200" b="0" strike="noStrike" spc="-1">
               <a:latin typeface="Arial"/>
             </a:endParaRPr>
           </a:p>
@@ -436,22 +605,23 @@
           <a:bodyPr anchor="b">
             <a:noAutofit/>
           </a:bodyPr>
+          <a:lstStyle/>
           <a:p>
             <a:pPr algn="r">
               <a:lnSpc>
                 <a:spcPct val="100000"/>
               </a:lnSpc>
               <a:tabLst>
-                <a:tab algn="l" pos="0"/>
+                <a:tab pos="0" algn="l"/>
               </a:tabLst>
             </a:pPr>
             <a:fld id="{6F4E6677-A5D5-41FB-8E90-4C2AF5EB5AFB}" type="slidenum">
-              <a:rPr b="0" lang="en-US" sz="1400" spc="-1" strike="noStrike">
+              <a:rPr lang="en-US" sz="1400" b="0" strike="noStrike" spc="-1">
                 <a:latin typeface="Times New Roman"/>
               </a:rPr>
-              <a:t>&lt;number&gt;</a:t>
+              <a:t>1</a:t>
             </a:fld>
-            <a:endParaRPr b="0" lang="en-IN" sz="1400" spc="-1" strike="noStrike">
+            <a:endParaRPr lang="en-IN" sz="1400" b="0" strike="noStrike" spc="-1">
               <a:latin typeface="Times New Roman"/>
             </a:endParaRPr>
           </a:p>
@@ -459,11 +629,14 @@
       </p:sp>
     </p:spTree>
   </p:cSld>
+  <p:clrMapOvr>
+    <a:masterClrMapping/>
+  </p:clrMapOvr>
 </p:notes>
 </file>
 
 <file path=ppt/slideLayouts/slideLayout1.xml><?xml version="1.0" encoding="utf-8"?>
-<p:sldLayout xmlns:a="http://schemas.openxmlformats.org/drawingml/2006/main" xmlns:p="http://schemas.openxmlformats.org/presentationml/2006/main" xmlns:r="http://schemas.openxmlformats.org/officeDocument/2006/relationships" xmlns:p14="http://schemas.microsoft.com/office/powerpoint/2010/main" xmlns:p15="http://schemas.microsoft.com/office/powerpoint/2012/main" xmlns:mc="http://schemas.openxmlformats.org/markup-compatibility/2006" type="blank" preserve="1">
+<p:sldLayout xmlns:a="http://schemas.openxmlformats.org/drawingml/2006/main" xmlns:r="http://schemas.openxmlformats.org/officeDocument/2006/relationships" xmlns:p="http://schemas.openxmlformats.org/presentationml/2006/main" type="blank" preserve="1">
   <p:cSld name="Blank Slide">
     <p:spTree>
       <p:nvGrpSpPr>
@@ -481,11 +654,14 @@
       </p:grpSpPr>
     </p:spTree>
   </p:cSld>
+  <p:clrMapOvr>
+    <a:masterClrMapping/>
+  </p:clrMapOvr>
 </p:sldLayout>
 </file>
 
 <file path=ppt/slideLayouts/slideLayout10.xml><?xml version="1.0" encoding="utf-8"?>
-<p:sldLayout xmlns:a="http://schemas.openxmlformats.org/drawingml/2006/main" xmlns:p="http://schemas.openxmlformats.org/presentationml/2006/main" xmlns:r="http://schemas.openxmlformats.org/officeDocument/2006/relationships" xmlns:p14="http://schemas.microsoft.com/office/powerpoint/2010/main" xmlns:p15="http://schemas.microsoft.com/office/powerpoint/2012/main" xmlns:mc="http://schemas.openxmlformats.org/markup-compatibility/2006" type="objOverTx" preserve="1">
+<p:sldLayout xmlns:a="http://schemas.openxmlformats.org/drawingml/2006/main" xmlns:r="http://schemas.openxmlformats.org/officeDocument/2006/relationships" xmlns:p="http://schemas.openxmlformats.org/presentationml/2006/main" type="objOverTx" preserve="1">
   <p:cSld name="Title, Content over Content">
     <p:spTree>
       <p:nvGrpSpPr>
@@ -521,11 +697,12 @@
           </a:prstGeom>
         </p:spPr>
         <p:txBody>
-          <a:bodyPr lIns="0" rIns="0" tIns="0" bIns="0" anchor="ctr">
+          <a:bodyPr lIns="0" tIns="0" rIns="0" bIns="0" anchor="ctr">
             <a:noAutofit/>
           </a:bodyPr>
-          <a:p>
-            <a:endParaRPr b="0" lang="en-IN" sz="1400" spc="-1" strike="noStrike">
+          <a:lstStyle/>
+          <a:p>
+            <a:endParaRPr lang="en-IN" sz="1400" b="0" strike="noStrike" spc="-1">
               <a:solidFill>
                 <a:srgbClr val="000000"/>
               </a:solidFill>
@@ -554,11 +731,12 @@
           </a:prstGeom>
         </p:spPr>
         <p:txBody>
-          <a:bodyPr lIns="0" rIns="0" tIns="0" bIns="0">
+          <a:bodyPr lIns="0" tIns="0" rIns="0" bIns="0">
             <a:normAutofit/>
           </a:bodyPr>
-          <a:p>
-            <a:endParaRPr b="0" lang="en-IN" sz="1400" spc="-1" strike="noStrike">
+          <a:lstStyle/>
+          <a:p>
+            <a:endParaRPr lang="en-IN" sz="1400" b="0" strike="noStrike" spc="-1">
               <a:solidFill>
                 <a:srgbClr val="000000"/>
               </a:solidFill>
@@ -587,11 +765,12 @@
           </a:prstGeom>
         </p:spPr>
         <p:txBody>
-          <a:bodyPr lIns="0" rIns="0" tIns="0" bIns="0">
+          <a:bodyPr lIns="0" tIns="0" rIns="0" bIns="0">
             <a:normAutofit/>
           </a:bodyPr>
-          <a:p>
-            <a:endParaRPr b="0" lang="en-IN" sz="1400" spc="-1" strike="noStrike">
+          <a:lstStyle/>
+          <a:p>
+            <a:endParaRPr lang="en-IN" sz="1400" b="0" strike="noStrike" spc="-1">
               <a:solidFill>
                 <a:srgbClr val="000000"/>
               </a:solidFill>
@@ -602,11 +781,14 @@
       </p:sp>
     </p:spTree>
   </p:cSld>
+  <p:clrMapOvr>
+    <a:masterClrMapping/>
+  </p:clrMapOvr>
 </p:sldLayout>
 </file>
 
 <file path=ppt/slideLayouts/slideLayout11.xml><?xml version="1.0" encoding="utf-8"?>
-<p:sldLayout xmlns:a="http://schemas.openxmlformats.org/drawingml/2006/main" xmlns:p="http://schemas.openxmlformats.org/presentationml/2006/main" xmlns:r="http://schemas.openxmlformats.org/officeDocument/2006/relationships" xmlns:p14="http://schemas.microsoft.com/office/powerpoint/2010/main" xmlns:p15="http://schemas.microsoft.com/office/powerpoint/2012/main" xmlns:mc="http://schemas.openxmlformats.org/markup-compatibility/2006" type="fourObj" preserve="1">
+<p:sldLayout xmlns:a="http://schemas.openxmlformats.org/drawingml/2006/main" xmlns:r="http://schemas.openxmlformats.org/officeDocument/2006/relationships" xmlns:p="http://schemas.openxmlformats.org/presentationml/2006/main" type="fourObj" preserve="1">
   <p:cSld name="Title, 4 Content">
     <p:spTree>
       <p:nvGrpSpPr>
@@ -642,11 +824,12 @@
           </a:prstGeom>
         </p:spPr>
         <p:txBody>
-          <a:bodyPr lIns="0" rIns="0" tIns="0" bIns="0" anchor="ctr">
+          <a:bodyPr lIns="0" tIns="0" rIns="0" bIns="0" anchor="ctr">
             <a:noAutofit/>
           </a:bodyPr>
-          <a:p>
-            <a:endParaRPr b="0" lang="en-IN" sz="1400" spc="-1" strike="noStrike">
+          <a:lstStyle/>
+          <a:p>
+            <a:endParaRPr lang="en-IN" sz="1400" b="0" strike="noStrike" spc="-1">
               <a:solidFill>
                 <a:srgbClr val="000000"/>
               </a:solidFill>
@@ -675,11 +858,12 @@
           </a:prstGeom>
         </p:spPr>
         <p:txBody>
-          <a:bodyPr lIns="0" rIns="0" tIns="0" bIns="0">
+          <a:bodyPr lIns="0" tIns="0" rIns="0" bIns="0">
             <a:normAutofit/>
           </a:bodyPr>
-          <a:p>
-            <a:endParaRPr b="0" lang="en-IN" sz="1400" spc="-1" strike="noStrike">
+          <a:lstStyle/>
+          <a:p>
+            <a:endParaRPr lang="en-IN" sz="1400" b="0" strike="noStrike" spc="-1">
               <a:solidFill>
                 <a:srgbClr val="000000"/>
               </a:solidFill>
@@ -708,11 +892,12 @@
           </a:prstGeom>
         </p:spPr>
         <p:txBody>
-          <a:bodyPr lIns="0" rIns="0" tIns="0" bIns="0">
+          <a:bodyPr lIns="0" tIns="0" rIns="0" bIns="0">
             <a:normAutofit/>
           </a:bodyPr>
-          <a:p>
-            <a:endParaRPr b="0" lang="en-IN" sz="1400" spc="-1" strike="noStrike">
+          <a:lstStyle/>
+          <a:p>
+            <a:endParaRPr lang="en-IN" sz="1400" b="0" strike="noStrike" spc="-1">
               <a:solidFill>
                 <a:srgbClr val="000000"/>
               </a:solidFill>
@@ -741,11 +926,12 @@
           </a:prstGeom>
         </p:spPr>
         <p:txBody>
-          <a:bodyPr lIns="0" rIns="0" tIns="0" bIns="0">
+          <a:bodyPr lIns="0" tIns="0" rIns="0" bIns="0">
             <a:normAutofit/>
           </a:bodyPr>
-          <a:p>
-            <a:endParaRPr b="0" lang="en-IN" sz="1400" spc="-1" strike="noStrike">
+          <a:lstStyle/>
+          <a:p>
+            <a:endParaRPr lang="en-IN" sz="1400" b="0" strike="noStrike" spc="-1">
               <a:solidFill>
                 <a:srgbClr val="000000"/>
               </a:solidFill>
@@ -774,11 +960,12 @@
           </a:prstGeom>
         </p:spPr>
         <p:txBody>
-          <a:bodyPr lIns="0" rIns="0" tIns="0" bIns="0">
+          <a:bodyPr lIns="0" tIns="0" rIns="0" bIns="0">
             <a:normAutofit/>
           </a:bodyPr>
-          <a:p>
-            <a:endParaRPr b="0" lang="en-IN" sz="1400" spc="-1" strike="noStrike">
+          <a:lstStyle/>
+          <a:p>
+            <a:endParaRPr lang="en-IN" sz="1400" b="0" strike="noStrike" spc="-1">
               <a:solidFill>
                 <a:srgbClr val="000000"/>
               </a:solidFill>
@@ -789,11 +976,14 @@
       </p:sp>
     </p:spTree>
   </p:cSld>
+  <p:clrMapOvr>
+    <a:masterClrMapping/>
+  </p:clrMapOvr>
 </p:sldLayout>
 </file>
 
 <file path=ppt/slideLayouts/slideLayout12.xml><?xml version="1.0" encoding="utf-8"?>
-<p:sldLayout xmlns:a="http://schemas.openxmlformats.org/drawingml/2006/main" xmlns:p="http://schemas.openxmlformats.org/presentationml/2006/main" xmlns:r="http://schemas.openxmlformats.org/officeDocument/2006/relationships" xmlns:p14="http://schemas.microsoft.com/office/powerpoint/2010/main" xmlns:p15="http://schemas.microsoft.com/office/powerpoint/2012/main" xmlns:mc="http://schemas.openxmlformats.org/markup-compatibility/2006" type="blank" preserve="1">
+<p:sldLayout xmlns:a="http://schemas.openxmlformats.org/drawingml/2006/main" xmlns:r="http://schemas.openxmlformats.org/officeDocument/2006/relationships" xmlns:p="http://schemas.openxmlformats.org/presentationml/2006/main" type="blank" preserve="1">
   <p:cSld name="Title, 6 Content">
     <p:spTree>
       <p:nvGrpSpPr>
@@ -829,11 +1019,12 @@
           </a:prstGeom>
         </p:spPr>
         <p:txBody>
-          <a:bodyPr lIns="0" rIns="0" tIns="0" bIns="0" anchor="ctr">
+          <a:bodyPr lIns="0" tIns="0" rIns="0" bIns="0" anchor="ctr">
             <a:noAutofit/>
           </a:bodyPr>
-          <a:p>
-            <a:endParaRPr b="0" lang="en-IN" sz="1400" spc="-1" strike="noStrike">
+          <a:lstStyle/>
+          <a:p>
+            <a:endParaRPr lang="en-IN" sz="1400" b="0" strike="noStrike" spc="-1">
               <a:solidFill>
                 <a:srgbClr val="000000"/>
               </a:solidFill>
@@ -862,11 +1053,12 @@
           </a:prstGeom>
         </p:spPr>
         <p:txBody>
-          <a:bodyPr lIns="0" rIns="0" tIns="0" bIns="0">
+          <a:bodyPr lIns="0" tIns="0" rIns="0" bIns="0">
             <a:normAutofit/>
           </a:bodyPr>
-          <a:p>
-            <a:endParaRPr b="0" lang="en-IN" sz="1400" spc="-1" strike="noStrike">
+          <a:lstStyle/>
+          <a:p>
+            <a:endParaRPr lang="en-IN" sz="1400" b="0" strike="noStrike" spc="-1">
               <a:solidFill>
                 <a:srgbClr val="000000"/>
               </a:solidFill>
@@ -895,11 +1087,12 @@
           </a:prstGeom>
         </p:spPr>
         <p:txBody>
-          <a:bodyPr lIns="0" rIns="0" tIns="0" bIns="0">
+          <a:bodyPr lIns="0" tIns="0" rIns="0" bIns="0">
             <a:normAutofit/>
           </a:bodyPr>
-          <a:p>
-            <a:endParaRPr b="0" lang="en-IN" sz="1400" spc="-1" strike="noStrike">
+          <a:lstStyle/>
+          <a:p>
+            <a:endParaRPr lang="en-IN" sz="1400" b="0" strike="noStrike" spc="-1">
               <a:solidFill>
                 <a:srgbClr val="000000"/>
               </a:solidFill>
@@ -928,11 +1121,12 @@
           </a:prstGeom>
         </p:spPr>
         <p:txBody>
-          <a:bodyPr lIns="0" rIns="0" tIns="0" bIns="0">
+          <a:bodyPr lIns="0" tIns="0" rIns="0" bIns="0">
             <a:normAutofit/>
           </a:bodyPr>
-          <a:p>
-            <a:endParaRPr b="0" lang="en-IN" sz="1400" spc="-1" strike="noStrike">
+          <a:lstStyle/>
+          <a:p>
+            <a:endParaRPr lang="en-IN" sz="1400" b="0" strike="noStrike" spc="-1">
               <a:solidFill>
                 <a:srgbClr val="000000"/>
               </a:solidFill>
@@ -961,11 +1155,12 @@
           </a:prstGeom>
         </p:spPr>
         <p:txBody>
-          <a:bodyPr lIns="0" rIns="0" tIns="0" bIns="0">
+          <a:bodyPr lIns="0" tIns="0" rIns="0" bIns="0">
             <a:normAutofit/>
           </a:bodyPr>
-          <a:p>
-            <a:endParaRPr b="0" lang="en-IN" sz="1400" spc="-1" strike="noStrike">
+          <a:lstStyle/>
+          <a:p>
+            <a:endParaRPr lang="en-IN" sz="1400" b="0" strike="noStrike" spc="-1">
               <a:solidFill>
                 <a:srgbClr val="000000"/>
               </a:solidFill>
@@ -994,11 +1189,12 @@
           </a:prstGeom>
         </p:spPr>
         <p:txBody>
-          <a:bodyPr lIns="0" rIns="0" tIns="0" bIns="0">
+          <a:bodyPr lIns="0" tIns="0" rIns="0" bIns="0">
             <a:normAutofit/>
           </a:bodyPr>
-          <a:p>
-            <a:endParaRPr b="0" lang="en-IN" sz="1400" spc="-1" strike="noStrike">
+          <a:lstStyle/>
+          <a:p>
+            <a:endParaRPr lang="en-IN" sz="1400" b="0" strike="noStrike" spc="-1">
               <a:solidFill>
                 <a:srgbClr val="000000"/>
               </a:solidFill>
@@ -1027,11 +1223,12 @@
           </a:prstGeom>
         </p:spPr>
         <p:txBody>
-          <a:bodyPr lIns="0" rIns="0" tIns="0" bIns="0">
+          <a:bodyPr lIns="0" tIns="0" rIns="0" bIns="0">
             <a:normAutofit/>
           </a:bodyPr>
-          <a:p>
-            <a:endParaRPr b="0" lang="en-IN" sz="1400" spc="-1" strike="noStrike">
+          <a:lstStyle/>
+          <a:p>
+            <a:endParaRPr lang="en-IN" sz="1400" b="0" strike="noStrike" spc="-1">
               <a:solidFill>
                 <a:srgbClr val="000000"/>
               </a:solidFill>
@@ -1042,11 +1239,14 @@
       </p:sp>
     </p:spTree>
   </p:cSld>
+  <p:clrMapOvr>
+    <a:masterClrMapping/>
+  </p:clrMapOvr>
 </p:sldLayout>
 </file>
 
 <file path=ppt/slideLayouts/slideLayout13.xml><?xml version="1.0" encoding="utf-8"?>
-<p:sldLayout xmlns:a="http://schemas.openxmlformats.org/drawingml/2006/main" xmlns:p="http://schemas.openxmlformats.org/presentationml/2006/main" xmlns:r="http://schemas.openxmlformats.org/officeDocument/2006/relationships" xmlns:p14="http://schemas.microsoft.com/office/powerpoint/2010/main" xmlns:p15="http://schemas.microsoft.com/office/powerpoint/2012/main" xmlns:mc="http://schemas.openxmlformats.org/markup-compatibility/2006" type="blank" preserve="1">
+<p:sldLayout xmlns:a="http://schemas.openxmlformats.org/drawingml/2006/main" xmlns:r="http://schemas.openxmlformats.org/officeDocument/2006/relationships" xmlns:p="http://schemas.openxmlformats.org/presentationml/2006/main" type="blank" preserve="1">
   <p:cSld name="Blank Slide">
     <p:spTree>
       <p:nvGrpSpPr>
@@ -1064,11 +1264,14 @@
       </p:grpSpPr>
     </p:spTree>
   </p:cSld>
+  <p:clrMapOvr>
+    <a:masterClrMapping/>
+  </p:clrMapOvr>
 </p:sldLayout>
 </file>
 
 <file path=ppt/slideLayouts/slideLayout14.xml><?xml version="1.0" encoding="utf-8"?>
-<p:sldLayout xmlns:a="http://schemas.openxmlformats.org/drawingml/2006/main" xmlns:p="http://schemas.openxmlformats.org/presentationml/2006/main" xmlns:r="http://schemas.openxmlformats.org/officeDocument/2006/relationships" xmlns:p14="http://schemas.microsoft.com/office/powerpoint/2010/main" xmlns:p15="http://schemas.microsoft.com/office/powerpoint/2012/main" xmlns:mc="http://schemas.openxmlformats.org/markup-compatibility/2006" type="tx" preserve="1">
+<p:sldLayout xmlns:a="http://schemas.openxmlformats.org/drawingml/2006/main" xmlns:r="http://schemas.openxmlformats.org/officeDocument/2006/relationships" xmlns:p="http://schemas.openxmlformats.org/presentationml/2006/main" type="tx" preserve="1">
   <p:cSld name="Title Slide">
     <p:spTree>
       <p:nvGrpSpPr>
@@ -1104,11 +1307,12 @@
           </a:prstGeom>
         </p:spPr>
         <p:txBody>
-          <a:bodyPr lIns="0" rIns="0" tIns="0" bIns="0" anchor="ctr">
+          <a:bodyPr lIns="0" tIns="0" rIns="0" bIns="0" anchor="ctr">
             <a:noAutofit/>
           </a:bodyPr>
-          <a:p>
-            <a:endParaRPr b="0" lang="en-IN" sz="1400" spc="-1" strike="noStrike">
+          <a:lstStyle/>
+          <a:p>
+            <a:endParaRPr lang="en-IN" sz="1400" b="0" strike="noStrike" spc="-1">
               <a:solidFill>
                 <a:srgbClr val="000000"/>
               </a:solidFill>
@@ -1137,12 +1341,13 @@
           </a:prstGeom>
         </p:spPr>
         <p:txBody>
-          <a:bodyPr lIns="0" rIns="0" tIns="0" bIns="0" anchor="ctr">
+          <a:bodyPr lIns="0" tIns="0" rIns="0" bIns="0" anchor="ctr">
             <a:noAutofit/>
           </a:bodyPr>
+          <a:lstStyle/>
           <a:p>
             <a:pPr algn="ctr"/>
-            <a:endParaRPr b="0" lang="en-IN" sz="3200" spc="-1" strike="noStrike">
+            <a:endParaRPr lang="en-IN" sz="3200" b="0" strike="noStrike" spc="-1">
               <a:latin typeface="Arial"/>
             </a:endParaRPr>
           </a:p>
@@ -1150,11 +1355,14 @@
       </p:sp>
     </p:spTree>
   </p:cSld>
+  <p:clrMapOvr>
+    <a:masterClrMapping/>
+  </p:clrMapOvr>
 </p:sldLayout>
 </file>
 
 <file path=ppt/slideLayouts/slideLayout15.xml><?xml version="1.0" encoding="utf-8"?>
-<p:sldLayout xmlns:a="http://schemas.openxmlformats.org/drawingml/2006/main" xmlns:p="http://schemas.openxmlformats.org/presentationml/2006/main" xmlns:r="http://schemas.openxmlformats.org/officeDocument/2006/relationships" xmlns:p14="http://schemas.microsoft.com/office/powerpoint/2010/main" xmlns:p15="http://schemas.microsoft.com/office/powerpoint/2012/main" xmlns:mc="http://schemas.openxmlformats.org/markup-compatibility/2006" type="obj" preserve="1">
+<p:sldLayout xmlns:a="http://schemas.openxmlformats.org/drawingml/2006/main" xmlns:r="http://schemas.openxmlformats.org/officeDocument/2006/relationships" xmlns:p="http://schemas.openxmlformats.org/presentationml/2006/main" type="obj" preserve="1">
   <p:cSld name="Title, Content">
     <p:spTree>
       <p:nvGrpSpPr>
@@ -1190,11 +1398,12 @@
           </a:prstGeom>
         </p:spPr>
         <p:txBody>
-          <a:bodyPr lIns="0" rIns="0" tIns="0" bIns="0" anchor="ctr">
+          <a:bodyPr lIns="0" tIns="0" rIns="0" bIns="0" anchor="ctr">
             <a:noAutofit/>
           </a:bodyPr>
-          <a:p>
-            <a:endParaRPr b="0" lang="en-IN" sz="1400" spc="-1" strike="noStrike">
+          <a:lstStyle/>
+          <a:p>
+            <a:endParaRPr lang="en-IN" sz="1400" b="0" strike="noStrike" spc="-1">
               <a:solidFill>
                 <a:srgbClr val="000000"/>
               </a:solidFill>
@@ -1223,11 +1432,12 @@
           </a:prstGeom>
         </p:spPr>
         <p:txBody>
-          <a:bodyPr lIns="0" rIns="0" tIns="0" bIns="0">
+          <a:bodyPr lIns="0" tIns="0" rIns="0" bIns="0">
             <a:normAutofit/>
           </a:bodyPr>
-          <a:p>
-            <a:endParaRPr b="0" lang="en-IN" sz="1400" spc="-1" strike="noStrike">
+          <a:lstStyle/>
+          <a:p>
+            <a:endParaRPr lang="en-IN" sz="1400" b="0" strike="noStrike" spc="-1">
               <a:solidFill>
                 <a:srgbClr val="000000"/>
               </a:solidFill>
@@ -1238,11 +1448,14 @@
       </p:sp>
     </p:spTree>
   </p:cSld>
+  <p:clrMapOvr>
+    <a:masterClrMapping/>
+  </p:clrMapOvr>
 </p:sldLayout>
 </file>
 
 <file path=ppt/slideLayouts/slideLayout16.xml><?xml version="1.0" encoding="utf-8"?>
-<p:sldLayout xmlns:a="http://schemas.openxmlformats.org/drawingml/2006/main" xmlns:p="http://schemas.openxmlformats.org/presentationml/2006/main" xmlns:r="http://schemas.openxmlformats.org/officeDocument/2006/relationships" xmlns:p14="http://schemas.microsoft.com/office/powerpoint/2010/main" xmlns:p15="http://schemas.microsoft.com/office/powerpoint/2012/main" xmlns:mc="http://schemas.openxmlformats.org/markup-compatibility/2006" type="twoObj" preserve="1">
+<p:sldLayout xmlns:a="http://schemas.openxmlformats.org/drawingml/2006/main" xmlns:r="http://schemas.openxmlformats.org/officeDocument/2006/relationships" xmlns:p="http://schemas.openxmlformats.org/presentationml/2006/main" type="twoObj" preserve="1">
   <p:cSld name="Title, 2 Content">
     <p:spTree>
       <p:nvGrpSpPr>
@@ -1278,11 +1491,12 @@
           </a:prstGeom>
         </p:spPr>
         <p:txBody>
-          <a:bodyPr lIns="0" rIns="0" tIns="0" bIns="0" anchor="ctr">
+          <a:bodyPr lIns="0" tIns="0" rIns="0" bIns="0" anchor="ctr">
             <a:noAutofit/>
           </a:bodyPr>
-          <a:p>
-            <a:endParaRPr b="0" lang="en-IN" sz="1400" spc="-1" strike="noStrike">
+          <a:lstStyle/>
+          <a:p>
+            <a:endParaRPr lang="en-IN" sz="1400" b="0" strike="noStrike" spc="-1">
               <a:solidFill>
                 <a:srgbClr val="000000"/>
               </a:solidFill>
@@ -1311,11 +1525,12 @@
           </a:prstGeom>
         </p:spPr>
         <p:txBody>
-          <a:bodyPr lIns="0" rIns="0" tIns="0" bIns="0">
+          <a:bodyPr lIns="0" tIns="0" rIns="0" bIns="0">
             <a:normAutofit/>
           </a:bodyPr>
-          <a:p>
-            <a:endParaRPr b="0" lang="en-IN" sz="1400" spc="-1" strike="noStrike">
+          <a:lstStyle/>
+          <a:p>
+            <a:endParaRPr lang="en-IN" sz="1400" b="0" strike="noStrike" spc="-1">
               <a:solidFill>
                 <a:srgbClr val="000000"/>
               </a:solidFill>
@@ -1344,11 +1559,12 @@
           </a:prstGeom>
         </p:spPr>
         <p:txBody>
-          <a:bodyPr lIns="0" rIns="0" tIns="0" bIns="0">
+          <a:bodyPr lIns="0" tIns="0" rIns="0" bIns="0">
             <a:normAutofit/>
           </a:bodyPr>
-          <a:p>
-            <a:endParaRPr b="0" lang="en-IN" sz="1400" spc="-1" strike="noStrike">
+          <a:lstStyle/>
+          <a:p>
+            <a:endParaRPr lang="en-IN" sz="1400" b="0" strike="noStrike" spc="-1">
               <a:solidFill>
                 <a:srgbClr val="000000"/>
               </a:solidFill>
@@ -1359,11 +1575,14 @@
       </p:sp>
     </p:spTree>
   </p:cSld>
+  <p:clrMapOvr>
+    <a:masterClrMapping/>
+  </p:clrMapOvr>
 </p:sldLayout>
 </file>
 
 <file path=ppt/slideLayouts/slideLayout17.xml><?xml version="1.0" encoding="utf-8"?>
-<p:sldLayout xmlns:a="http://schemas.openxmlformats.org/drawingml/2006/main" xmlns:p="http://schemas.openxmlformats.org/presentationml/2006/main" xmlns:r="http://schemas.openxmlformats.org/officeDocument/2006/relationships" xmlns:p14="http://schemas.microsoft.com/office/powerpoint/2010/main" xmlns:p15="http://schemas.microsoft.com/office/powerpoint/2012/main" xmlns:mc="http://schemas.openxmlformats.org/markup-compatibility/2006" type="titleOnly" preserve="1">
+<p:sldLayout xmlns:a="http://schemas.openxmlformats.org/drawingml/2006/main" xmlns:r="http://schemas.openxmlformats.org/officeDocument/2006/relationships" xmlns:p="http://schemas.openxmlformats.org/presentationml/2006/main" type="titleOnly" preserve="1">
   <p:cSld name="Title Only">
     <p:spTree>
       <p:nvGrpSpPr>
@@ -1399,11 +1618,12 @@
           </a:prstGeom>
         </p:spPr>
         <p:txBody>
-          <a:bodyPr lIns="0" rIns="0" tIns="0" bIns="0" anchor="ctr">
+          <a:bodyPr lIns="0" tIns="0" rIns="0" bIns="0" anchor="ctr">
             <a:noAutofit/>
           </a:bodyPr>
-          <a:p>
-            <a:endParaRPr b="0" lang="en-IN" sz="1400" spc="-1" strike="noStrike">
+          <a:lstStyle/>
+          <a:p>
+            <a:endParaRPr lang="en-IN" sz="1400" b="0" strike="noStrike" spc="-1">
               <a:solidFill>
                 <a:srgbClr val="000000"/>
               </a:solidFill>
@@ -1414,11 +1634,14 @@
       </p:sp>
     </p:spTree>
   </p:cSld>
+  <p:clrMapOvr>
+    <a:masterClrMapping/>
+  </p:clrMapOvr>
 </p:sldLayout>
 </file>
 
 <file path=ppt/slideLayouts/slideLayout18.xml><?xml version="1.0" encoding="utf-8"?>
-<p:sldLayout xmlns:a="http://schemas.openxmlformats.org/drawingml/2006/main" xmlns:p="http://schemas.openxmlformats.org/presentationml/2006/main" xmlns:r="http://schemas.openxmlformats.org/officeDocument/2006/relationships" xmlns:p14="http://schemas.microsoft.com/office/powerpoint/2010/main" xmlns:p15="http://schemas.microsoft.com/office/powerpoint/2012/main" xmlns:mc="http://schemas.openxmlformats.org/markup-compatibility/2006" type="objOnly" preserve="1">
+<p:sldLayout xmlns:a="http://schemas.openxmlformats.org/drawingml/2006/main" xmlns:r="http://schemas.openxmlformats.org/officeDocument/2006/relationships" xmlns:p="http://schemas.openxmlformats.org/presentationml/2006/main" type="objOnly" preserve="1">
   <p:cSld name="Centered Text">
     <p:spTree>
       <p:nvGrpSpPr>
@@ -1454,12 +1677,13 @@
           </a:prstGeom>
         </p:spPr>
         <p:txBody>
-          <a:bodyPr lIns="0" rIns="0" tIns="0" bIns="0" anchor="ctr">
+          <a:bodyPr lIns="0" tIns="0" rIns="0" bIns="0" anchor="ctr">
             <a:noAutofit/>
           </a:bodyPr>
+          <a:lstStyle/>
           <a:p>
             <a:pPr algn="ctr"/>
-            <a:endParaRPr b="0" lang="en-IN" sz="3200" spc="-1" strike="noStrike">
+            <a:endParaRPr lang="en-IN" sz="3200" b="0" strike="noStrike" spc="-1">
               <a:latin typeface="Arial"/>
             </a:endParaRPr>
           </a:p>
@@ -1467,11 +1691,14 @@
       </p:sp>
     </p:spTree>
   </p:cSld>
+  <p:clrMapOvr>
+    <a:masterClrMapping/>
+  </p:clrMapOvr>
 </p:sldLayout>
 </file>
 
 <file path=ppt/slideLayouts/slideLayout19.xml><?xml version="1.0" encoding="utf-8"?>
-<p:sldLayout xmlns:a="http://schemas.openxmlformats.org/drawingml/2006/main" xmlns:p="http://schemas.openxmlformats.org/presentationml/2006/main" xmlns:r="http://schemas.openxmlformats.org/officeDocument/2006/relationships" xmlns:p14="http://schemas.microsoft.com/office/powerpoint/2010/main" xmlns:p15="http://schemas.microsoft.com/office/powerpoint/2012/main" xmlns:mc="http://schemas.openxmlformats.org/markup-compatibility/2006" type="twoObjAndObj" preserve="1">
+<p:sldLayout xmlns:a="http://schemas.openxmlformats.org/drawingml/2006/main" xmlns:r="http://schemas.openxmlformats.org/officeDocument/2006/relationships" xmlns:p="http://schemas.openxmlformats.org/presentationml/2006/main" type="twoObjAndObj" preserve="1">
   <p:cSld name="Title, 2 Content and Content">
     <p:spTree>
       <p:nvGrpSpPr>
@@ -1507,11 +1734,12 @@
           </a:prstGeom>
         </p:spPr>
         <p:txBody>
-          <a:bodyPr lIns="0" rIns="0" tIns="0" bIns="0" anchor="ctr">
+          <a:bodyPr lIns="0" tIns="0" rIns="0" bIns="0" anchor="ctr">
             <a:noAutofit/>
           </a:bodyPr>
-          <a:p>
-            <a:endParaRPr b="0" lang="en-IN" sz="1400" spc="-1" strike="noStrike">
+          <a:lstStyle/>
+          <a:p>
+            <a:endParaRPr lang="en-IN" sz="1400" b="0" strike="noStrike" spc="-1">
               <a:solidFill>
                 <a:srgbClr val="000000"/>
               </a:solidFill>
@@ -1540,11 +1768,12 @@
           </a:prstGeom>
         </p:spPr>
         <p:txBody>
-          <a:bodyPr lIns="0" rIns="0" tIns="0" bIns="0">
+          <a:bodyPr lIns="0" tIns="0" rIns="0" bIns="0">
             <a:normAutofit/>
           </a:bodyPr>
-          <a:p>
-            <a:endParaRPr b="0" lang="en-IN" sz="1400" spc="-1" strike="noStrike">
+          <a:lstStyle/>
+          <a:p>
+            <a:endParaRPr lang="en-IN" sz="1400" b="0" strike="noStrike" spc="-1">
               <a:solidFill>
                 <a:srgbClr val="000000"/>
               </a:solidFill>
@@ -1573,11 +1802,12 @@
           </a:prstGeom>
         </p:spPr>
         <p:txBody>
-          <a:bodyPr lIns="0" rIns="0" tIns="0" bIns="0">
+          <a:bodyPr lIns="0" tIns="0" rIns="0" bIns="0">
             <a:normAutofit/>
           </a:bodyPr>
-          <a:p>
-            <a:endParaRPr b="0" lang="en-IN" sz="1400" spc="-1" strike="noStrike">
+          <a:lstStyle/>
+          <a:p>
+            <a:endParaRPr lang="en-IN" sz="1400" b="0" strike="noStrike" spc="-1">
               <a:solidFill>
                 <a:srgbClr val="000000"/>
               </a:solidFill>
@@ -1606,11 +1836,12 @@
           </a:prstGeom>
         </p:spPr>
         <p:txBody>
-          <a:bodyPr lIns="0" rIns="0" tIns="0" bIns="0">
+          <a:bodyPr lIns="0" tIns="0" rIns="0" bIns="0">
             <a:normAutofit/>
           </a:bodyPr>
-          <a:p>
-            <a:endParaRPr b="0" lang="en-IN" sz="1400" spc="-1" strike="noStrike">
+          <a:lstStyle/>
+          <a:p>
+            <a:endParaRPr lang="en-IN" sz="1400" b="0" strike="noStrike" spc="-1">
               <a:solidFill>
                 <a:srgbClr val="000000"/>
               </a:solidFill>
@@ -1621,11 +1852,14 @@
       </p:sp>
     </p:spTree>
   </p:cSld>
+  <p:clrMapOvr>
+    <a:masterClrMapping/>
+  </p:clrMapOvr>
 </p:sldLayout>
 </file>
 
 <file path=ppt/slideLayouts/slideLayout2.xml><?xml version="1.0" encoding="utf-8"?>
-<p:sldLayout xmlns:a="http://schemas.openxmlformats.org/drawingml/2006/main" xmlns:p="http://schemas.openxmlformats.org/presentationml/2006/main" xmlns:r="http://schemas.openxmlformats.org/officeDocument/2006/relationships" xmlns:p14="http://schemas.microsoft.com/office/powerpoint/2010/main" xmlns:p15="http://schemas.microsoft.com/office/powerpoint/2012/main" xmlns:mc="http://schemas.openxmlformats.org/markup-compatibility/2006" type="tx" preserve="1">
+<p:sldLayout xmlns:a="http://schemas.openxmlformats.org/drawingml/2006/main" xmlns:r="http://schemas.openxmlformats.org/officeDocument/2006/relationships" xmlns:p="http://schemas.openxmlformats.org/presentationml/2006/main" type="tx" preserve="1">
   <p:cSld name="Title Slide">
     <p:spTree>
       <p:nvGrpSpPr>
@@ -1661,11 +1895,12 @@
           </a:prstGeom>
         </p:spPr>
         <p:txBody>
-          <a:bodyPr lIns="0" rIns="0" tIns="0" bIns="0" anchor="ctr">
+          <a:bodyPr lIns="0" tIns="0" rIns="0" bIns="0" anchor="ctr">
             <a:noAutofit/>
           </a:bodyPr>
-          <a:p>
-            <a:endParaRPr b="0" lang="en-IN" sz="1400" spc="-1" strike="noStrike">
+          <a:lstStyle/>
+          <a:p>
+            <a:endParaRPr lang="en-IN" sz="1400" b="0" strike="noStrike" spc="-1">
               <a:solidFill>
                 <a:srgbClr val="000000"/>
               </a:solidFill>
@@ -1694,12 +1929,13 @@
           </a:prstGeom>
         </p:spPr>
         <p:txBody>
-          <a:bodyPr lIns="0" rIns="0" tIns="0" bIns="0" anchor="ctr">
+          <a:bodyPr lIns="0" tIns="0" rIns="0" bIns="0" anchor="ctr">
             <a:noAutofit/>
           </a:bodyPr>
+          <a:lstStyle/>
           <a:p>
             <a:pPr algn="ctr"/>
-            <a:endParaRPr b="0" lang="en-IN" sz="3200" spc="-1" strike="noStrike">
+            <a:endParaRPr lang="en-IN" sz="3200" b="0" strike="noStrike" spc="-1">
               <a:latin typeface="Arial"/>
             </a:endParaRPr>
           </a:p>
@@ -1707,11 +1943,14 @@
       </p:sp>
     </p:spTree>
   </p:cSld>
+  <p:clrMapOvr>
+    <a:masterClrMapping/>
+  </p:clrMapOvr>
 </p:sldLayout>
 </file>
 
 <file path=ppt/slideLayouts/slideLayout20.xml><?xml version="1.0" encoding="utf-8"?>
-<p:sldLayout xmlns:a="http://schemas.openxmlformats.org/drawingml/2006/main" xmlns:p="http://schemas.openxmlformats.org/presentationml/2006/main" xmlns:r="http://schemas.openxmlformats.org/officeDocument/2006/relationships" xmlns:p14="http://schemas.microsoft.com/office/powerpoint/2010/main" xmlns:p15="http://schemas.microsoft.com/office/powerpoint/2012/main" xmlns:mc="http://schemas.openxmlformats.org/markup-compatibility/2006" type="objAndTwoObj" preserve="1">
+<p:sldLayout xmlns:a="http://schemas.openxmlformats.org/drawingml/2006/main" xmlns:r="http://schemas.openxmlformats.org/officeDocument/2006/relationships" xmlns:p="http://schemas.openxmlformats.org/presentationml/2006/main" type="objAndTwoObj" preserve="1">
   <p:cSld name="Title Content and 2 Content">
     <p:spTree>
       <p:nvGrpSpPr>
@@ -1747,11 +1986,12 @@
           </a:prstGeom>
         </p:spPr>
         <p:txBody>
-          <a:bodyPr lIns="0" rIns="0" tIns="0" bIns="0" anchor="ctr">
+          <a:bodyPr lIns="0" tIns="0" rIns="0" bIns="0" anchor="ctr">
             <a:noAutofit/>
           </a:bodyPr>
-          <a:p>
-            <a:endParaRPr b="0" lang="en-IN" sz="1400" spc="-1" strike="noStrike">
+          <a:lstStyle/>
+          <a:p>
+            <a:endParaRPr lang="en-IN" sz="1400" b="0" strike="noStrike" spc="-1">
               <a:solidFill>
                 <a:srgbClr val="000000"/>
               </a:solidFill>
@@ -1780,11 +2020,12 @@
           </a:prstGeom>
         </p:spPr>
         <p:txBody>
-          <a:bodyPr lIns="0" rIns="0" tIns="0" bIns="0">
+          <a:bodyPr lIns="0" tIns="0" rIns="0" bIns="0">
             <a:normAutofit/>
           </a:bodyPr>
-          <a:p>
-            <a:endParaRPr b="0" lang="en-IN" sz="1400" spc="-1" strike="noStrike">
+          <a:lstStyle/>
+          <a:p>
+            <a:endParaRPr lang="en-IN" sz="1400" b="0" strike="noStrike" spc="-1">
               <a:solidFill>
                 <a:srgbClr val="000000"/>
               </a:solidFill>
@@ -1813,11 +2054,12 @@
           </a:prstGeom>
         </p:spPr>
         <p:txBody>
-          <a:bodyPr lIns="0" rIns="0" tIns="0" bIns="0">
+          <a:bodyPr lIns="0" tIns="0" rIns="0" bIns="0">
             <a:normAutofit/>
           </a:bodyPr>
-          <a:p>
-            <a:endParaRPr b="0" lang="en-IN" sz="1400" spc="-1" strike="noStrike">
+          <a:lstStyle/>
+          <a:p>
+            <a:endParaRPr lang="en-IN" sz="1400" b="0" strike="noStrike" spc="-1">
               <a:solidFill>
                 <a:srgbClr val="000000"/>
               </a:solidFill>
@@ -1846,11 +2088,12 @@
           </a:prstGeom>
         </p:spPr>
         <p:txBody>
-          <a:bodyPr lIns="0" rIns="0" tIns="0" bIns="0">
+          <a:bodyPr lIns="0" tIns="0" rIns="0" bIns="0">
             <a:normAutofit/>
           </a:bodyPr>
-          <a:p>
-            <a:endParaRPr b="0" lang="en-IN" sz="1400" spc="-1" strike="noStrike">
+          <a:lstStyle/>
+          <a:p>
+            <a:endParaRPr lang="en-IN" sz="1400" b="0" strike="noStrike" spc="-1">
               <a:solidFill>
                 <a:srgbClr val="000000"/>
               </a:solidFill>
@@ -1861,11 +2104,14 @@
       </p:sp>
     </p:spTree>
   </p:cSld>
+  <p:clrMapOvr>
+    <a:masterClrMapping/>
+  </p:clrMapOvr>
 </p:sldLayout>
 </file>
 
 <file path=ppt/slideLayouts/slideLayout21.xml><?xml version="1.0" encoding="utf-8"?>
-<p:sldLayout xmlns:a="http://schemas.openxmlformats.org/drawingml/2006/main" xmlns:p="http://schemas.openxmlformats.org/presentationml/2006/main" xmlns:r="http://schemas.openxmlformats.org/officeDocument/2006/relationships" xmlns:p14="http://schemas.microsoft.com/office/powerpoint/2010/main" xmlns:p15="http://schemas.microsoft.com/office/powerpoint/2012/main" xmlns:mc="http://schemas.openxmlformats.org/markup-compatibility/2006" type="twoObjOverTx" preserve="1">
+<p:sldLayout xmlns:a="http://schemas.openxmlformats.org/drawingml/2006/main" xmlns:r="http://schemas.openxmlformats.org/officeDocument/2006/relationships" xmlns:p="http://schemas.openxmlformats.org/presentationml/2006/main" type="twoObjOverTx" preserve="1">
   <p:cSld name="Title, 2 Content over Content">
     <p:spTree>
       <p:nvGrpSpPr>
@@ -1901,11 +2147,12 @@
           </a:prstGeom>
         </p:spPr>
         <p:txBody>
-          <a:bodyPr lIns="0" rIns="0" tIns="0" bIns="0" anchor="ctr">
+          <a:bodyPr lIns="0" tIns="0" rIns="0" bIns="0" anchor="ctr">
             <a:noAutofit/>
           </a:bodyPr>
-          <a:p>
-            <a:endParaRPr b="0" lang="en-IN" sz="1400" spc="-1" strike="noStrike">
+          <a:lstStyle/>
+          <a:p>
+            <a:endParaRPr lang="en-IN" sz="1400" b="0" strike="noStrike" spc="-1">
               <a:solidFill>
                 <a:srgbClr val="000000"/>
               </a:solidFill>
@@ -1934,11 +2181,12 @@
           </a:prstGeom>
         </p:spPr>
         <p:txBody>
-          <a:bodyPr lIns="0" rIns="0" tIns="0" bIns="0">
+          <a:bodyPr lIns="0" tIns="0" rIns="0" bIns="0">
             <a:normAutofit/>
           </a:bodyPr>
-          <a:p>
-            <a:endParaRPr b="0" lang="en-IN" sz="1400" spc="-1" strike="noStrike">
+          <a:lstStyle/>
+          <a:p>
+            <a:endParaRPr lang="en-IN" sz="1400" b="0" strike="noStrike" spc="-1">
               <a:solidFill>
                 <a:srgbClr val="000000"/>
               </a:solidFill>
@@ -1967,11 +2215,12 @@
           </a:prstGeom>
         </p:spPr>
         <p:txBody>
-          <a:bodyPr lIns="0" rIns="0" tIns="0" bIns="0">
+          <a:bodyPr lIns="0" tIns="0" rIns="0" bIns="0">
             <a:normAutofit/>
           </a:bodyPr>
-          <a:p>
-            <a:endParaRPr b="0" lang="en-IN" sz="1400" spc="-1" strike="noStrike">
+          <a:lstStyle/>
+          <a:p>
+            <a:endParaRPr lang="en-IN" sz="1400" b="0" strike="noStrike" spc="-1">
               <a:solidFill>
                 <a:srgbClr val="000000"/>
               </a:solidFill>
@@ -2000,11 +2249,12 @@
           </a:prstGeom>
         </p:spPr>
         <p:txBody>
-          <a:bodyPr lIns="0" rIns="0" tIns="0" bIns="0">
+          <a:bodyPr lIns="0" tIns="0" rIns="0" bIns="0">
             <a:normAutofit/>
           </a:bodyPr>
-          <a:p>
-            <a:endParaRPr b="0" lang="en-IN" sz="1400" spc="-1" strike="noStrike">
+          <a:lstStyle/>
+          <a:p>
+            <a:endParaRPr lang="en-IN" sz="1400" b="0" strike="noStrike" spc="-1">
               <a:solidFill>
                 <a:srgbClr val="000000"/>
               </a:solidFill>
@@ -2015,11 +2265,14 @@
       </p:sp>
     </p:spTree>
   </p:cSld>
+  <p:clrMapOvr>
+    <a:masterClrMapping/>
+  </p:clrMapOvr>
 </p:sldLayout>
 </file>
 
 <file path=ppt/slideLayouts/slideLayout22.xml><?xml version="1.0" encoding="utf-8"?>
-<p:sldLayout xmlns:a="http://schemas.openxmlformats.org/drawingml/2006/main" xmlns:p="http://schemas.openxmlformats.org/presentationml/2006/main" xmlns:r="http://schemas.openxmlformats.org/officeDocument/2006/relationships" xmlns:p14="http://schemas.microsoft.com/office/powerpoint/2010/main" xmlns:p15="http://schemas.microsoft.com/office/powerpoint/2012/main" xmlns:mc="http://schemas.openxmlformats.org/markup-compatibility/2006" type="objOverTx" preserve="1">
+<p:sldLayout xmlns:a="http://schemas.openxmlformats.org/drawingml/2006/main" xmlns:r="http://schemas.openxmlformats.org/officeDocument/2006/relationships" xmlns:p="http://schemas.openxmlformats.org/presentationml/2006/main" type="objOverTx" preserve="1">
   <p:cSld name="Title, Content over Content">
     <p:spTree>
       <p:nvGrpSpPr>
@@ -2055,11 +2308,12 @@
           </a:prstGeom>
         </p:spPr>
         <p:txBody>
-          <a:bodyPr lIns="0" rIns="0" tIns="0" bIns="0" anchor="ctr">
+          <a:bodyPr lIns="0" tIns="0" rIns="0" bIns="0" anchor="ctr">
             <a:noAutofit/>
           </a:bodyPr>
-          <a:p>
-            <a:endParaRPr b="0" lang="en-IN" sz="1400" spc="-1" strike="noStrike">
+          <a:lstStyle/>
+          <a:p>
+            <a:endParaRPr lang="en-IN" sz="1400" b="0" strike="noStrike" spc="-1">
               <a:solidFill>
                 <a:srgbClr val="000000"/>
               </a:solidFill>
@@ -2088,11 +2342,12 @@
           </a:prstGeom>
         </p:spPr>
         <p:txBody>
-          <a:bodyPr lIns="0" rIns="0" tIns="0" bIns="0">
+          <a:bodyPr lIns="0" tIns="0" rIns="0" bIns="0">
             <a:normAutofit/>
           </a:bodyPr>
-          <a:p>
-            <a:endParaRPr b="0" lang="en-IN" sz="1400" spc="-1" strike="noStrike">
+          <a:lstStyle/>
+          <a:p>
+            <a:endParaRPr lang="en-IN" sz="1400" b="0" strike="noStrike" spc="-1">
               <a:solidFill>
                 <a:srgbClr val="000000"/>
               </a:solidFill>
@@ -2121,11 +2376,12 @@
           </a:prstGeom>
         </p:spPr>
         <p:txBody>
-          <a:bodyPr lIns="0" rIns="0" tIns="0" bIns="0">
+          <a:bodyPr lIns="0" tIns="0" rIns="0" bIns="0">
             <a:normAutofit/>
           </a:bodyPr>
-          <a:p>
-            <a:endParaRPr b="0" lang="en-IN" sz="1400" spc="-1" strike="noStrike">
+          <a:lstStyle/>
+          <a:p>
+            <a:endParaRPr lang="en-IN" sz="1400" b="0" strike="noStrike" spc="-1">
               <a:solidFill>
                 <a:srgbClr val="000000"/>
               </a:solidFill>
@@ -2136,11 +2392,14 @@
       </p:sp>
     </p:spTree>
   </p:cSld>
+  <p:clrMapOvr>
+    <a:masterClrMapping/>
+  </p:clrMapOvr>
 </p:sldLayout>
 </file>
 
 <file path=ppt/slideLayouts/slideLayout23.xml><?xml version="1.0" encoding="utf-8"?>
-<p:sldLayout xmlns:a="http://schemas.openxmlformats.org/drawingml/2006/main" xmlns:p="http://schemas.openxmlformats.org/presentationml/2006/main" xmlns:r="http://schemas.openxmlformats.org/officeDocument/2006/relationships" xmlns:p14="http://schemas.microsoft.com/office/powerpoint/2010/main" xmlns:p15="http://schemas.microsoft.com/office/powerpoint/2012/main" xmlns:mc="http://schemas.openxmlformats.org/markup-compatibility/2006" type="fourObj" preserve="1">
+<p:sldLayout xmlns:a="http://schemas.openxmlformats.org/drawingml/2006/main" xmlns:r="http://schemas.openxmlformats.org/officeDocument/2006/relationships" xmlns:p="http://schemas.openxmlformats.org/presentationml/2006/main" type="fourObj" preserve="1">
   <p:cSld name="Title, 4 Content">
     <p:spTree>
       <p:nvGrpSpPr>
@@ -2176,11 +2435,12 @@
           </a:prstGeom>
         </p:spPr>
         <p:txBody>
-          <a:bodyPr lIns="0" rIns="0" tIns="0" bIns="0" anchor="ctr">
+          <a:bodyPr lIns="0" tIns="0" rIns="0" bIns="0" anchor="ctr">
             <a:noAutofit/>
           </a:bodyPr>
-          <a:p>
-            <a:endParaRPr b="0" lang="en-IN" sz="1400" spc="-1" strike="noStrike">
+          <a:lstStyle/>
+          <a:p>
+            <a:endParaRPr lang="en-IN" sz="1400" b="0" strike="noStrike" spc="-1">
               <a:solidFill>
                 <a:srgbClr val="000000"/>
               </a:solidFill>
@@ -2209,11 +2469,12 @@
           </a:prstGeom>
         </p:spPr>
         <p:txBody>
-          <a:bodyPr lIns="0" rIns="0" tIns="0" bIns="0">
+          <a:bodyPr lIns="0" tIns="0" rIns="0" bIns="0">
             <a:normAutofit/>
           </a:bodyPr>
-          <a:p>
-            <a:endParaRPr b="0" lang="en-IN" sz="1400" spc="-1" strike="noStrike">
+          <a:lstStyle/>
+          <a:p>
+            <a:endParaRPr lang="en-IN" sz="1400" b="0" strike="noStrike" spc="-1">
               <a:solidFill>
                 <a:srgbClr val="000000"/>
               </a:solidFill>
@@ -2242,11 +2503,12 @@
           </a:prstGeom>
         </p:spPr>
         <p:txBody>
-          <a:bodyPr lIns="0" rIns="0" tIns="0" bIns="0">
+          <a:bodyPr lIns="0" tIns="0" rIns="0" bIns="0">
             <a:normAutofit/>
           </a:bodyPr>
-          <a:p>
-            <a:endParaRPr b="0" lang="en-IN" sz="1400" spc="-1" strike="noStrike">
+          <a:lstStyle/>
+          <a:p>
+            <a:endParaRPr lang="en-IN" sz="1400" b="0" strike="noStrike" spc="-1">
               <a:solidFill>
                 <a:srgbClr val="000000"/>
               </a:solidFill>
@@ -2275,11 +2537,12 @@
           </a:prstGeom>
         </p:spPr>
         <p:txBody>
-          <a:bodyPr lIns="0" rIns="0" tIns="0" bIns="0">
+          <a:bodyPr lIns="0" tIns="0" rIns="0" bIns="0">
             <a:normAutofit/>
           </a:bodyPr>
-          <a:p>
-            <a:endParaRPr b="0" lang="en-IN" sz="1400" spc="-1" strike="noStrike">
+          <a:lstStyle/>
+          <a:p>
+            <a:endParaRPr lang="en-IN" sz="1400" b="0" strike="noStrike" spc="-1">
               <a:solidFill>
                 <a:srgbClr val="000000"/>
               </a:solidFill>
@@ -2308,11 +2571,12 @@
           </a:prstGeom>
         </p:spPr>
         <p:txBody>
-          <a:bodyPr lIns="0" rIns="0" tIns="0" bIns="0">
+          <a:bodyPr lIns="0" tIns="0" rIns="0" bIns="0">
             <a:normAutofit/>
           </a:bodyPr>
-          <a:p>
-            <a:endParaRPr b="0" lang="en-IN" sz="1400" spc="-1" strike="noStrike">
+          <a:lstStyle/>
+          <a:p>
+            <a:endParaRPr lang="en-IN" sz="1400" b="0" strike="noStrike" spc="-1">
               <a:solidFill>
                 <a:srgbClr val="000000"/>
               </a:solidFill>
@@ -2323,11 +2587,14 @@
       </p:sp>
     </p:spTree>
   </p:cSld>
+  <p:clrMapOvr>
+    <a:masterClrMapping/>
+  </p:clrMapOvr>
 </p:sldLayout>
 </file>
 
 <file path=ppt/slideLayouts/slideLayout24.xml><?xml version="1.0" encoding="utf-8"?>
-<p:sldLayout xmlns:a="http://schemas.openxmlformats.org/drawingml/2006/main" xmlns:p="http://schemas.openxmlformats.org/presentationml/2006/main" xmlns:r="http://schemas.openxmlformats.org/officeDocument/2006/relationships" xmlns:p14="http://schemas.microsoft.com/office/powerpoint/2010/main" xmlns:p15="http://schemas.microsoft.com/office/powerpoint/2012/main" xmlns:mc="http://schemas.openxmlformats.org/markup-compatibility/2006" type="blank" preserve="1">
+<p:sldLayout xmlns:a="http://schemas.openxmlformats.org/drawingml/2006/main" xmlns:r="http://schemas.openxmlformats.org/officeDocument/2006/relationships" xmlns:p="http://schemas.openxmlformats.org/presentationml/2006/main" type="blank" preserve="1">
   <p:cSld name="Title, 6 Content">
     <p:spTree>
       <p:nvGrpSpPr>
@@ -2363,11 +2630,12 @@
           </a:prstGeom>
         </p:spPr>
         <p:txBody>
-          <a:bodyPr lIns="0" rIns="0" tIns="0" bIns="0" anchor="ctr">
+          <a:bodyPr lIns="0" tIns="0" rIns="0" bIns="0" anchor="ctr">
             <a:noAutofit/>
           </a:bodyPr>
-          <a:p>
-            <a:endParaRPr b="0" lang="en-IN" sz="1400" spc="-1" strike="noStrike">
+          <a:lstStyle/>
+          <a:p>
+            <a:endParaRPr lang="en-IN" sz="1400" b="0" strike="noStrike" spc="-1">
               <a:solidFill>
                 <a:srgbClr val="000000"/>
               </a:solidFill>
@@ -2396,11 +2664,12 @@
           </a:prstGeom>
         </p:spPr>
         <p:txBody>
-          <a:bodyPr lIns="0" rIns="0" tIns="0" bIns="0">
+          <a:bodyPr lIns="0" tIns="0" rIns="0" bIns="0">
             <a:normAutofit/>
           </a:bodyPr>
-          <a:p>
-            <a:endParaRPr b="0" lang="en-IN" sz="1400" spc="-1" strike="noStrike">
+          <a:lstStyle/>
+          <a:p>
+            <a:endParaRPr lang="en-IN" sz="1400" b="0" strike="noStrike" spc="-1">
               <a:solidFill>
                 <a:srgbClr val="000000"/>
               </a:solidFill>
@@ -2429,11 +2698,12 @@
           </a:prstGeom>
         </p:spPr>
         <p:txBody>
-          <a:bodyPr lIns="0" rIns="0" tIns="0" bIns="0">
+          <a:bodyPr lIns="0" tIns="0" rIns="0" bIns="0">
             <a:normAutofit/>
           </a:bodyPr>
-          <a:p>
-            <a:endParaRPr b="0" lang="en-IN" sz="1400" spc="-1" strike="noStrike">
+          <a:lstStyle/>
+          <a:p>
+            <a:endParaRPr lang="en-IN" sz="1400" b="0" strike="noStrike" spc="-1">
               <a:solidFill>
                 <a:srgbClr val="000000"/>
               </a:solidFill>
@@ -2462,11 +2732,12 @@
           </a:prstGeom>
         </p:spPr>
         <p:txBody>
-          <a:bodyPr lIns="0" rIns="0" tIns="0" bIns="0">
+          <a:bodyPr lIns="0" tIns="0" rIns="0" bIns="0">
             <a:normAutofit/>
           </a:bodyPr>
-          <a:p>
-            <a:endParaRPr b="0" lang="en-IN" sz="1400" spc="-1" strike="noStrike">
+          <a:lstStyle/>
+          <a:p>
+            <a:endParaRPr lang="en-IN" sz="1400" b="0" strike="noStrike" spc="-1">
               <a:solidFill>
                 <a:srgbClr val="000000"/>
               </a:solidFill>
@@ -2495,11 +2766,12 @@
           </a:prstGeom>
         </p:spPr>
         <p:txBody>
-          <a:bodyPr lIns="0" rIns="0" tIns="0" bIns="0">
+          <a:bodyPr lIns="0" tIns="0" rIns="0" bIns="0">
             <a:normAutofit/>
           </a:bodyPr>
-          <a:p>
-            <a:endParaRPr b="0" lang="en-IN" sz="1400" spc="-1" strike="noStrike">
+          <a:lstStyle/>
+          <a:p>
+            <a:endParaRPr lang="en-IN" sz="1400" b="0" strike="noStrike" spc="-1">
               <a:solidFill>
                 <a:srgbClr val="000000"/>
               </a:solidFill>
@@ -2528,11 +2800,12 @@
           </a:prstGeom>
         </p:spPr>
         <p:txBody>
-          <a:bodyPr lIns="0" rIns="0" tIns="0" bIns="0">
+          <a:bodyPr lIns="0" tIns="0" rIns="0" bIns="0">
             <a:normAutofit/>
           </a:bodyPr>
-          <a:p>
-            <a:endParaRPr b="0" lang="en-IN" sz="1400" spc="-1" strike="noStrike">
+          <a:lstStyle/>
+          <a:p>
+            <a:endParaRPr lang="en-IN" sz="1400" b="0" strike="noStrike" spc="-1">
               <a:solidFill>
                 <a:srgbClr val="000000"/>
               </a:solidFill>
@@ -2561,11 +2834,12 @@
           </a:prstGeom>
         </p:spPr>
         <p:txBody>
-          <a:bodyPr lIns="0" rIns="0" tIns="0" bIns="0">
+          <a:bodyPr lIns="0" tIns="0" rIns="0" bIns="0">
             <a:normAutofit/>
           </a:bodyPr>
-          <a:p>
-            <a:endParaRPr b="0" lang="en-IN" sz="1400" spc="-1" strike="noStrike">
+          <a:lstStyle/>
+          <a:p>
+            <a:endParaRPr lang="en-IN" sz="1400" b="0" strike="noStrike" spc="-1">
               <a:solidFill>
                 <a:srgbClr val="000000"/>
               </a:solidFill>
@@ -2576,11 +2850,14 @@
       </p:sp>
     </p:spTree>
   </p:cSld>
+  <p:clrMapOvr>
+    <a:masterClrMapping/>
+  </p:clrMapOvr>
 </p:sldLayout>
 </file>
 
 <file path=ppt/slideLayouts/slideLayout25.xml><?xml version="1.0" encoding="utf-8"?>
-<p:sldLayout xmlns:a="http://schemas.openxmlformats.org/drawingml/2006/main" xmlns:p="http://schemas.openxmlformats.org/presentationml/2006/main" xmlns:r="http://schemas.openxmlformats.org/officeDocument/2006/relationships" xmlns:p14="http://schemas.microsoft.com/office/powerpoint/2010/main" xmlns:p15="http://schemas.microsoft.com/office/powerpoint/2012/main" xmlns:mc="http://schemas.openxmlformats.org/markup-compatibility/2006" type="blank" preserve="1">
+<p:sldLayout xmlns:a="http://schemas.openxmlformats.org/drawingml/2006/main" xmlns:r="http://schemas.openxmlformats.org/officeDocument/2006/relationships" xmlns:p="http://schemas.openxmlformats.org/presentationml/2006/main" type="blank" preserve="1">
   <p:cSld name="Blank Slide">
     <p:spTree>
       <p:nvGrpSpPr>
@@ -2598,11 +2875,14 @@
       </p:grpSpPr>
     </p:spTree>
   </p:cSld>
+  <p:clrMapOvr>
+    <a:masterClrMapping/>
+  </p:clrMapOvr>
 </p:sldLayout>
 </file>
 
 <file path=ppt/slideLayouts/slideLayout26.xml><?xml version="1.0" encoding="utf-8"?>
-<p:sldLayout xmlns:a="http://schemas.openxmlformats.org/drawingml/2006/main" xmlns:p="http://schemas.openxmlformats.org/presentationml/2006/main" xmlns:r="http://schemas.openxmlformats.org/officeDocument/2006/relationships" xmlns:p14="http://schemas.microsoft.com/office/powerpoint/2010/main" xmlns:p15="http://schemas.microsoft.com/office/powerpoint/2012/main" xmlns:mc="http://schemas.openxmlformats.org/markup-compatibility/2006" type="tx" preserve="1">
+<p:sldLayout xmlns:a="http://schemas.openxmlformats.org/drawingml/2006/main" xmlns:r="http://schemas.openxmlformats.org/officeDocument/2006/relationships" xmlns:p="http://schemas.openxmlformats.org/presentationml/2006/main" type="tx" preserve="1">
   <p:cSld name="Title Slide">
     <p:spTree>
       <p:nvGrpSpPr>
@@ -2638,11 +2918,12 @@
           </a:prstGeom>
         </p:spPr>
         <p:txBody>
-          <a:bodyPr lIns="0" rIns="0" tIns="0" bIns="0" anchor="ctr">
+          <a:bodyPr lIns="0" tIns="0" rIns="0" bIns="0" anchor="ctr">
             <a:noAutofit/>
           </a:bodyPr>
-          <a:p>
-            <a:endParaRPr b="0" lang="en-IN" sz="1400" spc="-1" strike="noStrike">
+          <a:lstStyle/>
+          <a:p>
+            <a:endParaRPr lang="en-IN" sz="1400" b="0" strike="noStrike" spc="-1">
               <a:solidFill>
                 <a:srgbClr val="000000"/>
               </a:solidFill>
@@ -2671,12 +2952,13 @@
           </a:prstGeom>
         </p:spPr>
         <p:txBody>
-          <a:bodyPr lIns="0" rIns="0" tIns="0" bIns="0" anchor="ctr">
+          <a:bodyPr lIns="0" tIns="0" rIns="0" bIns="0" anchor="ctr">
             <a:noAutofit/>
           </a:bodyPr>
+          <a:lstStyle/>
           <a:p>
             <a:pPr algn="ctr"/>
-            <a:endParaRPr b="0" lang="en-IN" sz="3200" spc="-1" strike="noStrike">
+            <a:endParaRPr lang="en-IN" sz="3200" b="0" strike="noStrike" spc="-1">
               <a:latin typeface="Arial"/>
             </a:endParaRPr>
           </a:p>
@@ -2684,11 +2966,14 @@
       </p:sp>
     </p:spTree>
   </p:cSld>
+  <p:clrMapOvr>
+    <a:masterClrMapping/>
+  </p:clrMapOvr>
 </p:sldLayout>
 </file>
 
 <file path=ppt/slideLayouts/slideLayout27.xml><?xml version="1.0" encoding="utf-8"?>
-<p:sldLayout xmlns:a="http://schemas.openxmlformats.org/drawingml/2006/main" xmlns:p="http://schemas.openxmlformats.org/presentationml/2006/main" xmlns:r="http://schemas.openxmlformats.org/officeDocument/2006/relationships" xmlns:p14="http://schemas.microsoft.com/office/powerpoint/2010/main" xmlns:p15="http://schemas.microsoft.com/office/powerpoint/2012/main" xmlns:mc="http://schemas.openxmlformats.org/markup-compatibility/2006" type="obj" preserve="1">
+<p:sldLayout xmlns:a="http://schemas.openxmlformats.org/drawingml/2006/main" xmlns:r="http://schemas.openxmlformats.org/officeDocument/2006/relationships" xmlns:p="http://schemas.openxmlformats.org/presentationml/2006/main" type="obj" preserve="1">
   <p:cSld name="Title, Content">
     <p:spTree>
       <p:nvGrpSpPr>
@@ -2724,11 +3009,12 @@
           </a:prstGeom>
         </p:spPr>
         <p:txBody>
-          <a:bodyPr lIns="0" rIns="0" tIns="0" bIns="0" anchor="ctr">
+          <a:bodyPr lIns="0" tIns="0" rIns="0" bIns="0" anchor="ctr">
             <a:noAutofit/>
           </a:bodyPr>
-          <a:p>
-            <a:endParaRPr b="0" lang="en-IN" sz="1400" spc="-1" strike="noStrike">
+          <a:lstStyle/>
+          <a:p>
+            <a:endParaRPr lang="en-IN" sz="1400" b="0" strike="noStrike" spc="-1">
               <a:solidFill>
                 <a:srgbClr val="000000"/>
               </a:solidFill>
@@ -2757,11 +3043,12 @@
           </a:prstGeom>
         </p:spPr>
         <p:txBody>
-          <a:bodyPr lIns="0" rIns="0" tIns="0" bIns="0">
+          <a:bodyPr lIns="0" tIns="0" rIns="0" bIns="0">
             <a:normAutofit/>
           </a:bodyPr>
-          <a:p>
-            <a:endParaRPr b="0" lang="en-IN" sz="1400" spc="-1" strike="noStrike">
+          <a:lstStyle/>
+          <a:p>
+            <a:endParaRPr lang="en-IN" sz="1400" b="0" strike="noStrike" spc="-1">
               <a:solidFill>
                 <a:srgbClr val="000000"/>
               </a:solidFill>
@@ -2772,11 +3059,14 @@
       </p:sp>
     </p:spTree>
   </p:cSld>
+  <p:clrMapOvr>
+    <a:masterClrMapping/>
+  </p:clrMapOvr>
 </p:sldLayout>
 </file>
 
 <file path=ppt/slideLayouts/slideLayout28.xml><?xml version="1.0" encoding="utf-8"?>
-<p:sldLayout xmlns:a="http://schemas.openxmlformats.org/drawingml/2006/main" xmlns:p="http://schemas.openxmlformats.org/presentationml/2006/main" xmlns:r="http://schemas.openxmlformats.org/officeDocument/2006/relationships" xmlns:p14="http://schemas.microsoft.com/office/powerpoint/2010/main" xmlns:p15="http://schemas.microsoft.com/office/powerpoint/2012/main" xmlns:mc="http://schemas.openxmlformats.org/markup-compatibility/2006" type="twoObj" preserve="1">
+<p:sldLayout xmlns:a="http://schemas.openxmlformats.org/drawingml/2006/main" xmlns:r="http://schemas.openxmlformats.org/officeDocument/2006/relationships" xmlns:p="http://schemas.openxmlformats.org/presentationml/2006/main" type="twoObj" preserve="1">
   <p:cSld name="Title, 2 Content">
     <p:spTree>
       <p:nvGrpSpPr>
@@ -2812,11 +3102,12 @@
           </a:prstGeom>
         </p:spPr>
         <p:txBody>
-          <a:bodyPr lIns="0" rIns="0" tIns="0" bIns="0" anchor="ctr">
+          <a:bodyPr lIns="0" tIns="0" rIns="0" bIns="0" anchor="ctr">
             <a:noAutofit/>
           </a:bodyPr>
-          <a:p>
-            <a:endParaRPr b="0" lang="en-IN" sz="1400" spc="-1" strike="noStrike">
+          <a:lstStyle/>
+          <a:p>
+            <a:endParaRPr lang="en-IN" sz="1400" b="0" strike="noStrike" spc="-1">
               <a:solidFill>
                 <a:srgbClr val="000000"/>
               </a:solidFill>
@@ -2845,11 +3136,12 @@
           </a:prstGeom>
         </p:spPr>
         <p:txBody>
-          <a:bodyPr lIns="0" rIns="0" tIns="0" bIns="0">
+          <a:bodyPr lIns="0" tIns="0" rIns="0" bIns="0">
             <a:normAutofit/>
           </a:bodyPr>
-          <a:p>
-            <a:endParaRPr b="0" lang="en-IN" sz="1400" spc="-1" strike="noStrike">
+          <a:lstStyle/>
+          <a:p>
+            <a:endParaRPr lang="en-IN" sz="1400" b="0" strike="noStrike" spc="-1">
               <a:solidFill>
                 <a:srgbClr val="000000"/>
               </a:solidFill>
@@ -2878,11 +3170,12 @@
           </a:prstGeom>
         </p:spPr>
         <p:txBody>
-          <a:bodyPr lIns="0" rIns="0" tIns="0" bIns="0">
+          <a:bodyPr lIns="0" tIns="0" rIns="0" bIns="0">
             <a:normAutofit/>
           </a:bodyPr>
-          <a:p>
-            <a:endParaRPr b="0" lang="en-IN" sz="1400" spc="-1" strike="noStrike">
+          <a:lstStyle/>
+          <a:p>
+            <a:endParaRPr lang="en-IN" sz="1400" b="0" strike="noStrike" spc="-1">
               <a:solidFill>
                 <a:srgbClr val="000000"/>
               </a:solidFill>
@@ -2893,11 +3186,14 @@
       </p:sp>
     </p:spTree>
   </p:cSld>
+  <p:clrMapOvr>
+    <a:masterClrMapping/>
+  </p:clrMapOvr>
 </p:sldLayout>
 </file>
 
 <file path=ppt/slideLayouts/slideLayout29.xml><?xml version="1.0" encoding="utf-8"?>
-<p:sldLayout xmlns:a="http://schemas.openxmlformats.org/drawingml/2006/main" xmlns:p="http://schemas.openxmlformats.org/presentationml/2006/main" xmlns:r="http://schemas.openxmlformats.org/officeDocument/2006/relationships" xmlns:p14="http://schemas.microsoft.com/office/powerpoint/2010/main" xmlns:p15="http://schemas.microsoft.com/office/powerpoint/2012/main" xmlns:mc="http://schemas.openxmlformats.org/markup-compatibility/2006" type="titleOnly" preserve="1">
+<p:sldLayout xmlns:a="http://schemas.openxmlformats.org/drawingml/2006/main" xmlns:r="http://schemas.openxmlformats.org/officeDocument/2006/relationships" xmlns:p="http://schemas.openxmlformats.org/presentationml/2006/main" type="titleOnly" preserve="1">
   <p:cSld name="Title Only">
     <p:spTree>
       <p:nvGrpSpPr>
@@ -2933,11 +3229,12 @@
           </a:prstGeom>
         </p:spPr>
         <p:txBody>
-          <a:bodyPr lIns="0" rIns="0" tIns="0" bIns="0" anchor="ctr">
+          <a:bodyPr lIns="0" tIns="0" rIns="0" bIns="0" anchor="ctr">
             <a:noAutofit/>
           </a:bodyPr>
-          <a:p>
-            <a:endParaRPr b="0" lang="en-IN" sz="1400" spc="-1" strike="noStrike">
+          <a:lstStyle/>
+          <a:p>
+            <a:endParaRPr lang="en-IN" sz="1400" b="0" strike="noStrike" spc="-1">
               <a:solidFill>
                 <a:srgbClr val="000000"/>
               </a:solidFill>
@@ -2948,11 +3245,14 @@
       </p:sp>
     </p:spTree>
   </p:cSld>
+  <p:clrMapOvr>
+    <a:masterClrMapping/>
+  </p:clrMapOvr>
 </p:sldLayout>
 </file>
 
 <file path=ppt/slideLayouts/slideLayout3.xml><?xml version="1.0" encoding="utf-8"?>
-<p:sldLayout xmlns:a="http://schemas.openxmlformats.org/drawingml/2006/main" xmlns:p="http://schemas.openxmlformats.org/presentationml/2006/main" xmlns:r="http://schemas.openxmlformats.org/officeDocument/2006/relationships" xmlns:p14="http://schemas.microsoft.com/office/powerpoint/2010/main" xmlns:p15="http://schemas.microsoft.com/office/powerpoint/2012/main" xmlns:mc="http://schemas.openxmlformats.org/markup-compatibility/2006" type="obj" preserve="1">
+<p:sldLayout xmlns:a="http://schemas.openxmlformats.org/drawingml/2006/main" xmlns:r="http://schemas.openxmlformats.org/officeDocument/2006/relationships" xmlns:p="http://schemas.openxmlformats.org/presentationml/2006/main" type="obj" preserve="1">
   <p:cSld name="Title, Content">
     <p:spTree>
       <p:nvGrpSpPr>
@@ -2988,11 +3288,12 @@
           </a:prstGeom>
         </p:spPr>
         <p:txBody>
-          <a:bodyPr lIns="0" rIns="0" tIns="0" bIns="0" anchor="ctr">
+          <a:bodyPr lIns="0" tIns="0" rIns="0" bIns="0" anchor="ctr">
             <a:noAutofit/>
           </a:bodyPr>
-          <a:p>
-            <a:endParaRPr b="0" lang="en-IN" sz="1400" spc="-1" strike="noStrike">
+          <a:lstStyle/>
+          <a:p>
+            <a:endParaRPr lang="en-IN" sz="1400" b="0" strike="noStrike" spc="-1">
               <a:solidFill>
                 <a:srgbClr val="000000"/>
               </a:solidFill>
@@ -3021,11 +3322,12 @@
           </a:prstGeom>
         </p:spPr>
         <p:txBody>
-          <a:bodyPr lIns="0" rIns="0" tIns="0" bIns="0">
+          <a:bodyPr lIns="0" tIns="0" rIns="0" bIns="0">
             <a:normAutofit/>
           </a:bodyPr>
-          <a:p>
-            <a:endParaRPr b="0" lang="en-IN" sz="1400" spc="-1" strike="noStrike">
+          <a:lstStyle/>
+          <a:p>
+            <a:endParaRPr lang="en-IN" sz="1400" b="0" strike="noStrike" spc="-1">
               <a:solidFill>
                 <a:srgbClr val="000000"/>
               </a:solidFill>
@@ -3036,11 +3338,14 @@
       </p:sp>
     </p:spTree>
   </p:cSld>
+  <p:clrMapOvr>
+    <a:masterClrMapping/>
+  </p:clrMapOvr>
 </p:sldLayout>
 </file>
 
 <file path=ppt/slideLayouts/slideLayout30.xml><?xml version="1.0" encoding="utf-8"?>
-<p:sldLayout xmlns:a="http://schemas.openxmlformats.org/drawingml/2006/main" xmlns:p="http://schemas.openxmlformats.org/presentationml/2006/main" xmlns:r="http://schemas.openxmlformats.org/officeDocument/2006/relationships" xmlns:p14="http://schemas.microsoft.com/office/powerpoint/2010/main" xmlns:p15="http://schemas.microsoft.com/office/powerpoint/2012/main" xmlns:mc="http://schemas.openxmlformats.org/markup-compatibility/2006" type="objOnly" preserve="1">
+<p:sldLayout xmlns:a="http://schemas.openxmlformats.org/drawingml/2006/main" xmlns:r="http://schemas.openxmlformats.org/officeDocument/2006/relationships" xmlns:p="http://schemas.openxmlformats.org/presentationml/2006/main" type="objOnly" preserve="1">
   <p:cSld name="Centered Text">
     <p:spTree>
       <p:nvGrpSpPr>
@@ -3076,12 +3381,13 @@
           </a:prstGeom>
         </p:spPr>
         <p:txBody>
-          <a:bodyPr lIns="0" rIns="0" tIns="0" bIns="0" anchor="ctr">
+          <a:bodyPr lIns="0" tIns="0" rIns="0" bIns="0" anchor="ctr">
             <a:noAutofit/>
           </a:bodyPr>
+          <a:lstStyle/>
           <a:p>
             <a:pPr algn="ctr"/>
-            <a:endParaRPr b="0" lang="en-IN" sz="3200" spc="-1" strike="noStrike">
+            <a:endParaRPr lang="en-IN" sz="3200" b="0" strike="noStrike" spc="-1">
               <a:latin typeface="Arial"/>
             </a:endParaRPr>
           </a:p>
@@ -3089,11 +3395,14 @@
       </p:sp>
     </p:spTree>
   </p:cSld>
+  <p:clrMapOvr>
+    <a:masterClrMapping/>
+  </p:clrMapOvr>
 </p:sldLayout>
 </file>
 
 <file path=ppt/slideLayouts/slideLayout31.xml><?xml version="1.0" encoding="utf-8"?>
-<p:sldLayout xmlns:a="http://schemas.openxmlformats.org/drawingml/2006/main" xmlns:p="http://schemas.openxmlformats.org/presentationml/2006/main" xmlns:r="http://schemas.openxmlformats.org/officeDocument/2006/relationships" xmlns:p14="http://schemas.microsoft.com/office/powerpoint/2010/main" xmlns:p15="http://schemas.microsoft.com/office/powerpoint/2012/main" xmlns:mc="http://schemas.openxmlformats.org/markup-compatibility/2006" type="twoObjAndObj" preserve="1">
+<p:sldLayout xmlns:a="http://schemas.openxmlformats.org/drawingml/2006/main" xmlns:r="http://schemas.openxmlformats.org/officeDocument/2006/relationships" xmlns:p="http://schemas.openxmlformats.org/presentationml/2006/main" type="twoObjAndObj" preserve="1">
   <p:cSld name="Title, 2 Content and Content">
     <p:spTree>
       <p:nvGrpSpPr>
@@ -3129,11 +3438,12 @@
           </a:prstGeom>
         </p:spPr>
         <p:txBody>
-          <a:bodyPr lIns="0" rIns="0" tIns="0" bIns="0" anchor="ctr">
+          <a:bodyPr lIns="0" tIns="0" rIns="0" bIns="0" anchor="ctr">
             <a:noAutofit/>
           </a:bodyPr>
-          <a:p>
-            <a:endParaRPr b="0" lang="en-IN" sz="1400" spc="-1" strike="noStrike">
+          <a:lstStyle/>
+          <a:p>
+            <a:endParaRPr lang="en-IN" sz="1400" b="0" strike="noStrike" spc="-1">
               <a:solidFill>
                 <a:srgbClr val="000000"/>
               </a:solidFill>
@@ -3162,11 +3472,12 @@
           </a:prstGeom>
         </p:spPr>
         <p:txBody>
-          <a:bodyPr lIns="0" rIns="0" tIns="0" bIns="0">
+          <a:bodyPr lIns="0" tIns="0" rIns="0" bIns="0">
             <a:normAutofit/>
           </a:bodyPr>
-          <a:p>
-            <a:endParaRPr b="0" lang="en-IN" sz="1400" spc="-1" strike="noStrike">
+          <a:lstStyle/>
+          <a:p>
+            <a:endParaRPr lang="en-IN" sz="1400" b="0" strike="noStrike" spc="-1">
               <a:solidFill>
                 <a:srgbClr val="000000"/>
               </a:solidFill>
@@ -3195,11 +3506,12 @@
           </a:prstGeom>
         </p:spPr>
         <p:txBody>
-          <a:bodyPr lIns="0" rIns="0" tIns="0" bIns="0">
+          <a:bodyPr lIns="0" tIns="0" rIns="0" bIns="0">
             <a:normAutofit/>
           </a:bodyPr>
-          <a:p>
-            <a:endParaRPr b="0" lang="en-IN" sz="1400" spc="-1" strike="noStrike">
+          <a:lstStyle/>
+          <a:p>
+            <a:endParaRPr lang="en-IN" sz="1400" b="0" strike="noStrike" spc="-1">
               <a:solidFill>
                 <a:srgbClr val="000000"/>
               </a:solidFill>
@@ -3228,11 +3540,12 @@
           </a:prstGeom>
         </p:spPr>
         <p:txBody>
-          <a:bodyPr lIns="0" rIns="0" tIns="0" bIns="0">
+          <a:bodyPr lIns="0" tIns="0" rIns="0" bIns="0">
             <a:normAutofit/>
           </a:bodyPr>
-          <a:p>
-            <a:endParaRPr b="0" lang="en-IN" sz="1400" spc="-1" strike="noStrike">
+          <a:lstStyle/>
+          <a:p>
+            <a:endParaRPr lang="en-IN" sz="1400" b="0" strike="noStrike" spc="-1">
               <a:solidFill>
                 <a:srgbClr val="000000"/>
               </a:solidFill>
@@ -3243,11 +3556,14 @@
       </p:sp>
     </p:spTree>
   </p:cSld>
+  <p:clrMapOvr>
+    <a:masterClrMapping/>
+  </p:clrMapOvr>
 </p:sldLayout>
 </file>
 
 <file path=ppt/slideLayouts/slideLayout32.xml><?xml version="1.0" encoding="utf-8"?>
-<p:sldLayout xmlns:a="http://schemas.openxmlformats.org/drawingml/2006/main" xmlns:p="http://schemas.openxmlformats.org/presentationml/2006/main" xmlns:r="http://schemas.openxmlformats.org/officeDocument/2006/relationships" xmlns:p14="http://schemas.microsoft.com/office/powerpoint/2010/main" xmlns:p15="http://schemas.microsoft.com/office/powerpoint/2012/main" xmlns:mc="http://schemas.openxmlformats.org/markup-compatibility/2006" type="objAndTwoObj" preserve="1">
+<p:sldLayout xmlns:a="http://schemas.openxmlformats.org/drawingml/2006/main" xmlns:r="http://schemas.openxmlformats.org/officeDocument/2006/relationships" xmlns:p="http://schemas.openxmlformats.org/presentationml/2006/main" type="objAndTwoObj" preserve="1">
   <p:cSld name="Title Content and 2 Content">
     <p:spTree>
       <p:nvGrpSpPr>
@@ -3283,11 +3599,12 @@
           </a:prstGeom>
         </p:spPr>
         <p:txBody>
-          <a:bodyPr lIns="0" rIns="0" tIns="0" bIns="0" anchor="ctr">
+          <a:bodyPr lIns="0" tIns="0" rIns="0" bIns="0" anchor="ctr">
             <a:noAutofit/>
           </a:bodyPr>
-          <a:p>
-            <a:endParaRPr b="0" lang="en-IN" sz="1400" spc="-1" strike="noStrike">
+          <a:lstStyle/>
+          <a:p>
+            <a:endParaRPr lang="en-IN" sz="1400" b="0" strike="noStrike" spc="-1">
               <a:solidFill>
                 <a:srgbClr val="000000"/>
               </a:solidFill>
@@ -3316,11 +3633,12 @@
           </a:prstGeom>
         </p:spPr>
         <p:txBody>
-          <a:bodyPr lIns="0" rIns="0" tIns="0" bIns="0">
+          <a:bodyPr lIns="0" tIns="0" rIns="0" bIns="0">
             <a:normAutofit/>
           </a:bodyPr>
-          <a:p>
-            <a:endParaRPr b="0" lang="en-IN" sz="1400" spc="-1" strike="noStrike">
+          <a:lstStyle/>
+          <a:p>
+            <a:endParaRPr lang="en-IN" sz="1400" b="0" strike="noStrike" spc="-1">
               <a:solidFill>
                 <a:srgbClr val="000000"/>
               </a:solidFill>
@@ -3349,11 +3667,12 @@
           </a:prstGeom>
         </p:spPr>
         <p:txBody>
-          <a:bodyPr lIns="0" rIns="0" tIns="0" bIns="0">
+          <a:bodyPr lIns="0" tIns="0" rIns="0" bIns="0">
             <a:normAutofit/>
           </a:bodyPr>
-          <a:p>
-            <a:endParaRPr b="0" lang="en-IN" sz="1400" spc="-1" strike="noStrike">
+          <a:lstStyle/>
+          <a:p>
+            <a:endParaRPr lang="en-IN" sz="1400" b="0" strike="noStrike" spc="-1">
               <a:solidFill>
                 <a:srgbClr val="000000"/>
               </a:solidFill>
@@ -3382,11 +3701,12 @@
           </a:prstGeom>
         </p:spPr>
         <p:txBody>
-          <a:bodyPr lIns="0" rIns="0" tIns="0" bIns="0">
+          <a:bodyPr lIns="0" tIns="0" rIns="0" bIns="0">
             <a:normAutofit/>
           </a:bodyPr>
-          <a:p>
-            <a:endParaRPr b="0" lang="en-IN" sz="1400" spc="-1" strike="noStrike">
+          <a:lstStyle/>
+          <a:p>
+            <a:endParaRPr lang="en-IN" sz="1400" b="0" strike="noStrike" spc="-1">
               <a:solidFill>
                 <a:srgbClr val="000000"/>
               </a:solidFill>
@@ -3397,11 +3717,14 @@
       </p:sp>
     </p:spTree>
   </p:cSld>
+  <p:clrMapOvr>
+    <a:masterClrMapping/>
+  </p:clrMapOvr>
 </p:sldLayout>
 </file>
 
 <file path=ppt/slideLayouts/slideLayout33.xml><?xml version="1.0" encoding="utf-8"?>
-<p:sldLayout xmlns:a="http://schemas.openxmlformats.org/drawingml/2006/main" xmlns:p="http://schemas.openxmlformats.org/presentationml/2006/main" xmlns:r="http://schemas.openxmlformats.org/officeDocument/2006/relationships" xmlns:p14="http://schemas.microsoft.com/office/powerpoint/2010/main" xmlns:p15="http://schemas.microsoft.com/office/powerpoint/2012/main" xmlns:mc="http://schemas.openxmlformats.org/markup-compatibility/2006" type="twoObjOverTx" preserve="1">
+<p:sldLayout xmlns:a="http://schemas.openxmlformats.org/drawingml/2006/main" xmlns:r="http://schemas.openxmlformats.org/officeDocument/2006/relationships" xmlns:p="http://schemas.openxmlformats.org/presentationml/2006/main" type="twoObjOverTx" preserve="1">
   <p:cSld name="Title, 2 Content over Content">
     <p:spTree>
       <p:nvGrpSpPr>
@@ -3437,11 +3760,12 @@
           </a:prstGeom>
         </p:spPr>
         <p:txBody>
-          <a:bodyPr lIns="0" rIns="0" tIns="0" bIns="0" anchor="ctr">
+          <a:bodyPr lIns="0" tIns="0" rIns="0" bIns="0" anchor="ctr">
             <a:noAutofit/>
           </a:bodyPr>
-          <a:p>
-            <a:endParaRPr b="0" lang="en-IN" sz="1400" spc="-1" strike="noStrike">
+          <a:lstStyle/>
+          <a:p>
+            <a:endParaRPr lang="en-IN" sz="1400" b="0" strike="noStrike" spc="-1">
               <a:solidFill>
                 <a:srgbClr val="000000"/>
               </a:solidFill>
@@ -3470,11 +3794,12 @@
           </a:prstGeom>
         </p:spPr>
         <p:txBody>
-          <a:bodyPr lIns="0" rIns="0" tIns="0" bIns="0">
+          <a:bodyPr lIns="0" tIns="0" rIns="0" bIns="0">
             <a:normAutofit/>
           </a:bodyPr>
-          <a:p>
-            <a:endParaRPr b="0" lang="en-IN" sz="1400" spc="-1" strike="noStrike">
+          <a:lstStyle/>
+          <a:p>
+            <a:endParaRPr lang="en-IN" sz="1400" b="0" strike="noStrike" spc="-1">
               <a:solidFill>
                 <a:srgbClr val="000000"/>
               </a:solidFill>
@@ -3503,11 +3828,12 @@
           </a:prstGeom>
         </p:spPr>
         <p:txBody>
-          <a:bodyPr lIns="0" rIns="0" tIns="0" bIns="0">
+          <a:bodyPr lIns="0" tIns="0" rIns="0" bIns="0">
             <a:normAutofit/>
           </a:bodyPr>
-          <a:p>
-            <a:endParaRPr b="0" lang="en-IN" sz="1400" spc="-1" strike="noStrike">
+          <a:lstStyle/>
+          <a:p>
+            <a:endParaRPr lang="en-IN" sz="1400" b="0" strike="noStrike" spc="-1">
               <a:solidFill>
                 <a:srgbClr val="000000"/>
               </a:solidFill>
@@ -3536,11 +3862,12 @@
           </a:prstGeom>
         </p:spPr>
         <p:txBody>
-          <a:bodyPr lIns="0" rIns="0" tIns="0" bIns="0">
+          <a:bodyPr lIns="0" tIns="0" rIns="0" bIns="0">
             <a:normAutofit/>
           </a:bodyPr>
-          <a:p>
-            <a:endParaRPr b="0" lang="en-IN" sz="1400" spc="-1" strike="noStrike">
+          <a:lstStyle/>
+          <a:p>
+            <a:endParaRPr lang="en-IN" sz="1400" b="0" strike="noStrike" spc="-1">
               <a:solidFill>
                 <a:srgbClr val="000000"/>
               </a:solidFill>
@@ -3551,11 +3878,14 @@
       </p:sp>
     </p:spTree>
   </p:cSld>
+  <p:clrMapOvr>
+    <a:masterClrMapping/>
+  </p:clrMapOvr>
 </p:sldLayout>
 </file>
 
 <file path=ppt/slideLayouts/slideLayout34.xml><?xml version="1.0" encoding="utf-8"?>
-<p:sldLayout xmlns:a="http://schemas.openxmlformats.org/drawingml/2006/main" xmlns:p="http://schemas.openxmlformats.org/presentationml/2006/main" xmlns:r="http://schemas.openxmlformats.org/officeDocument/2006/relationships" xmlns:p14="http://schemas.microsoft.com/office/powerpoint/2010/main" xmlns:p15="http://schemas.microsoft.com/office/powerpoint/2012/main" xmlns:mc="http://schemas.openxmlformats.org/markup-compatibility/2006" type="objOverTx" preserve="1">
+<p:sldLayout xmlns:a="http://schemas.openxmlformats.org/drawingml/2006/main" xmlns:r="http://schemas.openxmlformats.org/officeDocument/2006/relationships" xmlns:p="http://schemas.openxmlformats.org/presentationml/2006/main" type="objOverTx" preserve="1">
   <p:cSld name="Title, Content over Content">
     <p:spTree>
       <p:nvGrpSpPr>
@@ -3591,11 +3921,12 @@
           </a:prstGeom>
         </p:spPr>
         <p:txBody>
-          <a:bodyPr lIns="0" rIns="0" tIns="0" bIns="0" anchor="ctr">
+          <a:bodyPr lIns="0" tIns="0" rIns="0" bIns="0" anchor="ctr">
             <a:noAutofit/>
           </a:bodyPr>
-          <a:p>
-            <a:endParaRPr b="0" lang="en-IN" sz="1400" spc="-1" strike="noStrike">
+          <a:lstStyle/>
+          <a:p>
+            <a:endParaRPr lang="en-IN" sz="1400" b="0" strike="noStrike" spc="-1">
               <a:solidFill>
                 <a:srgbClr val="000000"/>
               </a:solidFill>
@@ -3624,11 +3955,12 @@
           </a:prstGeom>
         </p:spPr>
         <p:txBody>
-          <a:bodyPr lIns="0" rIns="0" tIns="0" bIns="0">
+          <a:bodyPr lIns="0" tIns="0" rIns="0" bIns="0">
             <a:normAutofit/>
           </a:bodyPr>
-          <a:p>
-            <a:endParaRPr b="0" lang="en-IN" sz="1400" spc="-1" strike="noStrike">
+          <a:lstStyle/>
+          <a:p>
+            <a:endParaRPr lang="en-IN" sz="1400" b="0" strike="noStrike" spc="-1">
               <a:solidFill>
                 <a:srgbClr val="000000"/>
               </a:solidFill>
@@ -3657,11 +3989,12 @@
           </a:prstGeom>
         </p:spPr>
         <p:txBody>
-          <a:bodyPr lIns="0" rIns="0" tIns="0" bIns="0">
+          <a:bodyPr lIns="0" tIns="0" rIns="0" bIns="0">
             <a:normAutofit/>
           </a:bodyPr>
-          <a:p>
-            <a:endParaRPr b="0" lang="en-IN" sz="1400" spc="-1" strike="noStrike">
+          <a:lstStyle/>
+          <a:p>
+            <a:endParaRPr lang="en-IN" sz="1400" b="0" strike="noStrike" spc="-1">
               <a:solidFill>
                 <a:srgbClr val="000000"/>
               </a:solidFill>
@@ -3672,11 +4005,14 @@
       </p:sp>
     </p:spTree>
   </p:cSld>
+  <p:clrMapOvr>
+    <a:masterClrMapping/>
+  </p:clrMapOvr>
 </p:sldLayout>
 </file>
 
 <file path=ppt/slideLayouts/slideLayout35.xml><?xml version="1.0" encoding="utf-8"?>
-<p:sldLayout xmlns:a="http://schemas.openxmlformats.org/drawingml/2006/main" xmlns:p="http://schemas.openxmlformats.org/presentationml/2006/main" xmlns:r="http://schemas.openxmlformats.org/officeDocument/2006/relationships" xmlns:p14="http://schemas.microsoft.com/office/powerpoint/2010/main" xmlns:p15="http://schemas.microsoft.com/office/powerpoint/2012/main" xmlns:mc="http://schemas.openxmlformats.org/markup-compatibility/2006" type="fourObj" preserve="1">
+<p:sldLayout xmlns:a="http://schemas.openxmlformats.org/drawingml/2006/main" xmlns:r="http://schemas.openxmlformats.org/officeDocument/2006/relationships" xmlns:p="http://schemas.openxmlformats.org/presentationml/2006/main" type="fourObj" preserve="1">
   <p:cSld name="Title, 4 Content">
     <p:spTree>
       <p:nvGrpSpPr>
@@ -3712,11 +4048,12 @@
           </a:prstGeom>
         </p:spPr>
         <p:txBody>
-          <a:bodyPr lIns="0" rIns="0" tIns="0" bIns="0" anchor="ctr">
+          <a:bodyPr lIns="0" tIns="0" rIns="0" bIns="0" anchor="ctr">
             <a:noAutofit/>
           </a:bodyPr>
-          <a:p>
-            <a:endParaRPr b="0" lang="en-IN" sz="1400" spc="-1" strike="noStrike">
+          <a:lstStyle/>
+          <a:p>
+            <a:endParaRPr lang="en-IN" sz="1400" b="0" strike="noStrike" spc="-1">
               <a:solidFill>
                 <a:srgbClr val="000000"/>
               </a:solidFill>
@@ -3745,11 +4082,12 @@
           </a:prstGeom>
         </p:spPr>
         <p:txBody>
-          <a:bodyPr lIns="0" rIns="0" tIns="0" bIns="0">
+          <a:bodyPr lIns="0" tIns="0" rIns="0" bIns="0">
             <a:normAutofit/>
           </a:bodyPr>
-          <a:p>
-            <a:endParaRPr b="0" lang="en-IN" sz="1400" spc="-1" strike="noStrike">
+          <a:lstStyle/>
+          <a:p>
+            <a:endParaRPr lang="en-IN" sz="1400" b="0" strike="noStrike" spc="-1">
               <a:solidFill>
                 <a:srgbClr val="000000"/>
               </a:solidFill>
@@ -3778,11 +4116,12 @@
           </a:prstGeom>
         </p:spPr>
         <p:txBody>
-          <a:bodyPr lIns="0" rIns="0" tIns="0" bIns="0">
+          <a:bodyPr lIns="0" tIns="0" rIns="0" bIns="0">
             <a:normAutofit/>
           </a:bodyPr>
-          <a:p>
-            <a:endParaRPr b="0" lang="en-IN" sz="1400" spc="-1" strike="noStrike">
+          <a:lstStyle/>
+          <a:p>
+            <a:endParaRPr lang="en-IN" sz="1400" b="0" strike="noStrike" spc="-1">
               <a:solidFill>
                 <a:srgbClr val="000000"/>
               </a:solidFill>
@@ -3811,11 +4150,12 @@
           </a:prstGeom>
         </p:spPr>
         <p:txBody>
-          <a:bodyPr lIns="0" rIns="0" tIns="0" bIns="0">
+          <a:bodyPr lIns="0" tIns="0" rIns="0" bIns="0">
             <a:normAutofit/>
           </a:bodyPr>
-          <a:p>
-            <a:endParaRPr b="0" lang="en-IN" sz="1400" spc="-1" strike="noStrike">
+          <a:lstStyle/>
+          <a:p>
+            <a:endParaRPr lang="en-IN" sz="1400" b="0" strike="noStrike" spc="-1">
               <a:solidFill>
                 <a:srgbClr val="000000"/>
               </a:solidFill>
@@ -3844,11 +4184,12 @@
           </a:prstGeom>
         </p:spPr>
         <p:txBody>
-          <a:bodyPr lIns="0" rIns="0" tIns="0" bIns="0">
+          <a:bodyPr lIns="0" tIns="0" rIns="0" bIns="0">
             <a:normAutofit/>
           </a:bodyPr>
-          <a:p>
-            <a:endParaRPr b="0" lang="en-IN" sz="1400" spc="-1" strike="noStrike">
+          <a:lstStyle/>
+          <a:p>
+            <a:endParaRPr lang="en-IN" sz="1400" b="0" strike="noStrike" spc="-1">
               <a:solidFill>
                 <a:srgbClr val="000000"/>
               </a:solidFill>
@@ -3859,11 +4200,14 @@
       </p:sp>
     </p:spTree>
   </p:cSld>
+  <p:clrMapOvr>
+    <a:masterClrMapping/>
+  </p:clrMapOvr>
 </p:sldLayout>
 </file>
 
 <file path=ppt/slideLayouts/slideLayout36.xml><?xml version="1.0" encoding="utf-8"?>
-<p:sldLayout xmlns:a="http://schemas.openxmlformats.org/drawingml/2006/main" xmlns:p="http://schemas.openxmlformats.org/presentationml/2006/main" xmlns:r="http://schemas.openxmlformats.org/officeDocument/2006/relationships" xmlns:p14="http://schemas.microsoft.com/office/powerpoint/2010/main" xmlns:p15="http://schemas.microsoft.com/office/powerpoint/2012/main" xmlns:mc="http://schemas.openxmlformats.org/markup-compatibility/2006" type="blank" preserve="1">
+<p:sldLayout xmlns:a="http://schemas.openxmlformats.org/drawingml/2006/main" xmlns:r="http://schemas.openxmlformats.org/officeDocument/2006/relationships" xmlns:p="http://schemas.openxmlformats.org/presentationml/2006/main" type="blank" preserve="1">
   <p:cSld name="Title, 6 Content">
     <p:spTree>
       <p:nvGrpSpPr>
@@ -3899,11 +4243,12 @@
           </a:prstGeom>
         </p:spPr>
         <p:txBody>
-          <a:bodyPr lIns="0" rIns="0" tIns="0" bIns="0" anchor="ctr">
+          <a:bodyPr lIns="0" tIns="0" rIns="0" bIns="0" anchor="ctr">
             <a:noAutofit/>
           </a:bodyPr>
-          <a:p>
-            <a:endParaRPr b="0" lang="en-IN" sz="1400" spc="-1" strike="noStrike">
+          <a:lstStyle/>
+          <a:p>
+            <a:endParaRPr lang="en-IN" sz="1400" b="0" strike="noStrike" spc="-1">
               <a:solidFill>
                 <a:srgbClr val="000000"/>
               </a:solidFill>
@@ -3932,11 +4277,12 @@
           </a:prstGeom>
         </p:spPr>
         <p:txBody>
-          <a:bodyPr lIns="0" rIns="0" tIns="0" bIns="0">
+          <a:bodyPr lIns="0" tIns="0" rIns="0" bIns="0">
             <a:normAutofit/>
           </a:bodyPr>
-          <a:p>
-            <a:endParaRPr b="0" lang="en-IN" sz="1400" spc="-1" strike="noStrike">
+          <a:lstStyle/>
+          <a:p>
+            <a:endParaRPr lang="en-IN" sz="1400" b="0" strike="noStrike" spc="-1">
               <a:solidFill>
                 <a:srgbClr val="000000"/>
               </a:solidFill>
@@ -3965,11 +4311,12 @@
           </a:prstGeom>
         </p:spPr>
         <p:txBody>
-          <a:bodyPr lIns="0" rIns="0" tIns="0" bIns="0">
+          <a:bodyPr lIns="0" tIns="0" rIns="0" bIns="0">
             <a:normAutofit/>
           </a:bodyPr>
-          <a:p>
-            <a:endParaRPr b="0" lang="en-IN" sz="1400" spc="-1" strike="noStrike">
+          <a:lstStyle/>
+          <a:p>
+            <a:endParaRPr lang="en-IN" sz="1400" b="0" strike="noStrike" spc="-1">
               <a:solidFill>
                 <a:srgbClr val="000000"/>
               </a:solidFill>
@@ -3998,11 +4345,12 @@
           </a:prstGeom>
         </p:spPr>
         <p:txBody>
-          <a:bodyPr lIns="0" rIns="0" tIns="0" bIns="0">
+          <a:bodyPr lIns="0" tIns="0" rIns="0" bIns="0">
             <a:normAutofit/>
           </a:bodyPr>
-          <a:p>
-            <a:endParaRPr b="0" lang="en-IN" sz="1400" spc="-1" strike="noStrike">
+          <a:lstStyle/>
+          <a:p>
+            <a:endParaRPr lang="en-IN" sz="1400" b="0" strike="noStrike" spc="-1">
               <a:solidFill>
                 <a:srgbClr val="000000"/>
               </a:solidFill>
@@ -4031,11 +4379,12 @@
           </a:prstGeom>
         </p:spPr>
         <p:txBody>
-          <a:bodyPr lIns="0" rIns="0" tIns="0" bIns="0">
+          <a:bodyPr lIns="0" tIns="0" rIns="0" bIns="0">
             <a:normAutofit/>
           </a:bodyPr>
-          <a:p>
-            <a:endParaRPr b="0" lang="en-IN" sz="1400" spc="-1" strike="noStrike">
+          <a:lstStyle/>
+          <a:p>
+            <a:endParaRPr lang="en-IN" sz="1400" b="0" strike="noStrike" spc="-1">
               <a:solidFill>
                 <a:srgbClr val="000000"/>
               </a:solidFill>
@@ -4064,11 +4413,12 @@
           </a:prstGeom>
         </p:spPr>
         <p:txBody>
-          <a:bodyPr lIns="0" rIns="0" tIns="0" bIns="0">
+          <a:bodyPr lIns="0" tIns="0" rIns="0" bIns="0">
             <a:normAutofit/>
           </a:bodyPr>
-          <a:p>
-            <a:endParaRPr b="0" lang="en-IN" sz="1400" spc="-1" strike="noStrike">
+          <a:lstStyle/>
+          <a:p>
+            <a:endParaRPr lang="en-IN" sz="1400" b="0" strike="noStrike" spc="-1">
               <a:solidFill>
                 <a:srgbClr val="000000"/>
               </a:solidFill>
@@ -4097,11 +4447,12 @@
           </a:prstGeom>
         </p:spPr>
         <p:txBody>
-          <a:bodyPr lIns="0" rIns="0" tIns="0" bIns="0">
+          <a:bodyPr lIns="0" tIns="0" rIns="0" bIns="0">
             <a:normAutofit/>
           </a:bodyPr>
-          <a:p>
-            <a:endParaRPr b="0" lang="en-IN" sz="1400" spc="-1" strike="noStrike">
+          <a:lstStyle/>
+          <a:p>
+            <a:endParaRPr lang="en-IN" sz="1400" b="0" strike="noStrike" spc="-1">
               <a:solidFill>
                 <a:srgbClr val="000000"/>
               </a:solidFill>
@@ -4112,11 +4463,14 @@
       </p:sp>
     </p:spTree>
   </p:cSld>
+  <p:clrMapOvr>
+    <a:masterClrMapping/>
+  </p:clrMapOvr>
 </p:sldLayout>
 </file>
 
 <file path=ppt/slideLayouts/slideLayout4.xml><?xml version="1.0" encoding="utf-8"?>
-<p:sldLayout xmlns:a="http://schemas.openxmlformats.org/drawingml/2006/main" xmlns:p="http://schemas.openxmlformats.org/presentationml/2006/main" xmlns:r="http://schemas.openxmlformats.org/officeDocument/2006/relationships" xmlns:p14="http://schemas.microsoft.com/office/powerpoint/2010/main" xmlns:p15="http://schemas.microsoft.com/office/powerpoint/2012/main" xmlns:mc="http://schemas.openxmlformats.org/markup-compatibility/2006" type="twoObj" preserve="1">
+<p:sldLayout xmlns:a="http://schemas.openxmlformats.org/drawingml/2006/main" xmlns:r="http://schemas.openxmlformats.org/officeDocument/2006/relationships" xmlns:p="http://schemas.openxmlformats.org/presentationml/2006/main" type="twoObj" preserve="1">
   <p:cSld name="Title, 2 Content">
     <p:spTree>
       <p:nvGrpSpPr>
@@ -4152,11 +4506,12 @@
           </a:prstGeom>
         </p:spPr>
         <p:txBody>
-          <a:bodyPr lIns="0" rIns="0" tIns="0" bIns="0" anchor="ctr">
+          <a:bodyPr lIns="0" tIns="0" rIns="0" bIns="0" anchor="ctr">
             <a:noAutofit/>
           </a:bodyPr>
-          <a:p>
-            <a:endParaRPr b="0" lang="en-IN" sz="1400" spc="-1" strike="noStrike">
+          <a:lstStyle/>
+          <a:p>
+            <a:endParaRPr lang="en-IN" sz="1400" b="0" strike="noStrike" spc="-1">
               <a:solidFill>
                 <a:srgbClr val="000000"/>
               </a:solidFill>
@@ -4185,11 +4540,12 @@
           </a:prstGeom>
         </p:spPr>
         <p:txBody>
-          <a:bodyPr lIns="0" rIns="0" tIns="0" bIns="0">
+          <a:bodyPr lIns="0" tIns="0" rIns="0" bIns="0">
             <a:normAutofit/>
           </a:bodyPr>
-          <a:p>
-            <a:endParaRPr b="0" lang="en-IN" sz="1400" spc="-1" strike="noStrike">
+          <a:lstStyle/>
+          <a:p>
+            <a:endParaRPr lang="en-IN" sz="1400" b="0" strike="noStrike" spc="-1">
               <a:solidFill>
                 <a:srgbClr val="000000"/>
               </a:solidFill>
@@ -4218,11 +4574,12 @@
           </a:prstGeom>
         </p:spPr>
         <p:txBody>
-          <a:bodyPr lIns="0" rIns="0" tIns="0" bIns="0">
+          <a:bodyPr lIns="0" tIns="0" rIns="0" bIns="0">
             <a:normAutofit/>
           </a:bodyPr>
-          <a:p>
-            <a:endParaRPr b="0" lang="en-IN" sz="1400" spc="-1" strike="noStrike">
+          <a:lstStyle/>
+          <a:p>
+            <a:endParaRPr lang="en-IN" sz="1400" b="0" strike="noStrike" spc="-1">
               <a:solidFill>
                 <a:srgbClr val="000000"/>
               </a:solidFill>
@@ -4233,11 +4590,14 @@
       </p:sp>
     </p:spTree>
   </p:cSld>
+  <p:clrMapOvr>
+    <a:masterClrMapping/>
+  </p:clrMapOvr>
 </p:sldLayout>
 </file>
 
 <file path=ppt/slideLayouts/slideLayout5.xml><?xml version="1.0" encoding="utf-8"?>
-<p:sldLayout xmlns:a="http://schemas.openxmlformats.org/drawingml/2006/main" xmlns:p="http://schemas.openxmlformats.org/presentationml/2006/main" xmlns:r="http://schemas.openxmlformats.org/officeDocument/2006/relationships" xmlns:p14="http://schemas.microsoft.com/office/powerpoint/2010/main" xmlns:p15="http://schemas.microsoft.com/office/powerpoint/2012/main" xmlns:mc="http://schemas.openxmlformats.org/markup-compatibility/2006" type="titleOnly" preserve="1">
+<p:sldLayout xmlns:a="http://schemas.openxmlformats.org/drawingml/2006/main" xmlns:r="http://schemas.openxmlformats.org/officeDocument/2006/relationships" xmlns:p="http://schemas.openxmlformats.org/presentationml/2006/main" type="titleOnly" preserve="1">
   <p:cSld name="Title Only">
     <p:spTree>
       <p:nvGrpSpPr>
@@ -4273,11 +4633,12 @@
           </a:prstGeom>
         </p:spPr>
         <p:txBody>
-          <a:bodyPr lIns="0" rIns="0" tIns="0" bIns="0" anchor="ctr">
+          <a:bodyPr lIns="0" tIns="0" rIns="0" bIns="0" anchor="ctr">
             <a:noAutofit/>
           </a:bodyPr>
-          <a:p>
-            <a:endParaRPr b="0" lang="en-IN" sz="1400" spc="-1" strike="noStrike">
+          <a:lstStyle/>
+          <a:p>
+            <a:endParaRPr lang="en-IN" sz="1400" b="0" strike="noStrike" spc="-1">
               <a:solidFill>
                 <a:srgbClr val="000000"/>
               </a:solidFill>
@@ -4288,11 +4649,14 @@
       </p:sp>
     </p:spTree>
   </p:cSld>
+  <p:clrMapOvr>
+    <a:masterClrMapping/>
+  </p:clrMapOvr>
 </p:sldLayout>
 </file>
 
 <file path=ppt/slideLayouts/slideLayout6.xml><?xml version="1.0" encoding="utf-8"?>
-<p:sldLayout xmlns:a="http://schemas.openxmlformats.org/drawingml/2006/main" xmlns:p="http://schemas.openxmlformats.org/presentationml/2006/main" xmlns:r="http://schemas.openxmlformats.org/officeDocument/2006/relationships" xmlns:p14="http://schemas.microsoft.com/office/powerpoint/2010/main" xmlns:p15="http://schemas.microsoft.com/office/powerpoint/2012/main" xmlns:mc="http://schemas.openxmlformats.org/markup-compatibility/2006" type="objOnly" preserve="1">
+<p:sldLayout xmlns:a="http://schemas.openxmlformats.org/drawingml/2006/main" xmlns:r="http://schemas.openxmlformats.org/officeDocument/2006/relationships" xmlns:p="http://schemas.openxmlformats.org/presentationml/2006/main" type="objOnly" preserve="1">
   <p:cSld name="Centered Text">
     <p:spTree>
       <p:nvGrpSpPr>
@@ -4328,12 +4692,13 @@
           </a:prstGeom>
         </p:spPr>
         <p:txBody>
-          <a:bodyPr lIns="0" rIns="0" tIns="0" bIns="0" anchor="ctr">
+          <a:bodyPr lIns="0" tIns="0" rIns="0" bIns="0" anchor="ctr">
             <a:noAutofit/>
           </a:bodyPr>
+          <a:lstStyle/>
           <a:p>
             <a:pPr algn="ctr"/>
-            <a:endParaRPr b="0" lang="en-IN" sz="3200" spc="-1" strike="noStrike">
+            <a:endParaRPr lang="en-IN" sz="3200" b="0" strike="noStrike" spc="-1">
               <a:latin typeface="Arial"/>
             </a:endParaRPr>
           </a:p>
@@ -4341,11 +4706,14 @@
       </p:sp>
     </p:spTree>
   </p:cSld>
+  <p:clrMapOvr>
+    <a:masterClrMapping/>
+  </p:clrMapOvr>
 </p:sldLayout>
 </file>
 
 <file path=ppt/slideLayouts/slideLayout7.xml><?xml version="1.0" encoding="utf-8"?>
-<p:sldLayout xmlns:a="http://schemas.openxmlformats.org/drawingml/2006/main" xmlns:p="http://schemas.openxmlformats.org/presentationml/2006/main" xmlns:r="http://schemas.openxmlformats.org/officeDocument/2006/relationships" xmlns:p14="http://schemas.microsoft.com/office/powerpoint/2010/main" xmlns:p15="http://schemas.microsoft.com/office/powerpoint/2012/main" xmlns:mc="http://schemas.openxmlformats.org/markup-compatibility/2006" type="twoObjAndObj" preserve="1">
+<p:sldLayout xmlns:a="http://schemas.openxmlformats.org/drawingml/2006/main" xmlns:r="http://schemas.openxmlformats.org/officeDocument/2006/relationships" xmlns:p="http://schemas.openxmlformats.org/presentationml/2006/main" type="twoObjAndObj" preserve="1">
   <p:cSld name="Title, 2 Content and Content">
     <p:spTree>
       <p:nvGrpSpPr>
@@ -4381,11 +4749,12 @@
           </a:prstGeom>
         </p:spPr>
         <p:txBody>
-          <a:bodyPr lIns="0" rIns="0" tIns="0" bIns="0" anchor="ctr">
+          <a:bodyPr lIns="0" tIns="0" rIns="0" bIns="0" anchor="ctr">
             <a:noAutofit/>
           </a:bodyPr>
-          <a:p>
-            <a:endParaRPr b="0" lang="en-IN" sz="1400" spc="-1" strike="noStrike">
+          <a:lstStyle/>
+          <a:p>
+            <a:endParaRPr lang="en-IN" sz="1400" b="0" strike="noStrike" spc="-1">
               <a:solidFill>
                 <a:srgbClr val="000000"/>
               </a:solidFill>
@@ -4414,11 +4783,12 @@
           </a:prstGeom>
         </p:spPr>
         <p:txBody>
-          <a:bodyPr lIns="0" rIns="0" tIns="0" bIns="0">
+          <a:bodyPr lIns="0" tIns="0" rIns="0" bIns="0">
             <a:normAutofit/>
           </a:bodyPr>
-          <a:p>
-            <a:endParaRPr b="0" lang="en-IN" sz="1400" spc="-1" strike="noStrike">
+          <a:lstStyle/>
+          <a:p>
+            <a:endParaRPr lang="en-IN" sz="1400" b="0" strike="noStrike" spc="-1">
               <a:solidFill>
                 <a:srgbClr val="000000"/>
               </a:solidFill>
@@ -4447,11 +4817,12 @@
           </a:prstGeom>
         </p:spPr>
         <p:txBody>
-          <a:bodyPr lIns="0" rIns="0" tIns="0" bIns="0">
+          <a:bodyPr lIns="0" tIns="0" rIns="0" bIns="0">
             <a:normAutofit/>
           </a:bodyPr>
-          <a:p>
-            <a:endParaRPr b="0" lang="en-IN" sz="1400" spc="-1" strike="noStrike">
+          <a:lstStyle/>
+          <a:p>
+            <a:endParaRPr lang="en-IN" sz="1400" b="0" strike="noStrike" spc="-1">
               <a:solidFill>
                 <a:srgbClr val="000000"/>
               </a:solidFill>
@@ -4480,11 +4851,12 @@
           </a:prstGeom>
         </p:spPr>
         <p:txBody>
-          <a:bodyPr lIns="0" rIns="0" tIns="0" bIns="0">
+          <a:bodyPr lIns="0" tIns="0" rIns="0" bIns="0">
             <a:normAutofit/>
           </a:bodyPr>
-          <a:p>
-            <a:endParaRPr b="0" lang="en-IN" sz="1400" spc="-1" strike="noStrike">
+          <a:lstStyle/>
+          <a:p>
+            <a:endParaRPr lang="en-IN" sz="1400" b="0" strike="noStrike" spc="-1">
               <a:solidFill>
                 <a:srgbClr val="000000"/>
               </a:solidFill>
@@ -4495,11 +4867,14 @@
       </p:sp>
     </p:spTree>
   </p:cSld>
+  <p:clrMapOvr>
+    <a:masterClrMapping/>
+  </p:clrMapOvr>
 </p:sldLayout>
 </file>
 
 <file path=ppt/slideLayouts/slideLayout8.xml><?xml version="1.0" encoding="utf-8"?>
-<p:sldLayout xmlns:a="http://schemas.openxmlformats.org/drawingml/2006/main" xmlns:p="http://schemas.openxmlformats.org/presentationml/2006/main" xmlns:r="http://schemas.openxmlformats.org/officeDocument/2006/relationships" xmlns:p14="http://schemas.microsoft.com/office/powerpoint/2010/main" xmlns:p15="http://schemas.microsoft.com/office/powerpoint/2012/main" xmlns:mc="http://schemas.openxmlformats.org/markup-compatibility/2006" type="objAndTwoObj" preserve="1">
+<p:sldLayout xmlns:a="http://schemas.openxmlformats.org/drawingml/2006/main" xmlns:r="http://schemas.openxmlformats.org/officeDocument/2006/relationships" xmlns:p="http://schemas.openxmlformats.org/presentationml/2006/main" type="objAndTwoObj" preserve="1">
   <p:cSld name="Title Content and 2 Content">
     <p:spTree>
       <p:nvGrpSpPr>
@@ -4535,11 +4910,12 @@
           </a:prstGeom>
         </p:spPr>
         <p:txBody>
-          <a:bodyPr lIns="0" rIns="0" tIns="0" bIns="0" anchor="ctr">
+          <a:bodyPr lIns="0" tIns="0" rIns="0" bIns="0" anchor="ctr">
             <a:noAutofit/>
           </a:bodyPr>
-          <a:p>
-            <a:endParaRPr b="0" lang="en-IN" sz="1400" spc="-1" strike="noStrike">
+          <a:lstStyle/>
+          <a:p>
+            <a:endParaRPr lang="en-IN" sz="1400" b="0" strike="noStrike" spc="-1">
               <a:solidFill>
                 <a:srgbClr val="000000"/>
               </a:solidFill>
@@ -4568,11 +4944,12 @@
           </a:prstGeom>
         </p:spPr>
         <p:txBody>
-          <a:bodyPr lIns="0" rIns="0" tIns="0" bIns="0">
+          <a:bodyPr lIns="0" tIns="0" rIns="0" bIns="0">
             <a:normAutofit/>
           </a:bodyPr>
-          <a:p>
-            <a:endParaRPr b="0" lang="en-IN" sz="1400" spc="-1" strike="noStrike">
+          <a:lstStyle/>
+          <a:p>
+            <a:endParaRPr lang="en-IN" sz="1400" b="0" strike="noStrike" spc="-1">
               <a:solidFill>
                 <a:srgbClr val="000000"/>
               </a:solidFill>
@@ -4601,11 +4978,12 @@
           </a:prstGeom>
         </p:spPr>
         <p:txBody>
-          <a:bodyPr lIns="0" rIns="0" tIns="0" bIns="0">
+          <a:bodyPr lIns="0" tIns="0" rIns="0" bIns="0">
             <a:normAutofit/>
           </a:bodyPr>
-          <a:p>
-            <a:endParaRPr b="0" lang="en-IN" sz="1400" spc="-1" strike="noStrike">
+          <a:lstStyle/>
+          <a:p>
+            <a:endParaRPr lang="en-IN" sz="1400" b="0" strike="noStrike" spc="-1">
               <a:solidFill>
                 <a:srgbClr val="000000"/>
               </a:solidFill>
@@ -4634,11 +5012,12 @@
           </a:prstGeom>
         </p:spPr>
         <p:txBody>
-          <a:bodyPr lIns="0" rIns="0" tIns="0" bIns="0">
+          <a:bodyPr lIns="0" tIns="0" rIns="0" bIns="0">
             <a:normAutofit/>
           </a:bodyPr>
-          <a:p>
-            <a:endParaRPr b="0" lang="en-IN" sz="1400" spc="-1" strike="noStrike">
+          <a:lstStyle/>
+          <a:p>
+            <a:endParaRPr lang="en-IN" sz="1400" b="0" strike="noStrike" spc="-1">
               <a:solidFill>
                 <a:srgbClr val="000000"/>
               </a:solidFill>
@@ -4649,11 +5028,14 @@
       </p:sp>
     </p:spTree>
   </p:cSld>
+  <p:clrMapOvr>
+    <a:masterClrMapping/>
+  </p:clrMapOvr>
 </p:sldLayout>
 </file>
 
 <file path=ppt/slideLayouts/slideLayout9.xml><?xml version="1.0" encoding="utf-8"?>
-<p:sldLayout xmlns:a="http://schemas.openxmlformats.org/drawingml/2006/main" xmlns:p="http://schemas.openxmlformats.org/presentationml/2006/main" xmlns:r="http://schemas.openxmlformats.org/officeDocument/2006/relationships" xmlns:p14="http://schemas.microsoft.com/office/powerpoint/2010/main" xmlns:p15="http://schemas.microsoft.com/office/powerpoint/2012/main" xmlns:mc="http://schemas.openxmlformats.org/markup-compatibility/2006" type="twoObjOverTx" preserve="1">
+<p:sldLayout xmlns:a="http://schemas.openxmlformats.org/drawingml/2006/main" xmlns:r="http://schemas.openxmlformats.org/officeDocument/2006/relationships" xmlns:p="http://schemas.openxmlformats.org/presentationml/2006/main" type="twoObjOverTx" preserve="1">
   <p:cSld name="Title, 2 Content over Content">
     <p:spTree>
       <p:nvGrpSpPr>
@@ -4689,11 +5071,12 @@
           </a:prstGeom>
         </p:spPr>
         <p:txBody>
-          <a:bodyPr lIns="0" rIns="0" tIns="0" bIns="0" anchor="ctr">
+          <a:bodyPr lIns="0" tIns="0" rIns="0" bIns="0" anchor="ctr">
             <a:noAutofit/>
           </a:bodyPr>
-          <a:p>
-            <a:endParaRPr b="0" lang="en-IN" sz="1400" spc="-1" strike="noStrike">
+          <a:lstStyle/>
+          <a:p>
+            <a:endParaRPr lang="en-IN" sz="1400" b="0" strike="noStrike" spc="-1">
               <a:solidFill>
                 <a:srgbClr val="000000"/>
               </a:solidFill>
@@ -4722,11 +5105,12 @@
           </a:prstGeom>
         </p:spPr>
         <p:txBody>
-          <a:bodyPr lIns="0" rIns="0" tIns="0" bIns="0">
+          <a:bodyPr lIns="0" tIns="0" rIns="0" bIns="0">
             <a:normAutofit/>
           </a:bodyPr>
-          <a:p>
-            <a:endParaRPr b="0" lang="en-IN" sz="1400" spc="-1" strike="noStrike">
+          <a:lstStyle/>
+          <a:p>
+            <a:endParaRPr lang="en-IN" sz="1400" b="0" strike="noStrike" spc="-1">
               <a:solidFill>
                 <a:srgbClr val="000000"/>
               </a:solidFill>
@@ -4755,11 +5139,12 @@
           </a:prstGeom>
         </p:spPr>
         <p:txBody>
-          <a:bodyPr lIns="0" rIns="0" tIns="0" bIns="0">
+          <a:bodyPr lIns="0" tIns="0" rIns="0" bIns="0">
             <a:normAutofit/>
           </a:bodyPr>
-          <a:p>
-            <a:endParaRPr b="0" lang="en-IN" sz="1400" spc="-1" strike="noStrike">
+          <a:lstStyle/>
+          <a:p>
+            <a:endParaRPr lang="en-IN" sz="1400" b="0" strike="noStrike" spc="-1">
               <a:solidFill>
                 <a:srgbClr val="000000"/>
               </a:solidFill>
@@ -4788,11 +5173,12 @@
           </a:prstGeom>
         </p:spPr>
         <p:txBody>
-          <a:bodyPr lIns="0" rIns="0" tIns="0" bIns="0">
+          <a:bodyPr lIns="0" tIns="0" rIns="0" bIns="0">
             <a:normAutofit/>
           </a:bodyPr>
-          <a:p>
-            <a:endParaRPr b="0" lang="en-IN" sz="1400" spc="-1" strike="noStrike">
+          <a:lstStyle/>
+          <a:p>
+            <a:endParaRPr lang="en-IN" sz="1400" b="0" strike="noStrike" spc="-1">
               <a:solidFill>
                 <a:srgbClr val="000000"/>
               </a:solidFill>
@@ -4803,17 +5189,21 @@
       </p:sp>
     </p:spTree>
   </p:cSld>
+  <p:clrMapOvr>
+    <a:masterClrMapping/>
+  </p:clrMapOvr>
 </p:sldLayout>
 </file>
 
 <file path=ppt/slideMasters/slideMaster1.xml><?xml version="1.0" encoding="utf-8"?>
-<p:sldMaster xmlns:a="http://schemas.openxmlformats.org/drawingml/2006/main" xmlns:p="http://schemas.openxmlformats.org/presentationml/2006/main" xmlns:r="http://schemas.openxmlformats.org/officeDocument/2006/relationships" xmlns:p14="http://schemas.microsoft.com/office/powerpoint/2010/main" xmlns:p15="http://schemas.microsoft.com/office/powerpoint/2012/main" xmlns:mc="http://schemas.openxmlformats.org/markup-compatibility/2006">
+<p:sldMaster xmlns:a="http://schemas.openxmlformats.org/drawingml/2006/main" xmlns:r="http://schemas.openxmlformats.org/officeDocument/2006/relationships" xmlns:p="http://schemas.openxmlformats.org/presentationml/2006/main">
   <p:cSld>
     <p:bg>
       <p:bgPr>
         <a:solidFill>
-          <a:srgbClr val="ffffff"/>
+          <a:srgbClr val="FFFFFF"/>
         </a:solidFill>
+        <a:effectLst/>
       </p:bgPr>
     </p:bg>
     <p:spTree>
@@ -4832,7 +5222,7 @@
       </p:grpSpPr>
       <p:grpSp>
         <p:nvGrpSpPr>
-          <p:cNvPr id="0" name="Group 1"/>
+          <p:cNvPr id="14" name="Group 1"/>
           <p:cNvGrpSpPr/>
           <p:nvPr/>
         </p:nvGrpSpPr>
@@ -4846,7 +5236,7 @@
         </p:grpSpPr>
         <p:sp>
           <p:nvSpPr>
-            <p:cNvPr id="1" name="CustomShape 2"/>
+            <p:cNvPr id="15" name="CustomShape 2"/>
             <p:cNvSpPr/>
             <p:nvPr/>
           </p:nvSpPr>
@@ -4861,7 +5251,7 @@
               </a:avLst>
             </a:prstGeom>
             <a:solidFill>
-              <a:srgbClr val="41adf1"/>
+              <a:srgbClr val="41ADF1"/>
             </a:solidFill>
             <a:ln w="9360">
               <a:solidFill>
@@ -4870,7 +5260,7 @@
               <a:round/>
             </a:ln>
             <a:effectLst>
-              <a:outerShdw algn="ctr" blurRad="50800" dir="5400000" dist="12600" rotWithShape="0">
+              <a:outerShdw blurRad="50800" dist="12600" dir="5400000" algn="ctr" rotWithShape="0">
                 <a:srgbClr val="000000">
                   <a:alpha val="50000"/>
                 </a:srgbClr>
@@ -4878,9 +5268,15 @@
             </a:effectLst>
           </p:spPr>
           <p:style>
-            <a:lnRef idx="0"/>
-            <a:fillRef idx="0"/>
-            <a:effectRef idx="0"/>
+            <a:lnRef idx="0">
+              <a:scrgbClr r="0" g="0" b="0"/>
+            </a:lnRef>
+            <a:fillRef idx="0">
+              <a:scrgbClr r="0" g="0" b="0"/>
+            </a:fillRef>
+            <a:effectRef idx="0">
+              <a:scrgbClr r="0" g="0" b="0"/>
+            </a:effectRef>
             <a:fontRef idx="minor"/>
           </p:style>
         </p:sp>
@@ -4901,7 +5297,7 @@
               </a:avLst>
             </a:prstGeom>
             <a:solidFill>
-              <a:srgbClr val="15a506"/>
+              <a:srgbClr val="15A506"/>
             </a:solidFill>
             <a:ln w="9360">
               <a:solidFill>
@@ -4910,7 +5306,7 @@
               <a:round/>
             </a:ln>
             <a:effectLst>
-              <a:outerShdw algn="ctr" blurRad="50800" dir="5400000" dist="12600" rotWithShape="0">
+              <a:outerShdw blurRad="50800" dist="12600" dir="5400000" algn="ctr" rotWithShape="0">
                 <a:srgbClr val="000000">
                   <a:alpha val="50000"/>
                 </a:srgbClr>
@@ -4918,9 +5314,15 @@
             </a:effectLst>
           </p:spPr>
           <p:style>
-            <a:lnRef idx="0"/>
-            <a:fillRef idx="0"/>
-            <a:effectRef idx="0"/>
+            <a:lnRef idx="0">
+              <a:scrgbClr r="0" g="0" b="0"/>
+            </a:lnRef>
+            <a:fillRef idx="0">
+              <a:scrgbClr r="0" g="0" b="0"/>
+            </a:fillRef>
+            <a:effectRef idx="0">
+              <a:scrgbClr r="0" g="0" b="0"/>
+            </a:effectRef>
             <a:fontRef idx="minor"/>
           </p:style>
         </p:sp>
@@ -4941,7 +5343,7 @@
               </a:avLst>
             </a:prstGeom>
             <a:solidFill>
-              <a:srgbClr val="41adf1"/>
+              <a:srgbClr val="41ADF1"/>
             </a:solidFill>
             <a:ln w="9360">
               <a:solidFill>
@@ -4950,7 +5352,7 @@
               <a:round/>
             </a:ln>
             <a:effectLst>
-              <a:outerShdw algn="ctr" blurRad="50800" dir="5400000" dist="12600" rotWithShape="0">
+              <a:outerShdw blurRad="50800" dist="12600" dir="5400000" algn="ctr" rotWithShape="0">
                 <a:srgbClr val="000000">
                   <a:alpha val="50000"/>
                 </a:srgbClr>
@@ -4958,9 +5360,15 @@
             </a:effectLst>
           </p:spPr>
           <p:style>
-            <a:lnRef idx="0"/>
-            <a:fillRef idx="0"/>
-            <a:effectRef idx="0"/>
+            <a:lnRef idx="0">
+              <a:scrgbClr r="0" g="0" b="0"/>
+            </a:lnRef>
+            <a:fillRef idx="0">
+              <a:scrgbClr r="0" g="0" b="0"/>
+            </a:fillRef>
+            <a:effectRef idx="0">
+              <a:scrgbClr r="0" g="0" b="0"/>
+            </a:effectRef>
             <a:fontRef idx="minor"/>
           </p:style>
         </p:sp>
@@ -4981,7 +5389,7 @@
               </a:avLst>
             </a:prstGeom>
             <a:solidFill>
-              <a:srgbClr val="15a506"/>
+              <a:srgbClr val="15A506"/>
             </a:solidFill>
             <a:ln w="9360">
               <a:solidFill>
@@ -4990,7 +5398,7 @@
               <a:round/>
             </a:ln>
             <a:effectLst>
-              <a:outerShdw algn="ctr" blurRad="50800" dir="5400000" dist="12600" rotWithShape="0">
+              <a:outerShdw blurRad="50800" dist="12600" dir="5400000" algn="ctr" rotWithShape="0">
                 <a:srgbClr val="000000">
                   <a:alpha val="50000"/>
                 </a:srgbClr>
@@ -4998,9 +5406,15 @@
             </a:effectLst>
           </p:spPr>
           <p:style>
-            <a:lnRef idx="0"/>
-            <a:fillRef idx="0"/>
-            <a:effectRef idx="0"/>
+            <a:lnRef idx="0">
+              <a:scrgbClr r="0" g="0" b="0"/>
+            </a:lnRef>
+            <a:fillRef idx="0">
+              <a:scrgbClr r="0" g="0" b="0"/>
+            </a:fillRef>
+            <a:effectRef idx="0">
+              <a:scrgbClr r="0" g="0" b="0"/>
+            </a:effectRef>
             <a:fontRef idx="minor"/>
           </p:style>
         </p:sp>
@@ -5021,7 +5435,7 @@
               </a:avLst>
             </a:prstGeom>
             <a:solidFill>
-              <a:srgbClr val="41adf1"/>
+              <a:srgbClr val="41ADF1"/>
             </a:solidFill>
             <a:ln w="9360">
               <a:solidFill>
@@ -5030,7 +5444,7 @@
               <a:round/>
             </a:ln>
             <a:effectLst>
-              <a:outerShdw algn="ctr" blurRad="50800" dir="5400000" dist="12600" rotWithShape="0">
+              <a:outerShdw blurRad="50800" dist="12600" dir="5400000" algn="ctr" rotWithShape="0">
                 <a:srgbClr val="000000">
                   <a:alpha val="50000"/>
                 </a:srgbClr>
@@ -5038,9 +5452,15 @@
             </a:effectLst>
           </p:spPr>
           <p:style>
-            <a:lnRef idx="0"/>
-            <a:fillRef idx="0"/>
-            <a:effectRef idx="0"/>
+            <a:lnRef idx="0">
+              <a:scrgbClr r="0" g="0" b="0"/>
+            </a:lnRef>
+            <a:fillRef idx="0">
+              <a:scrgbClr r="0" g="0" b="0"/>
+            </a:fillRef>
+            <a:effectRef idx="0">
+              <a:scrgbClr r="0" g="0" b="0"/>
+            </a:effectRef>
             <a:fontRef idx="minor"/>
           </p:style>
         </p:sp>
@@ -5061,7 +5481,7 @@
               </a:avLst>
             </a:prstGeom>
             <a:solidFill>
-              <a:srgbClr val="15a506"/>
+              <a:srgbClr val="15A506"/>
             </a:solidFill>
             <a:ln w="9360">
               <a:solidFill>
@@ -5070,7 +5490,7 @@
               <a:round/>
             </a:ln>
             <a:effectLst>
-              <a:outerShdw algn="ctr" blurRad="50800" dir="5400000" dist="12600" rotWithShape="0">
+              <a:outerShdw blurRad="50800" dist="12600" dir="5400000" algn="ctr" rotWithShape="0">
                 <a:srgbClr val="000000">
                   <a:alpha val="50000"/>
                 </a:srgbClr>
@@ -5078,9 +5498,15 @@
             </a:effectLst>
           </p:spPr>
           <p:style>
-            <a:lnRef idx="0"/>
-            <a:fillRef idx="0"/>
-            <a:effectRef idx="0"/>
+            <a:lnRef idx="0">
+              <a:scrgbClr r="0" g="0" b="0"/>
+            </a:lnRef>
+            <a:fillRef idx="0">
+              <a:scrgbClr r="0" g="0" b="0"/>
+            </a:fillRef>
+            <a:effectRef idx="0">
+              <a:scrgbClr r="0" g="0" b="0"/>
+            </a:effectRef>
             <a:fontRef idx="minor"/>
           </p:style>
         </p:sp>
@@ -5092,7 +5518,7 @@
           <p:nvPr/>
         </p:nvPicPr>
         <p:blipFill>
-          <a:blip r:embed="rId2"/>
+          <a:blip r:embed="rId14"/>
           <a:stretch/>
         </p:blipFill>
         <p:spPr>
@@ -5131,10 +5557,11 @@
           <a:bodyPr anchor="ctr">
             <a:noAutofit/>
           </a:bodyPr>
+          <a:lstStyle/>
           <a:p>
             <a:pPr algn="ctr"/>
             <a:r>
-              <a:rPr b="0" lang="en-IN" sz="5000" spc="-1" strike="noStrike">
+              <a:rPr lang="en-IN" sz="5000" b="0" strike="noStrike" spc="-1">
                 <a:solidFill>
                   <a:srgbClr val="000000"/>
                 </a:solidFill>
@@ -5142,12 +5569,6 @@
               </a:rPr>
               <a:t>Click to edit the title text format</a:t>
             </a:r>
-            <a:endParaRPr b="0" lang="en-IN" sz="5000" spc="-1" strike="noStrike">
-              <a:solidFill>
-                <a:srgbClr val="000000"/>
-              </a:solidFill>
-              <a:latin typeface="Arial"/>
-            </a:endParaRPr>
           </a:p>
         </p:txBody>
       </p:sp>
@@ -5174,8 +5595,9 @@
           <a:bodyPr anchor="ctr">
             <a:noAutofit/>
           </a:bodyPr>
-          <a:p>
-            <a:endParaRPr b="0" lang="en-IN" sz="2400" spc="-1" strike="noStrike">
+          <a:lstStyle/>
+          <a:p>
+            <a:endParaRPr lang="en-IN" sz="2400" b="0" strike="noStrike" spc="-1">
               <a:latin typeface="Times New Roman"/>
             </a:endParaRPr>
           </a:p>
@@ -5204,26 +5626,27 @@
           <a:bodyPr anchor="ctr">
             <a:noAutofit/>
           </a:bodyPr>
+          <a:lstStyle/>
           <a:p>
             <a:pPr algn="r">
               <a:lnSpc>
                 <a:spcPct val="100000"/>
               </a:lnSpc>
               <a:tabLst>
-                <a:tab algn="l" pos="0"/>
+                <a:tab pos="0" algn="l"/>
               </a:tabLst>
             </a:pPr>
             <a:fld id="{182AE92A-55E8-45AA-97DB-D098BEA5EF81}" type="slidenum">
-              <a:rPr b="0" lang="en-US" sz="1000" spc="-1" strike="noStrike">
+              <a:rPr lang="en-US" sz="1000" b="0" strike="noStrike" spc="-1">
                 <a:solidFill>
-                  <a:srgbClr val="0c0c0c"/>
+                  <a:srgbClr val="0C0C0C"/>
                 </a:solidFill>
                 <a:latin typeface="Arial"/>
                 <a:ea typeface="Arial"/>
               </a:rPr>
-              <a:t>&lt;number&gt;</a:t>
+              <a:t>‹#›</a:t>
             </a:fld>
-            <a:endParaRPr b="0" lang="en-IN" sz="1000" spc="-1" strike="noStrike">
+            <a:endParaRPr lang="en-IN" sz="1000" b="0" strike="noStrike" spc="-1">
               <a:latin typeface="Times New Roman"/>
             </a:endParaRPr>
           </a:p>
@@ -5244,6 +5667,7 @@
             <a:avLst/>
             <a:gdLst/>
             <a:ahLst/>
+            <a:cxnLst/>
             <a:rect l="l" t="t" r="r" b="b"/>
             <a:pathLst>
               <a:path w="21600" h="21600">
@@ -5259,15 +5683,21 @@
           <a:noFill/>
           <a:ln w="19080">
             <a:solidFill>
-              <a:srgbClr val="42558c"/>
+              <a:srgbClr val="42558C"/>
             </a:solidFill>
             <a:round/>
           </a:ln>
         </p:spPr>
         <p:style>
-          <a:lnRef idx="0"/>
-          <a:fillRef idx="0"/>
-          <a:effectRef idx="0"/>
+          <a:lnRef idx="0">
+            <a:scrgbClr r="0" g="0" b="0"/>
+          </a:lnRef>
+          <a:fillRef idx="0">
+            <a:scrgbClr r="0" g="0" b="0"/>
+          </a:fillRef>
+          <a:effectRef idx="0">
+            <a:scrgbClr r="0" g="0" b="0"/>
+          </a:effectRef>
           <a:fontRef idx="minor"/>
         </p:style>
       </p:sp>
@@ -5294,8 +5724,9 @@
           <a:bodyPr anchor="ctr">
             <a:noAutofit/>
           </a:bodyPr>
-          <a:p>
-            <a:endParaRPr b="0" lang="en-IN" sz="2400" spc="-1" strike="noStrike">
+          <a:lstStyle/>
+          <a:p>
+            <a:endParaRPr lang="en-IN" sz="2400" b="0" strike="noStrike" spc="-1">
               <a:latin typeface="Times New Roman"/>
             </a:endParaRPr>
           </a:p>
@@ -5321,9 +5752,10 @@
           </a:prstGeom>
         </p:spPr>
         <p:txBody>
-          <a:bodyPr lIns="0" rIns="0" tIns="0" bIns="0">
+          <a:bodyPr lIns="0" tIns="0" rIns="0" bIns="0">
             <a:normAutofit/>
           </a:bodyPr>
+          <a:lstStyle/>
           <a:p>
             <a:pPr marL="432000" indent="-324000">
               <a:spcBef>
@@ -5337,7 +5769,7 @@
               <a:buChar char=""/>
             </a:pPr>
             <a:r>
-              <a:rPr b="0" lang="en-IN" sz="1400" spc="-1" strike="noStrike">
+              <a:rPr lang="en-IN" sz="1400" b="0" strike="noStrike" spc="-1">
                 <a:solidFill>
                   <a:srgbClr val="000000"/>
                 </a:solidFill>
@@ -5345,15 +5777,9 @@
               </a:rPr>
               <a:t>Click to edit the outline text format</a:t>
             </a:r>
-            <a:endParaRPr b="0" lang="en-IN" sz="1400" spc="-1" strike="noStrike">
-              <a:solidFill>
-                <a:srgbClr val="000000"/>
-              </a:solidFill>
-              <a:latin typeface="Arial"/>
-            </a:endParaRPr>
-          </a:p>
-          <a:p>
-            <a:pPr lvl="1" marL="864000" indent="-324000">
+          </a:p>
+          <a:p>
+            <a:pPr marL="864000" lvl="1" indent="-324000">
               <a:spcBef>
                 <a:spcPts val="1134"/>
               </a:spcBef>
@@ -5365,7 +5791,7 @@
               <a:buChar char=""/>
             </a:pPr>
             <a:r>
-              <a:rPr b="0" lang="en-IN" sz="1400" spc="-1" strike="noStrike">
+              <a:rPr lang="en-IN" sz="1400" b="0" strike="noStrike" spc="-1">
                 <a:solidFill>
                   <a:srgbClr val="000000"/>
                 </a:solidFill>
@@ -5373,15 +5799,9 @@
               </a:rPr>
               <a:t>Second Outline Level</a:t>
             </a:r>
-            <a:endParaRPr b="0" lang="en-IN" sz="1400" spc="-1" strike="noStrike">
-              <a:solidFill>
-                <a:srgbClr val="000000"/>
-              </a:solidFill>
-              <a:latin typeface="Arial"/>
-            </a:endParaRPr>
-          </a:p>
-          <a:p>
-            <a:pPr lvl="2" marL="1296000" indent="-288000">
+          </a:p>
+          <a:p>
+            <a:pPr marL="1296000" lvl="2" indent="-288000">
               <a:spcBef>
                 <a:spcPts val="850"/>
               </a:spcBef>
@@ -5393,7 +5813,7 @@
               <a:buChar char=""/>
             </a:pPr>
             <a:r>
-              <a:rPr b="0" lang="en-IN" sz="1400" spc="-1" strike="noStrike">
+              <a:rPr lang="en-IN" sz="1400" b="0" strike="noStrike" spc="-1">
                 <a:solidFill>
                   <a:srgbClr val="000000"/>
                 </a:solidFill>
@@ -5401,15 +5821,9 @@
               </a:rPr>
               <a:t>Third Outline Level</a:t>
             </a:r>
-            <a:endParaRPr b="0" lang="en-IN" sz="1400" spc="-1" strike="noStrike">
-              <a:solidFill>
-                <a:srgbClr val="000000"/>
-              </a:solidFill>
-              <a:latin typeface="Arial"/>
-            </a:endParaRPr>
-          </a:p>
-          <a:p>
-            <a:pPr lvl="3" marL="1728000" indent="-216000">
+          </a:p>
+          <a:p>
+            <a:pPr marL="1728000" lvl="3" indent="-216000">
               <a:spcBef>
                 <a:spcPts val="567"/>
               </a:spcBef>
@@ -5421,7 +5835,7 @@
               <a:buChar char=""/>
             </a:pPr>
             <a:r>
-              <a:rPr b="0" lang="en-IN" sz="1400" spc="-1" strike="noStrike">
+              <a:rPr lang="en-IN" sz="1400" b="0" strike="noStrike" spc="-1">
                 <a:solidFill>
                   <a:srgbClr val="000000"/>
                 </a:solidFill>
@@ -5429,15 +5843,9 @@
               </a:rPr>
               <a:t>Fourth Outline Level</a:t>
             </a:r>
-            <a:endParaRPr b="0" lang="en-IN" sz="1400" spc="-1" strike="noStrike">
-              <a:solidFill>
-                <a:srgbClr val="000000"/>
-              </a:solidFill>
-              <a:latin typeface="Arial"/>
-            </a:endParaRPr>
-          </a:p>
-          <a:p>
-            <a:pPr lvl="4" marL="2160000" indent="-216000">
+          </a:p>
+          <a:p>
+            <a:pPr marL="2160000" lvl="4" indent="-216000">
               <a:spcBef>
                 <a:spcPts val="283"/>
               </a:spcBef>
@@ -5449,7 +5857,7 @@
               <a:buChar char=""/>
             </a:pPr>
             <a:r>
-              <a:rPr b="0" lang="en-IN" sz="2000" spc="-1" strike="noStrike">
+              <a:rPr lang="en-IN" sz="2000" b="0" strike="noStrike" spc="-1">
                 <a:solidFill>
                   <a:srgbClr val="000000"/>
                 </a:solidFill>
@@ -5457,15 +5865,9 @@
               </a:rPr>
               <a:t>Fifth Outline Level</a:t>
             </a:r>
-            <a:endParaRPr b="0" lang="en-IN" sz="2000" spc="-1" strike="noStrike">
-              <a:solidFill>
-                <a:srgbClr val="000000"/>
-              </a:solidFill>
-              <a:latin typeface="Arial"/>
-            </a:endParaRPr>
-          </a:p>
-          <a:p>
-            <a:pPr lvl="5" marL="2592000" indent="-216000">
+          </a:p>
+          <a:p>
+            <a:pPr marL="2592000" lvl="5" indent="-216000">
               <a:spcBef>
                 <a:spcPts val="283"/>
               </a:spcBef>
@@ -5477,7 +5879,7 @@
               <a:buChar char=""/>
             </a:pPr>
             <a:r>
-              <a:rPr b="0" lang="en-IN" sz="2000" spc="-1" strike="noStrike">
+              <a:rPr lang="en-IN" sz="2000" b="0" strike="noStrike" spc="-1">
                 <a:solidFill>
                   <a:srgbClr val="000000"/>
                 </a:solidFill>
@@ -5485,15 +5887,9 @@
               </a:rPr>
               <a:t>Sixth Outline Level</a:t>
             </a:r>
-            <a:endParaRPr b="0" lang="en-IN" sz="2000" spc="-1" strike="noStrike">
-              <a:solidFill>
-                <a:srgbClr val="000000"/>
-              </a:solidFill>
-              <a:latin typeface="Arial"/>
-            </a:endParaRPr>
-          </a:p>
-          <a:p>
-            <a:pPr lvl="6" marL="3024000" indent="-216000">
+          </a:p>
+          <a:p>
+            <a:pPr marL="3024000" lvl="6" indent="-216000">
               <a:spcBef>
                 <a:spcPts val="283"/>
               </a:spcBef>
@@ -5505,7 +5901,7 @@
               <a:buChar char=""/>
             </a:pPr>
             <a:r>
-              <a:rPr b="0" lang="en-IN" sz="2000" spc="-1" strike="noStrike">
+              <a:rPr lang="en-IN" sz="2000" b="0" strike="noStrike" spc="-1">
                 <a:solidFill>
                   <a:srgbClr val="000000"/>
                 </a:solidFill>
@@ -5513,43 +5909,318 @@
               </a:rPr>
               <a:t>Seventh Outline Level</a:t>
             </a:r>
-            <a:endParaRPr b="0" lang="en-IN" sz="2000" spc="-1" strike="noStrike">
-              <a:solidFill>
-                <a:srgbClr val="000000"/>
-              </a:solidFill>
-              <a:latin typeface="Arial"/>
-            </a:endParaRPr>
           </a:p>
         </p:txBody>
       </p:sp>
     </p:spTree>
   </p:cSld>
-  <p:clrMap bg1="lt1" bg2="lt2" tx1="dk1" tx2="dk2" accent1="accent1" accent2="accent2" accent3="accent3" accent4="accent4" accent5="accent5" accent6="accent6" hlink="hlink" folHlink="folHlink"/>
+  <p:clrMap bg1="lt1" tx1="dk1" bg2="lt2" tx2="dk2" accent1="accent1" accent2="accent2" accent3="accent3" accent4="accent4" accent5="accent5" accent6="accent6" hlink="hlink" folHlink="folHlink"/>
   <p:sldLayoutIdLst>
-    <p:sldLayoutId id="2147483649" r:id="rId3"/>
-    <p:sldLayoutId id="2147483650" r:id="rId4"/>
-    <p:sldLayoutId id="2147483651" r:id="rId5"/>
-    <p:sldLayoutId id="2147483652" r:id="rId6"/>
-    <p:sldLayoutId id="2147483653" r:id="rId7"/>
-    <p:sldLayoutId id="2147483654" r:id="rId8"/>
-    <p:sldLayoutId id="2147483655" r:id="rId9"/>
-    <p:sldLayoutId id="2147483656" r:id="rId10"/>
-    <p:sldLayoutId id="2147483657" r:id="rId11"/>
-    <p:sldLayoutId id="2147483658" r:id="rId12"/>
-    <p:sldLayoutId id="2147483659" r:id="rId13"/>
-    <p:sldLayoutId id="2147483660" r:id="rId14"/>
+    <p:sldLayoutId id="2147483649" r:id="rId1"/>
+    <p:sldLayoutId id="2147483650" r:id="rId2"/>
+    <p:sldLayoutId id="2147483651" r:id="rId3"/>
+    <p:sldLayoutId id="2147483652" r:id="rId4"/>
+    <p:sldLayoutId id="2147483653" r:id="rId5"/>
+    <p:sldLayoutId id="2147483654" r:id="rId6"/>
+    <p:sldLayoutId id="2147483655" r:id="rId7"/>
+    <p:sldLayoutId id="2147483656" r:id="rId8"/>
+    <p:sldLayoutId id="2147483657" r:id="rId9"/>
+    <p:sldLayoutId id="2147483658" r:id="rId10"/>
+    <p:sldLayoutId id="2147483659" r:id="rId11"/>
+    <p:sldLayoutId id="2147483660" r:id="rId12"/>
   </p:sldLayoutIdLst>
+  <p:txStyles>
+    <p:titleStyle>
+      <a:lvl1pPr algn="l" defTabSz="914400" rtl="0" eaLnBrk="1" latinLnBrk="0" hangingPunct="1">
+        <a:lnSpc>
+          <a:spcPct val="90000"/>
+        </a:lnSpc>
+        <a:spcBef>
+          <a:spcPct val="0"/>
+        </a:spcBef>
+        <a:buNone/>
+        <a:defRPr sz="4400" kern="1200">
+          <a:solidFill>
+            <a:schemeClr val="tx1"/>
+          </a:solidFill>
+          <a:latin typeface="+mj-lt"/>
+          <a:ea typeface="+mj-ea"/>
+          <a:cs typeface="+mj-cs"/>
+        </a:defRPr>
+      </a:lvl1pPr>
+    </p:titleStyle>
+    <p:bodyStyle>
+      <a:lvl1pPr marL="228600" indent="-228600" algn="l" defTabSz="914400" rtl="0" eaLnBrk="1" latinLnBrk="0" hangingPunct="1">
+        <a:lnSpc>
+          <a:spcPct val="90000"/>
+        </a:lnSpc>
+        <a:spcBef>
+          <a:spcPts val="1000"/>
+        </a:spcBef>
+        <a:buFont typeface="Arial" panose="020B0604020202020204" pitchFamily="34" charset="0"/>
+        <a:buChar char="•"/>
+        <a:defRPr sz="2800" kern="1200">
+          <a:solidFill>
+            <a:schemeClr val="tx1"/>
+          </a:solidFill>
+          <a:latin typeface="+mn-lt"/>
+          <a:ea typeface="+mn-ea"/>
+          <a:cs typeface="+mn-cs"/>
+        </a:defRPr>
+      </a:lvl1pPr>
+      <a:lvl2pPr marL="685800" indent="-228600" algn="l" defTabSz="914400" rtl="0" eaLnBrk="1" latinLnBrk="0" hangingPunct="1">
+        <a:lnSpc>
+          <a:spcPct val="90000"/>
+        </a:lnSpc>
+        <a:spcBef>
+          <a:spcPts val="500"/>
+        </a:spcBef>
+        <a:buFont typeface="Arial" panose="020B0604020202020204" pitchFamily="34" charset="0"/>
+        <a:buChar char="•"/>
+        <a:defRPr sz="2400" kern="1200">
+          <a:solidFill>
+            <a:schemeClr val="tx1"/>
+          </a:solidFill>
+          <a:latin typeface="+mn-lt"/>
+          <a:ea typeface="+mn-ea"/>
+          <a:cs typeface="+mn-cs"/>
+        </a:defRPr>
+      </a:lvl2pPr>
+      <a:lvl3pPr marL="1143000" indent="-228600" algn="l" defTabSz="914400" rtl="0" eaLnBrk="1" latinLnBrk="0" hangingPunct="1">
+        <a:lnSpc>
+          <a:spcPct val="90000"/>
+        </a:lnSpc>
+        <a:spcBef>
+          <a:spcPts val="500"/>
+        </a:spcBef>
+        <a:buFont typeface="Arial" panose="020B0604020202020204" pitchFamily="34" charset="0"/>
+        <a:buChar char="•"/>
+        <a:defRPr sz="2000" kern="1200">
+          <a:solidFill>
+            <a:schemeClr val="tx1"/>
+          </a:solidFill>
+          <a:latin typeface="+mn-lt"/>
+          <a:ea typeface="+mn-ea"/>
+          <a:cs typeface="+mn-cs"/>
+        </a:defRPr>
+      </a:lvl3pPr>
+      <a:lvl4pPr marL="1600200" indent="-228600" algn="l" defTabSz="914400" rtl="0" eaLnBrk="1" latinLnBrk="0" hangingPunct="1">
+        <a:lnSpc>
+          <a:spcPct val="90000"/>
+        </a:lnSpc>
+        <a:spcBef>
+          <a:spcPts val="500"/>
+        </a:spcBef>
+        <a:buFont typeface="Arial" panose="020B0604020202020204" pitchFamily="34" charset="0"/>
+        <a:buChar char="•"/>
+        <a:defRPr sz="1800" kern="1200">
+          <a:solidFill>
+            <a:schemeClr val="tx1"/>
+          </a:solidFill>
+          <a:latin typeface="+mn-lt"/>
+          <a:ea typeface="+mn-ea"/>
+          <a:cs typeface="+mn-cs"/>
+        </a:defRPr>
+      </a:lvl4pPr>
+      <a:lvl5pPr marL="2057400" indent="-228600" algn="l" defTabSz="914400" rtl="0" eaLnBrk="1" latinLnBrk="0" hangingPunct="1">
+        <a:lnSpc>
+          <a:spcPct val="90000"/>
+        </a:lnSpc>
+        <a:spcBef>
+          <a:spcPts val="500"/>
+        </a:spcBef>
+        <a:buFont typeface="Arial" panose="020B0604020202020204" pitchFamily="34" charset="0"/>
+        <a:buChar char="•"/>
+        <a:defRPr sz="1800" kern="1200">
+          <a:solidFill>
+            <a:schemeClr val="tx1"/>
+          </a:solidFill>
+          <a:latin typeface="+mn-lt"/>
+          <a:ea typeface="+mn-ea"/>
+          <a:cs typeface="+mn-cs"/>
+        </a:defRPr>
+      </a:lvl5pPr>
+      <a:lvl6pPr marL="2514600" indent="-228600" algn="l" defTabSz="914400" rtl="0" eaLnBrk="1" latinLnBrk="0" hangingPunct="1">
+        <a:lnSpc>
+          <a:spcPct val="90000"/>
+        </a:lnSpc>
+        <a:spcBef>
+          <a:spcPts val="500"/>
+        </a:spcBef>
+        <a:buFont typeface="Arial" panose="020B0604020202020204" pitchFamily="34" charset="0"/>
+        <a:buChar char="•"/>
+        <a:defRPr sz="1800" kern="1200">
+          <a:solidFill>
+            <a:schemeClr val="tx1"/>
+          </a:solidFill>
+          <a:latin typeface="+mn-lt"/>
+          <a:ea typeface="+mn-ea"/>
+          <a:cs typeface="+mn-cs"/>
+        </a:defRPr>
+      </a:lvl6pPr>
+      <a:lvl7pPr marL="2971800" indent="-228600" algn="l" defTabSz="914400" rtl="0" eaLnBrk="1" latinLnBrk="0" hangingPunct="1">
+        <a:lnSpc>
+          <a:spcPct val="90000"/>
+        </a:lnSpc>
+        <a:spcBef>
+          <a:spcPts val="500"/>
+        </a:spcBef>
+        <a:buFont typeface="Arial" panose="020B0604020202020204" pitchFamily="34" charset="0"/>
+        <a:buChar char="•"/>
+        <a:defRPr sz="1800" kern="1200">
+          <a:solidFill>
+            <a:schemeClr val="tx1"/>
+          </a:solidFill>
+          <a:latin typeface="+mn-lt"/>
+          <a:ea typeface="+mn-ea"/>
+          <a:cs typeface="+mn-cs"/>
+        </a:defRPr>
+      </a:lvl7pPr>
+      <a:lvl8pPr marL="3429000" indent="-228600" algn="l" defTabSz="914400" rtl="0" eaLnBrk="1" latinLnBrk="0" hangingPunct="1">
+        <a:lnSpc>
+          <a:spcPct val="90000"/>
+        </a:lnSpc>
+        <a:spcBef>
+          <a:spcPts val="500"/>
+        </a:spcBef>
+        <a:buFont typeface="Arial" panose="020B0604020202020204" pitchFamily="34" charset="0"/>
+        <a:buChar char="•"/>
+        <a:defRPr sz="1800" kern="1200">
+          <a:solidFill>
+            <a:schemeClr val="tx1"/>
+          </a:solidFill>
+          <a:latin typeface="+mn-lt"/>
+          <a:ea typeface="+mn-ea"/>
+          <a:cs typeface="+mn-cs"/>
+        </a:defRPr>
+      </a:lvl8pPr>
+      <a:lvl9pPr marL="3886200" indent="-228600" algn="l" defTabSz="914400" rtl="0" eaLnBrk="1" latinLnBrk="0" hangingPunct="1">
+        <a:lnSpc>
+          <a:spcPct val="90000"/>
+        </a:lnSpc>
+        <a:spcBef>
+          <a:spcPts val="500"/>
+        </a:spcBef>
+        <a:buFont typeface="Arial" panose="020B0604020202020204" pitchFamily="34" charset="0"/>
+        <a:buChar char="•"/>
+        <a:defRPr sz="1800" kern="1200">
+          <a:solidFill>
+            <a:schemeClr val="tx1"/>
+          </a:solidFill>
+          <a:latin typeface="+mn-lt"/>
+          <a:ea typeface="+mn-ea"/>
+          <a:cs typeface="+mn-cs"/>
+        </a:defRPr>
+      </a:lvl9pPr>
+    </p:bodyStyle>
+    <p:otherStyle>
+      <a:defPPr>
+        <a:defRPr lang="en-US"/>
+      </a:defPPr>
+      <a:lvl1pPr marL="0" algn="l" defTabSz="914400" rtl="0" eaLnBrk="1" latinLnBrk="0" hangingPunct="1">
+        <a:defRPr sz="1800" kern="1200">
+          <a:solidFill>
+            <a:schemeClr val="tx1"/>
+          </a:solidFill>
+          <a:latin typeface="+mn-lt"/>
+          <a:ea typeface="+mn-ea"/>
+          <a:cs typeface="+mn-cs"/>
+        </a:defRPr>
+      </a:lvl1pPr>
+      <a:lvl2pPr marL="457200" algn="l" defTabSz="914400" rtl="0" eaLnBrk="1" latinLnBrk="0" hangingPunct="1">
+        <a:defRPr sz="1800" kern="1200">
+          <a:solidFill>
+            <a:schemeClr val="tx1"/>
+          </a:solidFill>
+          <a:latin typeface="+mn-lt"/>
+          <a:ea typeface="+mn-ea"/>
+          <a:cs typeface="+mn-cs"/>
+        </a:defRPr>
+      </a:lvl2pPr>
+      <a:lvl3pPr marL="914400" algn="l" defTabSz="914400" rtl="0" eaLnBrk="1" latinLnBrk="0" hangingPunct="1">
+        <a:defRPr sz="1800" kern="1200">
+          <a:solidFill>
+            <a:schemeClr val="tx1"/>
+          </a:solidFill>
+          <a:latin typeface="+mn-lt"/>
+          <a:ea typeface="+mn-ea"/>
+          <a:cs typeface="+mn-cs"/>
+        </a:defRPr>
+      </a:lvl3pPr>
+      <a:lvl4pPr marL="1371600" algn="l" defTabSz="914400" rtl="0" eaLnBrk="1" latinLnBrk="0" hangingPunct="1">
+        <a:defRPr sz="1800" kern="1200">
+          <a:solidFill>
+            <a:schemeClr val="tx1"/>
+          </a:solidFill>
+          <a:latin typeface="+mn-lt"/>
+          <a:ea typeface="+mn-ea"/>
+          <a:cs typeface="+mn-cs"/>
+        </a:defRPr>
+      </a:lvl4pPr>
+      <a:lvl5pPr marL="1828800" algn="l" defTabSz="914400" rtl="0" eaLnBrk="1" latinLnBrk="0" hangingPunct="1">
+        <a:defRPr sz="1800" kern="1200">
+          <a:solidFill>
+            <a:schemeClr val="tx1"/>
+          </a:solidFill>
+          <a:latin typeface="+mn-lt"/>
+          <a:ea typeface="+mn-ea"/>
+          <a:cs typeface="+mn-cs"/>
+        </a:defRPr>
+      </a:lvl5pPr>
+      <a:lvl6pPr marL="2286000" algn="l" defTabSz="914400" rtl="0" eaLnBrk="1" latinLnBrk="0" hangingPunct="1">
+        <a:defRPr sz="1800" kern="1200">
+          <a:solidFill>
+            <a:schemeClr val="tx1"/>
+          </a:solidFill>
+          <a:latin typeface="+mn-lt"/>
+          <a:ea typeface="+mn-ea"/>
+          <a:cs typeface="+mn-cs"/>
+        </a:defRPr>
+      </a:lvl6pPr>
+      <a:lvl7pPr marL="2743200" algn="l" defTabSz="914400" rtl="0" eaLnBrk="1" latinLnBrk="0" hangingPunct="1">
+        <a:defRPr sz="1800" kern="1200">
+          <a:solidFill>
+            <a:schemeClr val="tx1"/>
+          </a:solidFill>
+          <a:latin typeface="+mn-lt"/>
+          <a:ea typeface="+mn-ea"/>
+          <a:cs typeface="+mn-cs"/>
+        </a:defRPr>
+      </a:lvl7pPr>
+      <a:lvl8pPr marL="3200400" algn="l" defTabSz="914400" rtl="0" eaLnBrk="1" latinLnBrk="0" hangingPunct="1">
+        <a:defRPr sz="1800" kern="1200">
+          <a:solidFill>
+            <a:schemeClr val="tx1"/>
+          </a:solidFill>
+          <a:latin typeface="+mn-lt"/>
+          <a:ea typeface="+mn-ea"/>
+          <a:cs typeface="+mn-cs"/>
+        </a:defRPr>
+      </a:lvl8pPr>
+      <a:lvl9pPr marL="3657600" algn="l" defTabSz="914400" rtl="0" eaLnBrk="1" latinLnBrk="0" hangingPunct="1">
+        <a:defRPr sz="1800" kern="1200">
+          <a:solidFill>
+            <a:schemeClr val="tx1"/>
+          </a:solidFill>
+          <a:latin typeface="+mn-lt"/>
+          <a:ea typeface="+mn-ea"/>
+          <a:cs typeface="+mn-cs"/>
+        </a:defRPr>
+      </a:lvl9pPr>
+    </p:otherStyle>
+  </p:txStyles>
 </p:sldMaster>
 </file>
 
 <file path=ppt/slideMasters/slideMaster2.xml><?xml version="1.0" encoding="utf-8"?>
-<p:sldMaster xmlns:a="http://schemas.openxmlformats.org/drawingml/2006/main" xmlns:p="http://schemas.openxmlformats.org/presentationml/2006/main" xmlns:r="http://schemas.openxmlformats.org/officeDocument/2006/relationships" xmlns:p14="http://schemas.microsoft.com/office/powerpoint/2010/main" xmlns:p15="http://schemas.microsoft.com/office/powerpoint/2012/main" xmlns:mc="http://schemas.openxmlformats.org/markup-compatibility/2006">
+<p:sldMaster xmlns:a="http://schemas.openxmlformats.org/drawingml/2006/main" xmlns:r="http://schemas.openxmlformats.org/officeDocument/2006/relationships" xmlns:p="http://schemas.openxmlformats.org/presentationml/2006/main">
   <p:cSld>
     <p:bg>
       <p:bgPr>
         <a:solidFill>
-          <a:srgbClr val="ffffff"/>
+          <a:srgbClr val="FFFFFF"/>
         </a:solidFill>
+        <a:effectLst/>
       </p:bgPr>
     </p:bg>
     <p:spTree>
@@ -5597,7 +6268,7 @@
               </a:avLst>
             </a:prstGeom>
             <a:solidFill>
-              <a:srgbClr val="41adf1"/>
+              <a:srgbClr val="41ADF1"/>
             </a:solidFill>
             <a:ln w="9360">
               <a:solidFill>
@@ -5606,7 +6277,7 @@
               <a:round/>
             </a:ln>
             <a:effectLst>
-              <a:outerShdw algn="ctr" blurRad="50800" dir="5400000" dist="12600" rotWithShape="0">
+              <a:outerShdw blurRad="50800" dist="12600" dir="5400000" algn="ctr" rotWithShape="0">
                 <a:srgbClr val="000000">
                   <a:alpha val="50000"/>
                 </a:srgbClr>
@@ -5614,9 +6285,15 @@
             </a:effectLst>
           </p:spPr>
           <p:style>
-            <a:lnRef idx="0"/>
-            <a:fillRef idx="0"/>
-            <a:effectRef idx="0"/>
+            <a:lnRef idx="0">
+              <a:scrgbClr r="0" g="0" b="0"/>
+            </a:lnRef>
+            <a:fillRef idx="0">
+              <a:scrgbClr r="0" g="0" b="0"/>
+            </a:fillRef>
+            <a:effectRef idx="0">
+              <a:scrgbClr r="0" g="0" b="0"/>
+            </a:effectRef>
             <a:fontRef idx="minor"/>
           </p:style>
         </p:sp>
@@ -5637,7 +6314,7 @@
               </a:avLst>
             </a:prstGeom>
             <a:solidFill>
-              <a:srgbClr val="15a506"/>
+              <a:srgbClr val="15A506"/>
             </a:solidFill>
             <a:ln w="9360">
               <a:solidFill>
@@ -5646,7 +6323,7 @@
               <a:round/>
             </a:ln>
             <a:effectLst>
-              <a:outerShdw algn="ctr" blurRad="50800" dir="5400000" dist="12600" rotWithShape="0">
+              <a:outerShdw blurRad="50800" dist="12600" dir="5400000" algn="ctr" rotWithShape="0">
                 <a:srgbClr val="000000">
                   <a:alpha val="50000"/>
                 </a:srgbClr>
@@ -5654,9 +6331,15 @@
             </a:effectLst>
           </p:spPr>
           <p:style>
-            <a:lnRef idx="0"/>
-            <a:fillRef idx="0"/>
-            <a:effectRef idx="0"/>
+            <a:lnRef idx="0">
+              <a:scrgbClr r="0" g="0" b="0"/>
+            </a:lnRef>
+            <a:fillRef idx="0">
+              <a:scrgbClr r="0" g="0" b="0"/>
+            </a:fillRef>
+            <a:effectRef idx="0">
+              <a:scrgbClr r="0" g="0" b="0"/>
+            </a:effectRef>
             <a:fontRef idx="minor"/>
           </p:style>
         </p:sp>
@@ -5677,7 +6360,7 @@
               </a:avLst>
             </a:prstGeom>
             <a:solidFill>
-              <a:srgbClr val="41adf1"/>
+              <a:srgbClr val="41ADF1"/>
             </a:solidFill>
             <a:ln w="9360">
               <a:solidFill>
@@ -5686,7 +6369,7 @@
               <a:round/>
             </a:ln>
             <a:effectLst>
-              <a:outerShdw algn="ctr" blurRad="50800" dir="5400000" dist="12600" rotWithShape="0">
+              <a:outerShdw blurRad="50800" dist="12600" dir="5400000" algn="ctr" rotWithShape="0">
                 <a:srgbClr val="000000">
                   <a:alpha val="50000"/>
                 </a:srgbClr>
@@ -5694,9 +6377,15 @@
             </a:effectLst>
           </p:spPr>
           <p:style>
-            <a:lnRef idx="0"/>
-            <a:fillRef idx="0"/>
-            <a:effectRef idx="0"/>
+            <a:lnRef idx="0">
+              <a:scrgbClr r="0" g="0" b="0"/>
+            </a:lnRef>
+            <a:fillRef idx="0">
+              <a:scrgbClr r="0" g="0" b="0"/>
+            </a:fillRef>
+            <a:effectRef idx="0">
+              <a:scrgbClr r="0" g="0" b="0"/>
+            </a:effectRef>
             <a:fontRef idx="minor"/>
           </p:style>
         </p:sp>
@@ -5717,7 +6406,7 @@
               </a:avLst>
             </a:prstGeom>
             <a:solidFill>
-              <a:srgbClr val="15a506"/>
+              <a:srgbClr val="15A506"/>
             </a:solidFill>
             <a:ln w="9360">
               <a:solidFill>
@@ -5726,7 +6415,7 @@
               <a:round/>
             </a:ln>
             <a:effectLst>
-              <a:outerShdw algn="ctr" blurRad="50800" dir="5400000" dist="12600" rotWithShape="0">
+              <a:outerShdw blurRad="50800" dist="12600" dir="5400000" algn="ctr" rotWithShape="0">
                 <a:srgbClr val="000000">
                   <a:alpha val="50000"/>
                 </a:srgbClr>
@@ -5734,9 +6423,15 @@
             </a:effectLst>
           </p:spPr>
           <p:style>
-            <a:lnRef idx="0"/>
-            <a:fillRef idx="0"/>
-            <a:effectRef idx="0"/>
+            <a:lnRef idx="0">
+              <a:scrgbClr r="0" g="0" b="0"/>
+            </a:lnRef>
+            <a:fillRef idx="0">
+              <a:scrgbClr r="0" g="0" b="0"/>
+            </a:fillRef>
+            <a:effectRef idx="0">
+              <a:scrgbClr r="0" g="0" b="0"/>
+            </a:effectRef>
             <a:fontRef idx="minor"/>
           </p:style>
         </p:sp>
@@ -5757,7 +6452,7 @@
               </a:avLst>
             </a:prstGeom>
             <a:solidFill>
-              <a:srgbClr val="41adf1"/>
+              <a:srgbClr val="41ADF1"/>
             </a:solidFill>
             <a:ln w="9360">
               <a:solidFill>
@@ -5766,7 +6461,7 @@
               <a:round/>
             </a:ln>
             <a:effectLst>
-              <a:outerShdw algn="ctr" blurRad="50800" dir="5400000" dist="12600" rotWithShape="0">
+              <a:outerShdw blurRad="50800" dist="12600" dir="5400000" algn="ctr" rotWithShape="0">
                 <a:srgbClr val="000000">
                   <a:alpha val="50000"/>
                 </a:srgbClr>
@@ -5774,9 +6469,15 @@
             </a:effectLst>
           </p:spPr>
           <p:style>
-            <a:lnRef idx="0"/>
-            <a:fillRef idx="0"/>
-            <a:effectRef idx="0"/>
+            <a:lnRef idx="0">
+              <a:scrgbClr r="0" g="0" b="0"/>
+            </a:lnRef>
+            <a:fillRef idx="0">
+              <a:scrgbClr r="0" g="0" b="0"/>
+            </a:fillRef>
+            <a:effectRef idx="0">
+              <a:scrgbClr r="0" g="0" b="0"/>
+            </a:effectRef>
             <a:fontRef idx="minor"/>
           </p:style>
         </p:sp>
@@ -5797,7 +6498,7 @@
               </a:avLst>
             </a:prstGeom>
             <a:solidFill>
-              <a:srgbClr val="15a506"/>
+              <a:srgbClr val="15A506"/>
             </a:solidFill>
             <a:ln w="9360">
               <a:solidFill>
@@ -5806,7 +6507,7 @@
               <a:round/>
             </a:ln>
             <a:effectLst>
-              <a:outerShdw algn="ctr" blurRad="50800" dir="5400000" dist="12600" rotWithShape="0">
+              <a:outerShdw blurRad="50800" dist="12600" dir="5400000" algn="ctr" rotWithShape="0">
                 <a:srgbClr val="000000">
                   <a:alpha val="50000"/>
                 </a:srgbClr>
@@ -5814,9 +6515,15 @@
             </a:effectLst>
           </p:spPr>
           <p:style>
-            <a:lnRef idx="0"/>
-            <a:fillRef idx="0"/>
-            <a:effectRef idx="0"/>
+            <a:lnRef idx="0">
+              <a:scrgbClr r="0" g="0" b="0"/>
+            </a:lnRef>
+            <a:fillRef idx="0">
+              <a:scrgbClr r="0" g="0" b="0"/>
+            </a:fillRef>
+            <a:effectRef idx="0">
+              <a:scrgbClr r="0" g="0" b="0"/>
+            </a:effectRef>
             <a:fontRef idx="minor"/>
           </p:style>
         </p:sp>
@@ -5828,7 +6535,7 @@
           <p:nvPr/>
         </p:nvPicPr>
         <p:blipFill>
-          <a:blip r:embed="rId2"/>
+          <a:blip r:embed="rId14"/>
           <a:stretch/>
         </p:blipFill>
         <p:spPr>
@@ -5867,50 +6574,18 @@
           <a:bodyPr anchor="ctr">
             <a:noAutofit/>
           </a:bodyPr>
+          <a:lstStyle/>
           <a:p>
             <a:pPr algn="ctr"/>
             <a:r>
-              <a:rPr b="0" lang="en-IN" sz="3200" spc="-1" strike="noStrike">
+              <a:rPr lang="en-IN" sz="3200" b="0" strike="noStrike" spc="-1">
                 <a:solidFill>
                   <a:srgbClr val="000000"/>
                 </a:solidFill>
                 <a:latin typeface="Arial"/>
               </a:rPr>
-              <a:t>Click to </a:t>
+              <a:t>Click to edit the title text format</a:t>
             </a:r>
-            <a:r>
-              <a:rPr b="0" lang="en-IN" sz="3200" spc="-1" strike="noStrike">
-                <a:solidFill>
-                  <a:srgbClr val="000000"/>
-                </a:solidFill>
-                <a:latin typeface="Arial"/>
-              </a:rPr>
-              <a:t>edit the </a:t>
-            </a:r>
-            <a:r>
-              <a:rPr b="0" lang="en-IN" sz="3200" spc="-1" strike="noStrike">
-                <a:solidFill>
-                  <a:srgbClr val="000000"/>
-                </a:solidFill>
-                <a:latin typeface="Arial"/>
-              </a:rPr>
-              <a:t>title text </a:t>
-            </a:r>
-            <a:r>
-              <a:rPr b="0" lang="en-IN" sz="3200" spc="-1" strike="noStrike">
-                <a:solidFill>
-                  <a:srgbClr val="000000"/>
-                </a:solidFill>
-                <a:latin typeface="Arial"/>
-              </a:rPr>
-              <a:t>format</a:t>
-            </a:r>
-            <a:endParaRPr b="0" lang="en-IN" sz="3200" spc="-1" strike="noStrike">
-              <a:solidFill>
-                <a:srgbClr val="000000"/>
-              </a:solidFill>
-              <a:latin typeface="Arial"/>
-            </a:endParaRPr>
           </a:p>
         </p:txBody>
       </p:sp>
@@ -5937,6 +6612,7 @@
           <a:bodyPr lIns="45720" rIns="45720">
             <a:noAutofit/>
           </a:bodyPr>
+          <a:lstStyle/>
           <a:p>
             <a:pPr marL="432000" indent="-324000" algn="ctr">
               <a:spcBef>
@@ -5950,7 +6626,7 @@
               <a:buChar char=""/>
             </a:pPr>
             <a:r>
-              <a:rPr b="0" lang="en-IN" sz="2200" spc="-1" strike="noStrike">
+              <a:rPr lang="en-IN" sz="2200" b="0" strike="noStrike" spc="-1">
                 <a:solidFill>
                   <a:srgbClr val="000000"/>
                 </a:solidFill>
@@ -5958,15 +6634,9 @@
               </a:rPr>
               <a:t>Click to edit the outline text format</a:t>
             </a:r>
-            <a:endParaRPr b="0" lang="en-IN" sz="2200" spc="-1" strike="noStrike">
-              <a:solidFill>
-                <a:srgbClr val="000000"/>
-              </a:solidFill>
-              <a:latin typeface="Arial"/>
-            </a:endParaRPr>
-          </a:p>
-          <a:p>
-            <a:pPr lvl="1" marL="864000" indent="-324000" algn="ctr">
+          </a:p>
+          <a:p>
+            <a:pPr marL="864000" lvl="1" indent="-324000" algn="ctr">
               <a:spcBef>
                 <a:spcPts val="1134"/>
               </a:spcBef>
@@ -5978,7 +6648,7 @@
               <a:buChar char=""/>
             </a:pPr>
             <a:r>
-              <a:rPr b="0" lang="en-IN" sz="2200" spc="-1" strike="noStrike">
+              <a:rPr lang="en-IN" sz="2200" b="0" strike="noStrike" spc="-1">
                 <a:solidFill>
                   <a:srgbClr val="000000"/>
                 </a:solidFill>
@@ -5986,15 +6656,9 @@
               </a:rPr>
               <a:t>Second Outline Level</a:t>
             </a:r>
-            <a:endParaRPr b="0" lang="en-IN" sz="2200" spc="-1" strike="noStrike">
-              <a:solidFill>
-                <a:srgbClr val="000000"/>
-              </a:solidFill>
-              <a:latin typeface="Arial"/>
-            </a:endParaRPr>
-          </a:p>
-          <a:p>
-            <a:pPr lvl="2" marL="1296000" indent="-288000" algn="ctr">
+          </a:p>
+          <a:p>
+            <a:pPr marL="1296000" lvl="2" indent="-288000" algn="ctr">
               <a:spcBef>
                 <a:spcPts val="850"/>
               </a:spcBef>
@@ -6006,7 +6670,7 @@
               <a:buChar char=""/>
             </a:pPr>
             <a:r>
-              <a:rPr b="0" lang="en-IN" sz="2200" spc="-1" strike="noStrike">
+              <a:rPr lang="en-IN" sz="2200" b="0" strike="noStrike" spc="-1">
                 <a:solidFill>
                   <a:srgbClr val="000000"/>
                 </a:solidFill>
@@ -6014,15 +6678,9 @@
               </a:rPr>
               <a:t>Third Outline Level</a:t>
             </a:r>
-            <a:endParaRPr b="0" lang="en-IN" sz="2200" spc="-1" strike="noStrike">
-              <a:solidFill>
-                <a:srgbClr val="000000"/>
-              </a:solidFill>
-              <a:latin typeface="Arial"/>
-            </a:endParaRPr>
-          </a:p>
-          <a:p>
-            <a:pPr lvl="3" marL="1728000" indent="-216000" algn="ctr">
+          </a:p>
+          <a:p>
+            <a:pPr marL="1728000" lvl="3" indent="-216000" algn="ctr">
               <a:spcBef>
                 <a:spcPts val="567"/>
               </a:spcBef>
@@ -6034,7 +6692,7 @@
               <a:buChar char=""/>
             </a:pPr>
             <a:r>
-              <a:rPr b="0" lang="en-IN" sz="2200" spc="-1" strike="noStrike">
+              <a:rPr lang="en-IN" sz="2200" b="0" strike="noStrike" spc="-1">
                 <a:solidFill>
                   <a:srgbClr val="000000"/>
                 </a:solidFill>
@@ -6042,15 +6700,9 @@
               </a:rPr>
               <a:t>Fourth Outline Level</a:t>
             </a:r>
-            <a:endParaRPr b="0" lang="en-IN" sz="2200" spc="-1" strike="noStrike">
-              <a:solidFill>
-                <a:srgbClr val="000000"/>
-              </a:solidFill>
-              <a:latin typeface="Arial"/>
-            </a:endParaRPr>
-          </a:p>
-          <a:p>
-            <a:pPr lvl="4" marL="2160000" indent="-216000" algn="ctr">
+          </a:p>
+          <a:p>
+            <a:pPr marL="2160000" lvl="4" indent="-216000" algn="ctr">
               <a:spcBef>
                 <a:spcPts val="283"/>
               </a:spcBef>
@@ -6062,7 +6714,7 @@
               <a:buChar char=""/>
             </a:pPr>
             <a:r>
-              <a:rPr b="0" lang="en-IN" sz="2200" spc="-1" strike="noStrike">
+              <a:rPr lang="en-IN" sz="2200" b="0" strike="noStrike" spc="-1">
                 <a:solidFill>
                   <a:srgbClr val="000000"/>
                 </a:solidFill>
@@ -6070,15 +6722,9 @@
               </a:rPr>
               <a:t>Fifth Outline Level</a:t>
             </a:r>
-            <a:endParaRPr b="0" lang="en-IN" sz="2200" spc="-1" strike="noStrike">
-              <a:solidFill>
-                <a:srgbClr val="000000"/>
-              </a:solidFill>
-              <a:latin typeface="Arial"/>
-            </a:endParaRPr>
-          </a:p>
-          <a:p>
-            <a:pPr lvl="5" marL="2592000" indent="-216000" algn="ctr">
+          </a:p>
+          <a:p>
+            <a:pPr marL="2592000" lvl="5" indent="-216000" algn="ctr">
               <a:spcBef>
                 <a:spcPts val="283"/>
               </a:spcBef>
@@ -6090,7 +6736,7 @@
               <a:buChar char=""/>
             </a:pPr>
             <a:r>
-              <a:rPr b="0" lang="en-IN" sz="2200" spc="-1" strike="noStrike">
+              <a:rPr lang="en-IN" sz="2200" b="0" strike="noStrike" spc="-1">
                 <a:solidFill>
                   <a:srgbClr val="000000"/>
                 </a:solidFill>
@@ -6098,15 +6744,9 @@
               </a:rPr>
               <a:t>Sixth Outline Level</a:t>
             </a:r>
-            <a:endParaRPr b="0" lang="en-IN" sz="2200" spc="-1" strike="noStrike">
-              <a:solidFill>
-                <a:srgbClr val="000000"/>
-              </a:solidFill>
-              <a:latin typeface="Arial"/>
-            </a:endParaRPr>
-          </a:p>
-          <a:p>
-            <a:pPr lvl="6" marL="3024000" indent="-216000" algn="ctr">
+          </a:p>
+          <a:p>
+            <a:pPr marL="3024000" lvl="6" indent="-216000" algn="ctr">
               <a:spcBef>
                 <a:spcPts val="283"/>
               </a:spcBef>
@@ -6118,7 +6758,7 @@
               <a:buChar char=""/>
             </a:pPr>
             <a:r>
-              <a:rPr b="0" lang="en-IN" sz="2200" spc="-1" strike="noStrike">
+              <a:rPr lang="en-IN" sz="2200" b="0" strike="noStrike" spc="-1">
                 <a:solidFill>
                   <a:srgbClr val="000000"/>
                 </a:solidFill>
@@ -6126,12 +6766,6 @@
               </a:rPr>
               <a:t>Seventh Outline Level</a:t>
             </a:r>
-            <a:endParaRPr b="0" lang="en-IN" sz="2200" spc="-1" strike="noStrike">
-              <a:solidFill>
-                <a:srgbClr val="000000"/>
-              </a:solidFill>
-              <a:latin typeface="Arial"/>
-            </a:endParaRPr>
           </a:p>
         </p:txBody>
       </p:sp>
@@ -6158,8 +6792,9 @@
           <a:bodyPr anchor="ctr">
             <a:noAutofit/>
           </a:bodyPr>
-          <a:p>
-            <a:endParaRPr b="0" lang="en-IN" sz="2400" spc="-1" strike="noStrike">
+          <a:lstStyle/>
+          <a:p>
+            <a:endParaRPr lang="en-IN" sz="2400" b="0" strike="noStrike" spc="-1">
               <a:latin typeface="Times New Roman"/>
             </a:endParaRPr>
           </a:p>
@@ -6188,26 +6823,27 @@
           <a:bodyPr anchor="ctr">
             <a:noAutofit/>
           </a:bodyPr>
+          <a:lstStyle/>
           <a:p>
             <a:pPr algn="r">
               <a:lnSpc>
                 <a:spcPct val="100000"/>
               </a:lnSpc>
               <a:tabLst>
-                <a:tab algn="l" pos="0"/>
+                <a:tab pos="0" algn="l"/>
               </a:tabLst>
             </a:pPr>
             <a:fld id="{0B6006A1-4741-44ED-86CB-F83C2540C332}" type="slidenum">
-              <a:rPr b="0" lang="en-US" sz="1000" spc="-1" strike="noStrike">
+              <a:rPr lang="en-US" sz="1000" b="0" strike="noStrike" spc="-1">
                 <a:solidFill>
-                  <a:srgbClr val="0c0c0c"/>
+                  <a:srgbClr val="0C0C0C"/>
                 </a:solidFill>
                 <a:latin typeface="Arial"/>
                 <a:ea typeface="Arial"/>
               </a:rPr>
-              <a:t>&lt;number&gt;</a:t>
+              <a:t>‹#›</a:t>
             </a:fld>
-            <a:endParaRPr b="0" lang="en-IN" sz="1000" spc="-1" strike="noStrike">
+            <a:endParaRPr lang="en-IN" sz="1000" b="0" strike="noStrike" spc="-1">
               <a:latin typeface="Times New Roman"/>
             </a:endParaRPr>
           </a:p>
@@ -6236,8 +6872,9 @@
           <a:bodyPr anchor="ctr">
             <a:noAutofit/>
           </a:bodyPr>
-          <a:p>
-            <a:endParaRPr b="0" lang="en-IN" sz="2400" spc="-1" strike="noStrike">
+          <a:lstStyle/>
+          <a:p>
+            <a:endParaRPr lang="en-IN" sz="2400" b="0" strike="noStrike" spc="-1">
               <a:latin typeface="Times New Roman"/>
             </a:endParaRPr>
           </a:p>
@@ -6245,32 +6882,313 @@
       </p:sp>
     </p:spTree>
   </p:cSld>
-  <p:clrMap bg1="lt1" bg2="lt2" tx1="dk1" tx2="dk2" accent1="accent1" accent2="accent2" accent3="accent3" accent4="accent4" accent5="accent5" accent6="accent6" hlink="hlink" folHlink="folHlink"/>
+  <p:clrMap bg1="lt1" tx1="dk1" bg2="lt2" tx2="dk2" accent1="accent1" accent2="accent2" accent3="accent3" accent4="accent4" accent5="accent5" accent6="accent6" hlink="hlink" folHlink="folHlink"/>
   <p:sldLayoutIdLst>
-    <p:sldLayoutId id="2147483662" r:id="rId3"/>
-    <p:sldLayoutId id="2147483663" r:id="rId4"/>
-    <p:sldLayoutId id="2147483664" r:id="rId5"/>
-    <p:sldLayoutId id="2147483665" r:id="rId6"/>
-    <p:sldLayoutId id="2147483666" r:id="rId7"/>
-    <p:sldLayoutId id="2147483667" r:id="rId8"/>
-    <p:sldLayoutId id="2147483668" r:id="rId9"/>
-    <p:sldLayoutId id="2147483669" r:id="rId10"/>
-    <p:sldLayoutId id="2147483670" r:id="rId11"/>
-    <p:sldLayoutId id="2147483671" r:id="rId12"/>
-    <p:sldLayoutId id="2147483672" r:id="rId13"/>
-    <p:sldLayoutId id="2147483673" r:id="rId14"/>
+    <p:sldLayoutId id="2147483662" r:id="rId1"/>
+    <p:sldLayoutId id="2147483663" r:id="rId2"/>
+    <p:sldLayoutId id="2147483664" r:id="rId3"/>
+    <p:sldLayoutId id="2147483665" r:id="rId4"/>
+    <p:sldLayoutId id="2147483666" r:id="rId5"/>
+    <p:sldLayoutId id="2147483667" r:id="rId6"/>
+    <p:sldLayoutId id="2147483668" r:id="rId7"/>
+    <p:sldLayoutId id="2147483669" r:id="rId8"/>
+    <p:sldLayoutId id="2147483670" r:id="rId9"/>
+    <p:sldLayoutId id="2147483671" r:id="rId10"/>
+    <p:sldLayoutId id="2147483672" r:id="rId11"/>
+    <p:sldLayoutId id="2147483673" r:id="rId12"/>
   </p:sldLayoutIdLst>
+  <p:txStyles>
+    <p:titleStyle>
+      <a:lvl1pPr algn="l" defTabSz="914400" rtl="0" eaLnBrk="1" latinLnBrk="0" hangingPunct="1">
+        <a:lnSpc>
+          <a:spcPct val="90000"/>
+        </a:lnSpc>
+        <a:spcBef>
+          <a:spcPct val="0"/>
+        </a:spcBef>
+        <a:buNone/>
+        <a:defRPr sz="4400" kern="1200">
+          <a:solidFill>
+            <a:schemeClr val="tx1"/>
+          </a:solidFill>
+          <a:latin typeface="+mj-lt"/>
+          <a:ea typeface="+mj-ea"/>
+          <a:cs typeface="+mj-cs"/>
+        </a:defRPr>
+      </a:lvl1pPr>
+    </p:titleStyle>
+    <p:bodyStyle>
+      <a:lvl1pPr marL="228600" indent="-228600" algn="l" defTabSz="914400" rtl="0" eaLnBrk="1" latinLnBrk="0" hangingPunct="1">
+        <a:lnSpc>
+          <a:spcPct val="90000"/>
+        </a:lnSpc>
+        <a:spcBef>
+          <a:spcPts val="1000"/>
+        </a:spcBef>
+        <a:buFont typeface="Arial" panose="020B0604020202020204" pitchFamily="34" charset="0"/>
+        <a:buChar char="•"/>
+        <a:defRPr sz="2800" kern="1200">
+          <a:solidFill>
+            <a:schemeClr val="tx1"/>
+          </a:solidFill>
+          <a:latin typeface="+mn-lt"/>
+          <a:ea typeface="+mn-ea"/>
+          <a:cs typeface="+mn-cs"/>
+        </a:defRPr>
+      </a:lvl1pPr>
+      <a:lvl2pPr marL="685800" indent="-228600" algn="l" defTabSz="914400" rtl="0" eaLnBrk="1" latinLnBrk="0" hangingPunct="1">
+        <a:lnSpc>
+          <a:spcPct val="90000"/>
+        </a:lnSpc>
+        <a:spcBef>
+          <a:spcPts val="500"/>
+        </a:spcBef>
+        <a:buFont typeface="Arial" panose="020B0604020202020204" pitchFamily="34" charset="0"/>
+        <a:buChar char="•"/>
+        <a:defRPr sz="2400" kern="1200">
+          <a:solidFill>
+            <a:schemeClr val="tx1"/>
+          </a:solidFill>
+          <a:latin typeface="+mn-lt"/>
+          <a:ea typeface="+mn-ea"/>
+          <a:cs typeface="+mn-cs"/>
+        </a:defRPr>
+      </a:lvl2pPr>
+      <a:lvl3pPr marL="1143000" indent="-228600" algn="l" defTabSz="914400" rtl="0" eaLnBrk="1" latinLnBrk="0" hangingPunct="1">
+        <a:lnSpc>
+          <a:spcPct val="90000"/>
+        </a:lnSpc>
+        <a:spcBef>
+          <a:spcPts val="500"/>
+        </a:spcBef>
+        <a:buFont typeface="Arial" panose="020B0604020202020204" pitchFamily="34" charset="0"/>
+        <a:buChar char="•"/>
+        <a:defRPr sz="2000" kern="1200">
+          <a:solidFill>
+            <a:schemeClr val="tx1"/>
+          </a:solidFill>
+          <a:latin typeface="+mn-lt"/>
+          <a:ea typeface="+mn-ea"/>
+          <a:cs typeface="+mn-cs"/>
+        </a:defRPr>
+      </a:lvl3pPr>
+      <a:lvl4pPr marL="1600200" indent="-228600" algn="l" defTabSz="914400" rtl="0" eaLnBrk="1" latinLnBrk="0" hangingPunct="1">
+        <a:lnSpc>
+          <a:spcPct val="90000"/>
+        </a:lnSpc>
+        <a:spcBef>
+          <a:spcPts val="500"/>
+        </a:spcBef>
+        <a:buFont typeface="Arial" panose="020B0604020202020204" pitchFamily="34" charset="0"/>
+        <a:buChar char="•"/>
+        <a:defRPr sz="1800" kern="1200">
+          <a:solidFill>
+            <a:schemeClr val="tx1"/>
+          </a:solidFill>
+          <a:latin typeface="+mn-lt"/>
+          <a:ea typeface="+mn-ea"/>
+          <a:cs typeface="+mn-cs"/>
+        </a:defRPr>
+      </a:lvl4pPr>
+      <a:lvl5pPr marL="2057400" indent="-228600" algn="l" defTabSz="914400" rtl="0" eaLnBrk="1" latinLnBrk="0" hangingPunct="1">
+        <a:lnSpc>
+          <a:spcPct val="90000"/>
+        </a:lnSpc>
+        <a:spcBef>
+          <a:spcPts val="500"/>
+        </a:spcBef>
+        <a:buFont typeface="Arial" panose="020B0604020202020204" pitchFamily="34" charset="0"/>
+        <a:buChar char="•"/>
+        <a:defRPr sz="1800" kern="1200">
+          <a:solidFill>
+            <a:schemeClr val="tx1"/>
+          </a:solidFill>
+          <a:latin typeface="+mn-lt"/>
+          <a:ea typeface="+mn-ea"/>
+          <a:cs typeface="+mn-cs"/>
+        </a:defRPr>
+      </a:lvl5pPr>
+      <a:lvl6pPr marL="2514600" indent="-228600" algn="l" defTabSz="914400" rtl="0" eaLnBrk="1" latinLnBrk="0" hangingPunct="1">
+        <a:lnSpc>
+          <a:spcPct val="90000"/>
+        </a:lnSpc>
+        <a:spcBef>
+          <a:spcPts val="500"/>
+        </a:spcBef>
+        <a:buFont typeface="Arial" panose="020B0604020202020204" pitchFamily="34" charset="0"/>
+        <a:buChar char="•"/>
+        <a:defRPr sz="1800" kern="1200">
+          <a:solidFill>
+            <a:schemeClr val="tx1"/>
+          </a:solidFill>
+          <a:latin typeface="+mn-lt"/>
+          <a:ea typeface="+mn-ea"/>
+          <a:cs typeface="+mn-cs"/>
+        </a:defRPr>
+      </a:lvl6pPr>
+      <a:lvl7pPr marL="2971800" indent="-228600" algn="l" defTabSz="914400" rtl="0" eaLnBrk="1" latinLnBrk="0" hangingPunct="1">
+        <a:lnSpc>
+          <a:spcPct val="90000"/>
+        </a:lnSpc>
+        <a:spcBef>
+          <a:spcPts val="500"/>
+        </a:spcBef>
+        <a:buFont typeface="Arial" panose="020B0604020202020204" pitchFamily="34" charset="0"/>
+        <a:buChar char="•"/>
+        <a:defRPr sz="1800" kern="1200">
+          <a:solidFill>
+            <a:schemeClr val="tx1"/>
+          </a:solidFill>
+          <a:latin typeface="+mn-lt"/>
+          <a:ea typeface="+mn-ea"/>
+          <a:cs typeface="+mn-cs"/>
+        </a:defRPr>
+      </a:lvl7pPr>
+      <a:lvl8pPr marL="3429000" indent="-228600" algn="l" defTabSz="914400" rtl="0" eaLnBrk="1" latinLnBrk="0" hangingPunct="1">
+        <a:lnSpc>
+          <a:spcPct val="90000"/>
+        </a:lnSpc>
+        <a:spcBef>
+          <a:spcPts val="500"/>
+        </a:spcBef>
+        <a:buFont typeface="Arial" panose="020B0604020202020204" pitchFamily="34" charset="0"/>
+        <a:buChar char="•"/>
+        <a:defRPr sz="1800" kern="1200">
+          <a:solidFill>
+            <a:schemeClr val="tx1"/>
+          </a:solidFill>
+          <a:latin typeface="+mn-lt"/>
+          <a:ea typeface="+mn-ea"/>
+          <a:cs typeface="+mn-cs"/>
+        </a:defRPr>
+      </a:lvl8pPr>
+      <a:lvl9pPr marL="3886200" indent="-228600" algn="l" defTabSz="914400" rtl="0" eaLnBrk="1" latinLnBrk="0" hangingPunct="1">
+        <a:lnSpc>
+          <a:spcPct val="90000"/>
+        </a:lnSpc>
+        <a:spcBef>
+          <a:spcPts val="500"/>
+        </a:spcBef>
+        <a:buFont typeface="Arial" panose="020B0604020202020204" pitchFamily="34" charset="0"/>
+        <a:buChar char="•"/>
+        <a:defRPr sz="1800" kern="1200">
+          <a:solidFill>
+            <a:schemeClr val="tx1"/>
+          </a:solidFill>
+          <a:latin typeface="+mn-lt"/>
+          <a:ea typeface="+mn-ea"/>
+          <a:cs typeface="+mn-cs"/>
+        </a:defRPr>
+      </a:lvl9pPr>
+    </p:bodyStyle>
+    <p:otherStyle>
+      <a:defPPr>
+        <a:defRPr lang="en-US"/>
+      </a:defPPr>
+      <a:lvl1pPr marL="0" algn="l" defTabSz="914400" rtl="0" eaLnBrk="1" latinLnBrk="0" hangingPunct="1">
+        <a:defRPr sz="1800" kern="1200">
+          <a:solidFill>
+            <a:schemeClr val="tx1"/>
+          </a:solidFill>
+          <a:latin typeface="+mn-lt"/>
+          <a:ea typeface="+mn-ea"/>
+          <a:cs typeface="+mn-cs"/>
+        </a:defRPr>
+      </a:lvl1pPr>
+      <a:lvl2pPr marL="457200" algn="l" defTabSz="914400" rtl="0" eaLnBrk="1" latinLnBrk="0" hangingPunct="1">
+        <a:defRPr sz="1800" kern="1200">
+          <a:solidFill>
+            <a:schemeClr val="tx1"/>
+          </a:solidFill>
+          <a:latin typeface="+mn-lt"/>
+          <a:ea typeface="+mn-ea"/>
+          <a:cs typeface="+mn-cs"/>
+        </a:defRPr>
+      </a:lvl2pPr>
+      <a:lvl3pPr marL="914400" algn="l" defTabSz="914400" rtl="0" eaLnBrk="1" latinLnBrk="0" hangingPunct="1">
+        <a:defRPr sz="1800" kern="1200">
+          <a:solidFill>
+            <a:schemeClr val="tx1"/>
+          </a:solidFill>
+          <a:latin typeface="+mn-lt"/>
+          <a:ea typeface="+mn-ea"/>
+          <a:cs typeface="+mn-cs"/>
+        </a:defRPr>
+      </a:lvl3pPr>
+      <a:lvl4pPr marL="1371600" algn="l" defTabSz="914400" rtl="0" eaLnBrk="1" latinLnBrk="0" hangingPunct="1">
+        <a:defRPr sz="1800" kern="1200">
+          <a:solidFill>
+            <a:schemeClr val="tx1"/>
+          </a:solidFill>
+          <a:latin typeface="+mn-lt"/>
+          <a:ea typeface="+mn-ea"/>
+          <a:cs typeface="+mn-cs"/>
+        </a:defRPr>
+      </a:lvl4pPr>
+      <a:lvl5pPr marL="1828800" algn="l" defTabSz="914400" rtl="0" eaLnBrk="1" latinLnBrk="0" hangingPunct="1">
+        <a:defRPr sz="1800" kern="1200">
+          <a:solidFill>
+            <a:schemeClr val="tx1"/>
+          </a:solidFill>
+          <a:latin typeface="+mn-lt"/>
+          <a:ea typeface="+mn-ea"/>
+          <a:cs typeface="+mn-cs"/>
+        </a:defRPr>
+      </a:lvl5pPr>
+      <a:lvl6pPr marL="2286000" algn="l" defTabSz="914400" rtl="0" eaLnBrk="1" latinLnBrk="0" hangingPunct="1">
+        <a:defRPr sz="1800" kern="1200">
+          <a:solidFill>
+            <a:schemeClr val="tx1"/>
+          </a:solidFill>
+          <a:latin typeface="+mn-lt"/>
+          <a:ea typeface="+mn-ea"/>
+          <a:cs typeface="+mn-cs"/>
+        </a:defRPr>
+      </a:lvl6pPr>
+      <a:lvl7pPr marL="2743200" algn="l" defTabSz="914400" rtl="0" eaLnBrk="1" latinLnBrk="0" hangingPunct="1">
+        <a:defRPr sz="1800" kern="1200">
+          <a:solidFill>
+            <a:schemeClr val="tx1"/>
+          </a:solidFill>
+          <a:latin typeface="+mn-lt"/>
+          <a:ea typeface="+mn-ea"/>
+          <a:cs typeface="+mn-cs"/>
+        </a:defRPr>
+      </a:lvl7pPr>
+      <a:lvl8pPr marL="3200400" algn="l" defTabSz="914400" rtl="0" eaLnBrk="1" latinLnBrk="0" hangingPunct="1">
+        <a:defRPr sz="1800" kern="1200">
+          <a:solidFill>
+            <a:schemeClr val="tx1"/>
+          </a:solidFill>
+          <a:latin typeface="+mn-lt"/>
+          <a:ea typeface="+mn-ea"/>
+          <a:cs typeface="+mn-cs"/>
+        </a:defRPr>
+      </a:lvl8pPr>
+      <a:lvl9pPr marL="3657600" algn="l" defTabSz="914400" rtl="0" eaLnBrk="1" latinLnBrk="0" hangingPunct="1">
+        <a:defRPr sz="1800" kern="1200">
+          <a:solidFill>
+            <a:schemeClr val="tx1"/>
+          </a:solidFill>
+          <a:latin typeface="+mn-lt"/>
+          <a:ea typeface="+mn-ea"/>
+          <a:cs typeface="+mn-cs"/>
+        </a:defRPr>
+      </a:lvl9pPr>
+    </p:otherStyle>
+  </p:txStyles>
 </p:sldMaster>
 </file>
 
 <file path=ppt/slideMasters/slideMaster3.xml><?xml version="1.0" encoding="utf-8"?>
-<p:sldMaster xmlns:a="http://schemas.openxmlformats.org/drawingml/2006/main" xmlns:p="http://schemas.openxmlformats.org/presentationml/2006/main" xmlns:r="http://schemas.openxmlformats.org/officeDocument/2006/relationships" xmlns:p14="http://schemas.microsoft.com/office/powerpoint/2010/main" xmlns:p15="http://schemas.microsoft.com/office/powerpoint/2012/main" xmlns:mc="http://schemas.openxmlformats.org/markup-compatibility/2006">
+<p:sldMaster xmlns:a="http://schemas.openxmlformats.org/drawingml/2006/main" xmlns:r="http://schemas.openxmlformats.org/officeDocument/2006/relationships" xmlns:p="http://schemas.openxmlformats.org/presentationml/2006/main">
   <p:cSld>
     <p:bg>
       <p:bgPr>
         <a:solidFill>
-          <a:srgbClr val="ffffff"/>
+          <a:srgbClr val="FFFFFF"/>
         </a:solidFill>
+        <a:effectLst/>
       </p:bgPr>
     </p:bg>
     <p:spTree>
@@ -6318,7 +7236,7 @@
               </a:avLst>
             </a:prstGeom>
             <a:solidFill>
-              <a:srgbClr val="41adf1"/>
+              <a:srgbClr val="41ADF1"/>
             </a:solidFill>
             <a:ln w="9360">
               <a:solidFill>
@@ -6327,7 +7245,7 @@
               <a:round/>
             </a:ln>
             <a:effectLst>
-              <a:outerShdw algn="ctr" blurRad="50800" dir="5400000" dist="12600" rotWithShape="0">
+              <a:outerShdw blurRad="50800" dist="12600" dir="5400000" algn="ctr" rotWithShape="0">
                 <a:srgbClr val="000000">
                   <a:alpha val="50000"/>
                 </a:srgbClr>
@@ -6335,9 +7253,15 @@
             </a:effectLst>
           </p:spPr>
           <p:style>
-            <a:lnRef idx="0"/>
-            <a:fillRef idx="0"/>
-            <a:effectRef idx="0"/>
+            <a:lnRef idx="0">
+              <a:scrgbClr r="0" g="0" b="0"/>
+            </a:lnRef>
+            <a:fillRef idx="0">
+              <a:scrgbClr r="0" g="0" b="0"/>
+            </a:fillRef>
+            <a:effectRef idx="0">
+              <a:scrgbClr r="0" g="0" b="0"/>
+            </a:effectRef>
             <a:fontRef idx="minor"/>
           </p:style>
         </p:sp>
@@ -6358,7 +7282,7 @@
               </a:avLst>
             </a:prstGeom>
             <a:solidFill>
-              <a:srgbClr val="15a506"/>
+              <a:srgbClr val="15A506"/>
             </a:solidFill>
             <a:ln w="9360">
               <a:solidFill>
@@ -6367,7 +7291,7 @@
               <a:round/>
             </a:ln>
             <a:effectLst>
-              <a:outerShdw algn="ctr" blurRad="50800" dir="5400000" dist="12600" rotWithShape="0">
+              <a:outerShdw blurRad="50800" dist="12600" dir="5400000" algn="ctr" rotWithShape="0">
                 <a:srgbClr val="000000">
                   <a:alpha val="50000"/>
                 </a:srgbClr>
@@ -6375,9 +7299,15 @@
             </a:effectLst>
           </p:spPr>
           <p:style>
-            <a:lnRef idx="0"/>
-            <a:fillRef idx="0"/>
-            <a:effectRef idx="0"/>
+            <a:lnRef idx="0">
+              <a:scrgbClr r="0" g="0" b="0"/>
+            </a:lnRef>
+            <a:fillRef idx="0">
+              <a:scrgbClr r="0" g="0" b="0"/>
+            </a:fillRef>
+            <a:effectRef idx="0">
+              <a:scrgbClr r="0" g="0" b="0"/>
+            </a:effectRef>
             <a:fontRef idx="minor"/>
           </p:style>
         </p:sp>
@@ -6398,7 +7328,7 @@
               </a:avLst>
             </a:prstGeom>
             <a:solidFill>
-              <a:srgbClr val="41adf1"/>
+              <a:srgbClr val="41ADF1"/>
             </a:solidFill>
             <a:ln w="9360">
               <a:solidFill>
@@ -6407,7 +7337,7 @@
               <a:round/>
             </a:ln>
             <a:effectLst>
-              <a:outerShdw algn="ctr" blurRad="50800" dir="5400000" dist="12600" rotWithShape="0">
+              <a:outerShdw blurRad="50800" dist="12600" dir="5400000" algn="ctr" rotWithShape="0">
                 <a:srgbClr val="000000">
                   <a:alpha val="50000"/>
                 </a:srgbClr>
@@ -6415,9 +7345,15 @@
             </a:effectLst>
           </p:spPr>
           <p:style>
-            <a:lnRef idx="0"/>
-            <a:fillRef idx="0"/>
-            <a:effectRef idx="0"/>
+            <a:lnRef idx="0">
+              <a:scrgbClr r="0" g="0" b="0"/>
+            </a:lnRef>
+            <a:fillRef idx="0">
+              <a:scrgbClr r="0" g="0" b="0"/>
+            </a:fillRef>
+            <a:effectRef idx="0">
+              <a:scrgbClr r="0" g="0" b="0"/>
+            </a:effectRef>
             <a:fontRef idx="minor"/>
           </p:style>
         </p:sp>
@@ -6438,7 +7374,7 @@
               </a:avLst>
             </a:prstGeom>
             <a:solidFill>
-              <a:srgbClr val="15a506"/>
+              <a:srgbClr val="15A506"/>
             </a:solidFill>
             <a:ln w="9360">
               <a:solidFill>
@@ -6447,7 +7383,7 @@
               <a:round/>
             </a:ln>
             <a:effectLst>
-              <a:outerShdw algn="ctr" blurRad="50800" dir="5400000" dist="12600" rotWithShape="0">
+              <a:outerShdw blurRad="50800" dist="12600" dir="5400000" algn="ctr" rotWithShape="0">
                 <a:srgbClr val="000000">
                   <a:alpha val="50000"/>
                 </a:srgbClr>
@@ -6455,9 +7391,15 @@
             </a:effectLst>
           </p:spPr>
           <p:style>
-            <a:lnRef idx="0"/>
-            <a:fillRef idx="0"/>
-            <a:effectRef idx="0"/>
+            <a:lnRef idx="0">
+              <a:scrgbClr r="0" g="0" b="0"/>
+            </a:lnRef>
+            <a:fillRef idx="0">
+              <a:scrgbClr r="0" g="0" b="0"/>
+            </a:fillRef>
+            <a:effectRef idx="0">
+              <a:scrgbClr r="0" g="0" b="0"/>
+            </a:effectRef>
             <a:fontRef idx="minor"/>
           </p:style>
         </p:sp>
@@ -6478,7 +7420,7 @@
               </a:avLst>
             </a:prstGeom>
             <a:solidFill>
-              <a:srgbClr val="41adf1"/>
+              <a:srgbClr val="41ADF1"/>
             </a:solidFill>
             <a:ln w="9360">
               <a:solidFill>
@@ -6487,7 +7429,7 @@
               <a:round/>
             </a:ln>
             <a:effectLst>
-              <a:outerShdw algn="ctr" blurRad="50800" dir="5400000" dist="12600" rotWithShape="0">
+              <a:outerShdw blurRad="50800" dist="12600" dir="5400000" algn="ctr" rotWithShape="0">
                 <a:srgbClr val="000000">
                   <a:alpha val="50000"/>
                 </a:srgbClr>
@@ -6495,9 +7437,15 @@
             </a:effectLst>
           </p:spPr>
           <p:style>
-            <a:lnRef idx="0"/>
-            <a:fillRef idx="0"/>
-            <a:effectRef idx="0"/>
+            <a:lnRef idx="0">
+              <a:scrgbClr r="0" g="0" b="0"/>
+            </a:lnRef>
+            <a:fillRef idx="0">
+              <a:scrgbClr r="0" g="0" b="0"/>
+            </a:fillRef>
+            <a:effectRef idx="0">
+              <a:scrgbClr r="0" g="0" b="0"/>
+            </a:effectRef>
             <a:fontRef idx="minor"/>
           </p:style>
         </p:sp>
@@ -6518,7 +7466,7 @@
               </a:avLst>
             </a:prstGeom>
             <a:solidFill>
-              <a:srgbClr val="15a506"/>
+              <a:srgbClr val="15A506"/>
             </a:solidFill>
             <a:ln w="9360">
               <a:solidFill>
@@ -6527,7 +7475,7 @@
               <a:round/>
             </a:ln>
             <a:effectLst>
-              <a:outerShdw algn="ctr" blurRad="50800" dir="5400000" dist="12600" rotWithShape="0">
+              <a:outerShdw blurRad="50800" dist="12600" dir="5400000" algn="ctr" rotWithShape="0">
                 <a:srgbClr val="000000">
                   <a:alpha val="50000"/>
                 </a:srgbClr>
@@ -6535,9 +7483,15 @@
             </a:effectLst>
           </p:spPr>
           <p:style>
-            <a:lnRef idx="0"/>
-            <a:fillRef idx="0"/>
-            <a:effectRef idx="0"/>
+            <a:lnRef idx="0">
+              <a:scrgbClr r="0" g="0" b="0"/>
+            </a:lnRef>
+            <a:fillRef idx="0">
+              <a:scrgbClr r="0" g="0" b="0"/>
+            </a:fillRef>
+            <a:effectRef idx="0">
+              <a:scrgbClr r="0" g="0" b="0"/>
+            </a:effectRef>
             <a:fontRef idx="minor"/>
           </p:style>
         </p:sp>
@@ -6549,7 +7503,7 @@
           <p:nvPr/>
         </p:nvPicPr>
         <p:blipFill>
-          <a:blip r:embed="rId2"/>
+          <a:blip r:embed="rId14"/>
           <a:stretch/>
         </p:blipFill>
         <p:spPr>
@@ -6588,8 +7542,9 @@
           <a:bodyPr anchor="ctr">
             <a:noAutofit/>
           </a:bodyPr>
-          <a:p>
-            <a:endParaRPr b="0" lang="en-IN" sz="2400" spc="-1" strike="noStrike">
+          <a:lstStyle/>
+          <a:p>
+            <a:endParaRPr lang="en-IN" sz="2400" b="0" strike="noStrike" spc="-1">
               <a:latin typeface="Times New Roman"/>
             </a:endParaRPr>
           </a:p>
@@ -6618,26 +7573,27 @@
           <a:bodyPr anchor="ctr">
             <a:noAutofit/>
           </a:bodyPr>
+          <a:lstStyle/>
           <a:p>
             <a:pPr algn="r">
               <a:lnSpc>
                 <a:spcPct val="100000"/>
               </a:lnSpc>
               <a:tabLst>
-                <a:tab algn="l" pos="0"/>
+                <a:tab pos="0" algn="l"/>
               </a:tabLst>
             </a:pPr>
             <a:fld id="{3968C59D-0AFA-4410-BFE4-235A9C47835C}" type="slidenum">
-              <a:rPr b="0" lang="en-US" sz="1000" spc="-1" strike="noStrike">
+              <a:rPr lang="en-US" sz="1000" b="0" strike="noStrike" spc="-1">
                 <a:solidFill>
-                  <a:srgbClr val="0c0c0c"/>
+                  <a:srgbClr val="0C0C0C"/>
                 </a:solidFill>
                 <a:latin typeface="Arial"/>
                 <a:ea typeface="Arial"/>
               </a:rPr>
-              <a:t>&lt;number&gt;</a:t>
+              <a:t>‹#›</a:t>
             </a:fld>
-            <a:endParaRPr b="0" lang="en-IN" sz="1000" spc="-1" strike="noStrike">
+            <a:endParaRPr lang="en-IN" sz="1000" b="0" strike="noStrike" spc="-1">
               <a:latin typeface="Times New Roman"/>
             </a:endParaRPr>
           </a:p>
@@ -6666,8 +7622,9 @@
           <a:bodyPr anchor="ctr">
             <a:noAutofit/>
           </a:bodyPr>
-          <a:p>
-            <a:endParaRPr b="0" lang="en-IN" sz="2400" spc="-1" strike="noStrike">
+          <a:lstStyle/>
+          <a:p>
+            <a:endParaRPr lang="en-IN" sz="2400" b="0" strike="noStrike" spc="-1">
               <a:latin typeface="Times New Roman"/>
             </a:endParaRPr>
           </a:p>
@@ -6704,7 +7661,7 @@
               </a:avLst>
             </a:prstGeom>
             <a:solidFill>
-              <a:srgbClr val="41adf1"/>
+              <a:srgbClr val="41ADF1"/>
             </a:solidFill>
             <a:ln w="9360">
               <a:solidFill>
@@ -6713,7 +7670,7 @@
               <a:round/>
             </a:ln>
             <a:effectLst>
-              <a:outerShdw algn="ctr" blurRad="50800" dir="5400000" dist="12600" rotWithShape="0">
+              <a:outerShdw blurRad="50800" dist="12600" dir="5400000" algn="ctr" rotWithShape="0">
                 <a:srgbClr val="000000">
                   <a:alpha val="50000"/>
                 </a:srgbClr>
@@ -6721,9 +7678,15 @@
             </a:effectLst>
           </p:spPr>
           <p:style>
-            <a:lnRef idx="0"/>
-            <a:fillRef idx="0"/>
-            <a:effectRef idx="0"/>
+            <a:lnRef idx="0">
+              <a:scrgbClr r="0" g="0" b="0"/>
+            </a:lnRef>
+            <a:fillRef idx="0">
+              <a:scrgbClr r="0" g="0" b="0"/>
+            </a:fillRef>
+            <a:effectRef idx="0">
+              <a:scrgbClr r="0" g="0" b="0"/>
+            </a:effectRef>
             <a:fontRef idx="minor"/>
           </p:style>
         </p:sp>
@@ -6744,7 +7707,7 @@
               </a:avLst>
             </a:prstGeom>
             <a:solidFill>
-              <a:srgbClr val="15a506"/>
+              <a:srgbClr val="15A506"/>
             </a:solidFill>
             <a:ln w="9360">
               <a:solidFill>
@@ -6753,7 +7716,7 @@
               <a:round/>
             </a:ln>
             <a:effectLst>
-              <a:outerShdw algn="ctr" blurRad="50800" dir="5400000" dist="12600" rotWithShape="0">
+              <a:outerShdw blurRad="50800" dist="12600" dir="5400000" algn="ctr" rotWithShape="0">
                 <a:srgbClr val="000000">
                   <a:alpha val="50000"/>
                 </a:srgbClr>
@@ -6761,9 +7724,15 @@
             </a:effectLst>
           </p:spPr>
           <p:style>
-            <a:lnRef idx="0"/>
-            <a:fillRef idx="0"/>
-            <a:effectRef idx="0"/>
+            <a:lnRef idx="0">
+              <a:scrgbClr r="0" g="0" b="0"/>
+            </a:lnRef>
+            <a:fillRef idx="0">
+              <a:scrgbClr r="0" g="0" b="0"/>
+            </a:fillRef>
+            <a:effectRef idx="0">
+              <a:scrgbClr r="0" g="0" b="0"/>
+            </a:effectRef>
             <a:fontRef idx="minor"/>
           </p:style>
         </p:sp>
@@ -6784,7 +7753,7 @@
               </a:avLst>
             </a:prstGeom>
             <a:solidFill>
-              <a:srgbClr val="41adf1"/>
+              <a:srgbClr val="41ADF1"/>
             </a:solidFill>
             <a:ln w="9360">
               <a:solidFill>
@@ -6793,7 +7762,7 @@
               <a:round/>
             </a:ln>
             <a:effectLst>
-              <a:outerShdw algn="ctr" blurRad="50800" dir="5400000" dist="12600" rotWithShape="0">
+              <a:outerShdw blurRad="50800" dist="12600" dir="5400000" algn="ctr" rotWithShape="0">
                 <a:srgbClr val="000000">
                   <a:alpha val="50000"/>
                 </a:srgbClr>
@@ -6801,9 +7770,15 @@
             </a:effectLst>
           </p:spPr>
           <p:style>
-            <a:lnRef idx="0"/>
-            <a:fillRef idx="0"/>
-            <a:effectRef idx="0"/>
+            <a:lnRef idx="0">
+              <a:scrgbClr r="0" g="0" b="0"/>
+            </a:lnRef>
+            <a:fillRef idx="0">
+              <a:scrgbClr r="0" g="0" b="0"/>
+            </a:fillRef>
+            <a:effectRef idx="0">
+              <a:scrgbClr r="0" g="0" b="0"/>
+            </a:effectRef>
             <a:fontRef idx="minor"/>
           </p:style>
         </p:sp>
@@ -6824,7 +7799,7 @@
               </a:avLst>
             </a:prstGeom>
             <a:solidFill>
-              <a:srgbClr val="15a506"/>
+              <a:srgbClr val="15A506"/>
             </a:solidFill>
             <a:ln w="9360">
               <a:solidFill>
@@ -6833,7 +7808,7 @@
               <a:round/>
             </a:ln>
             <a:effectLst>
-              <a:outerShdw algn="ctr" blurRad="50800" dir="5400000" dist="12600" rotWithShape="0">
+              <a:outerShdw blurRad="50800" dist="12600" dir="5400000" algn="ctr" rotWithShape="0">
                 <a:srgbClr val="000000">
                   <a:alpha val="50000"/>
                 </a:srgbClr>
@@ -6841,9 +7816,15 @@
             </a:effectLst>
           </p:spPr>
           <p:style>
-            <a:lnRef idx="0"/>
-            <a:fillRef idx="0"/>
-            <a:effectRef idx="0"/>
+            <a:lnRef idx="0">
+              <a:scrgbClr r="0" g="0" b="0"/>
+            </a:lnRef>
+            <a:fillRef idx="0">
+              <a:scrgbClr r="0" g="0" b="0"/>
+            </a:fillRef>
+            <a:effectRef idx="0">
+              <a:scrgbClr r="0" g="0" b="0"/>
+            </a:effectRef>
             <a:fontRef idx="minor"/>
           </p:style>
         </p:sp>
@@ -6864,7 +7845,7 @@
               </a:avLst>
             </a:prstGeom>
             <a:solidFill>
-              <a:srgbClr val="41adf1"/>
+              <a:srgbClr val="41ADF1"/>
             </a:solidFill>
             <a:ln w="9360">
               <a:solidFill>
@@ -6873,7 +7854,7 @@
               <a:round/>
             </a:ln>
             <a:effectLst>
-              <a:outerShdw algn="ctr" blurRad="50800" dir="5400000" dist="12600" rotWithShape="0">
+              <a:outerShdw blurRad="50800" dist="12600" dir="5400000" algn="ctr" rotWithShape="0">
                 <a:srgbClr val="000000">
                   <a:alpha val="50000"/>
                 </a:srgbClr>
@@ -6881,9 +7862,15 @@
             </a:effectLst>
           </p:spPr>
           <p:style>
-            <a:lnRef idx="0"/>
-            <a:fillRef idx="0"/>
-            <a:effectRef idx="0"/>
+            <a:lnRef idx="0">
+              <a:scrgbClr r="0" g="0" b="0"/>
+            </a:lnRef>
+            <a:fillRef idx="0">
+              <a:scrgbClr r="0" g="0" b="0"/>
+            </a:fillRef>
+            <a:effectRef idx="0">
+              <a:scrgbClr r="0" g="0" b="0"/>
+            </a:effectRef>
             <a:fontRef idx="minor"/>
           </p:style>
         </p:sp>
@@ -6904,7 +7891,7 @@
               </a:avLst>
             </a:prstGeom>
             <a:solidFill>
-              <a:srgbClr val="15a506"/>
+              <a:srgbClr val="15A506"/>
             </a:solidFill>
             <a:ln w="9360">
               <a:solidFill>
@@ -6913,7 +7900,7 @@
               <a:round/>
             </a:ln>
             <a:effectLst>
-              <a:outerShdw algn="ctr" blurRad="50800" dir="5400000" dist="12600" rotWithShape="0">
+              <a:outerShdw blurRad="50800" dist="12600" dir="5400000" algn="ctr" rotWithShape="0">
                 <a:srgbClr val="000000">
                   <a:alpha val="50000"/>
                 </a:srgbClr>
@@ -6921,35 +7908,321 @@
             </a:effectLst>
           </p:spPr>
           <p:style>
-            <a:lnRef idx="0"/>
-            <a:fillRef idx="0"/>
-            <a:effectRef idx="0"/>
+            <a:lnRef idx="0">
+              <a:scrgbClr r="0" g="0" b="0"/>
+            </a:lnRef>
+            <a:fillRef idx="0">
+              <a:scrgbClr r="0" g="0" b="0"/>
+            </a:fillRef>
+            <a:effectRef idx="0">
+              <a:scrgbClr r="0" g="0" b="0"/>
+            </a:effectRef>
             <a:fontRef idx="minor"/>
           </p:style>
         </p:sp>
       </p:grpSp>
     </p:spTree>
   </p:cSld>
-  <p:clrMap bg1="lt1" bg2="lt2" tx1="dk1" tx2="dk2" accent1="accent1" accent2="accent2" accent3="accent3" accent4="accent4" accent5="accent5" accent6="accent6" hlink="hlink" folHlink="folHlink"/>
+  <p:clrMap bg1="lt1" tx1="dk1" bg2="lt2" tx2="dk2" accent1="accent1" accent2="accent2" accent3="accent3" accent4="accent4" accent5="accent5" accent6="accent6" hlink="hlink" folHlink="folHlink"/>
   <p:sldLayoutIdLst>
-    <p:sldLayoutId id="2147483675" r:id="rId3"/>
-    <p:sldLayoutId id="2147483676" r:id="rId4"/>
-    <p:sldLayoutId id="2147483677" r:id="rId5"/>
-    <p:sldLayoutId id="2147483678" r:id="rId6"/>
-    <p:sldLayoutId id="2147483679" r:id="rId7"/>
-    <p:sldLayoutId id="2147483680" r:id="rId8"/>
-    <p:sldLayoutId id="2147483681" r:id="rId9"/>
-    <p:sldLayoutId id="2147483682" r:id="rId10"/>
-    <p:sldLayoutId id="2147483683" r:id="rId11"/>
-    <p:sldLayoutId id="2147483684" r:id="rId12"/>
-    <p:sldLayoutId id="2147483685" r:id="rId13"/>
-    <p:sldLayoutId id="2147483686" r:id="rId14"/>
+    <p:sldLayoutId id="2147483675" r:id="rId1"/>
+    <p:sldLayoutId id="2147483676" r:id="rId2"/>
+    <p:sldLayoutId id="2147483677" r:id="rId3"/>
+    <p:sldLayoutId id="2147483678" r:id="rId4"/>
+    <p:sldLayoutId id="2147483679" r:id="rId5"/>
+    <p:sldLayoutId id="2147483680" r:id="rId6"/>
+    <p:sldLayoutId id="2147483681" r:id="rId7"/>
+    <p:sldLayoutId id="2147483682" r:id="rId8"/>
+    <p:sldLayoutId id="2147483683" r:id="rId9"/>
+    <p:sldLayoutId id="2147483684" r:id="rId10"/>
+    <p:sldLayoutId id="2147483685" r:id="rId11"/>
+    <p:sldLayoutId id="2147483686" r:id="rId12"/>
   </p:sldLayoutIdLst>
+  <p:txStyles>
+    <p:titleStyle>
+      <a:lvl1pPr algn="l" defTabSz="914400" rtl="0" eaLnBrk="1" latinLnBrk="0" hangingPunct="1">
+        <a:lnSpc>
+          <a:spcPct val="90000"/>
+        </a:lnSpc>
+        <a:spcBef>
+          <a:spcPct val="0"/>
+        </a:spcBef>
+        <a:buNone/>
+        <a:defRPr sz="4400" kern="1200">
+          <a:solidFill>
+            <a:schemeClr val="tx1"/>
+          </a:solidFill>
+          <a:latin typeface="+mj-lt"/>
+          <a:ea typeface="+mj-ea"/>
+          <a:cs typeface="+mj-cs"/>
+        </a:defRPr>
+      </a:lvl1pPr>
+    </p:titleStyle>
+    <p:bodyStyle>
+      <a:lvl1pPr marL="228600" indent="-228600" algn="l" defTabSz="914400" rtl="0" eaLnBrk="1" latinLnBrk="0" hangingPunct="1">
+        <a:lnSpc>
+          <a:spcPct val="90000"/>
+        </a:lnSpc>
+        <a:spcBef>
+          <a:spcPts val="1000"/>
+        </a:spcBef>
+        <a:buFont typeface="Arial" panose="020B0604020202020204" pitchFamily="34" charset="0"/>
+        <a:buChar char="•"/>
+        <a:defRPr sz="2800" kern="1200">
+          <a:solidFill>
+            <a:schemeClr val="tx1"/>
+          </a:solidFill>
+          <a:latin typeface="+mn-lt"/>
+          <a:ea typeface="+mn-ea"/>
+          <a:cs typeface="+mn-cs"/>
+        </a:defRPr>
+      </a:lvl1pPr>
+      <a:lvl2pPr marL="685800" indent="-228600" algn="l" defTabSz="914400" rtl="0" eaLnBrk="1" latinLnBrk="0" hangingPunct="1">
+        <a:lnSpc>
+          <a:spcPct val="90000"/>
+        </a:lnSpc>
+        <a:spcBef>
+          <a:spcPts val="500"/>
+        </a:spcBef>
+        <a:buFont typeface="Arial" panose="020B0604020202020204" pitchFamily="34" charset="0"/>
+        <a:buChar char="•"/>
+        <a:defRPr sz="2400" kern="1200">
+          <a:solidFill>
+            <a:schemeClr val="tx1"/>
+          </a:solidFill>
+          <a:latin typeface="+mn-lt"/>
+          <a:ea typeface="+mn-ea"/>
+          <a:cs typeface="+mn-cs"/>
+        </a:defRPr>
+      </a:lvl2pPr>
+      <a:lvl3pPr marL="1143000" indent="-228600" algn="l" defTabSz="914400" rtl="0" eaLnBrk="1" latinLnBrk="0" hangingPunct="1">
+        <a:lnSpc>
+          <a:spcPct val="90000"/>
+        </a:lnSpc>
+        <a:spcBef>
+          <a:spcPts val="500"/>
+        </a:spcBef>
+        <a:buFont typeface="Arial" panose="020B0604020202020204" pitchFamily="34" charset="0"/>
+        <a:buChar char="•"/>
+        <a:defRPr sz="2000" kern="1200">
+          <a:solidFill>
+            <a:schemeClr val="tx1"/>
+          </a:solidFill>
+          <a:latin typeface="+mn-lt"/>
+          <a:ea typeface="+mn-ea"/>
+          <a:cs typeface="+mn-cs"/>
+        </a:defRPr>
+      </a:lvl3pPr>
+      <a:lvl4pPr marL="1600200" indent="-228600" algn="l" defTabSz="914400" rtl="0" eaLnBrk="1" latinLnBrk="0" hangingPunct="1">
+        <a:lnSpc>
+          <a:spcPct val="90000"/>
+        </a:lnSpc>
+        <a:spcBef>
+          <a:spcPts val="500"/>
+        </a:spcBef>
+        <a:buFont typeface="Arial" panose="020B0604020202020204" pitchFamily="34" charset="0"/>
+        <a:buChar char="•"/>
+        <a:defRPr sz="1800" kern="1200">
+          <a:solidFill>
+            <a:schemeClr val="tx1"/>
+          </a:solidFill>
+          <a:latin typeface="+mn-lt"/>
+          <a:ea typeface="+mn-ea"/>
+          <a:cs typeface="+mn-cs"/>
+        </a:defRPr>
+      </a:lvl4pPr>
+      <a:lvl5pPr marL="2057400" indent="-228600" algn="l" defTabSz="914400" rtl="0" eaLnBrk="1" latinLnBrk="0" hangingPunct="1">
+        <a:lnSpc>
+          <a:spcPct val="90000"/>
+        </a:lnSpc>
+        <a:spcBef>
+          <a:spcPts val="500"/>
+        </a:spcBef>
+        <a:buFont typeface="Arial" panose="020B0604020202020204" pitchFamily="34" charset="0"/>
+        <a:buChar char="•"/>
+        <a:defRPr sz="1800" kern="1200">
+          <a:solidFill>
+            <a:schemeClr val="tx1"/>
+          </a:solidFill>
+          <a:latin typeface="+mn-lt"/>
+          <a:ea typeface="+mn-ea"/>
+          <a:cs typeface="+mn-cs"/>
+        </a:defRPr>
+      </a:lvl5pPr>
+      <a:lvl6pPr marL="2514600" indent="-228600" algn="l" defTabSz="914400" rtl="0" eaLnBrk="1" latinLnBrk="0" hangingPunct="1">
+        <a:lnSpc>
+          <a:spcPct val="90000"/>
+        </a:lnSpc>
+        <a:spcBef>
+          <a:spcPts val="500"/>
+        </a:spcBef>
+        <a:buFont typeface="Arial" panose="020B0604020202020204" pitchFamily="34" charset="0"/>
+        <a:buChar char="•"/>
+        <a:defRPr sz="1800" kern="1200">
+          <a:solidFill>
+            <a:schemeClr val="tx1"/>
+          </a:solidFill>
+          <a:latin typeface="+mn-lt"/>
+          <a:ea typeface="+mn-ea"/>
+          <a:cs typeface="+mn-cs"/>
+        </a:defRPr>
+      </a:lvl6pPr>
+      <a:lvl7pPr marL="2971800" indent="-228600" algn="l" defTabSz="914400" rtl="0" eaLnBrk="1" latinLnBrk="0" hangingPunct="1">
+        <a:lnSpc>
+          <a:spcPct val="90000"/>
+        </a:lnSpc>
+        <a:spcBef>
+          <a:spcPts val="500"/>
+        </a:spcBef>
+        <a:buFont typeface="Arial" panose="020B0604020202020204" pitchFamily="34" charset="0"/>
+        <a:buChar char="•"/>
+        <a:defRPr sz="1800" kern="1200">
+          <a:solidFill>
+            <a:schemeClr val="tx1"/>
+          </a:solidFill>
+          <a:latin typeface="+mn-lt"/>
+          <a:ea typeface="+mn-ea"/>
+          <a:cs typeface="+mn-cs"/>
+        </a:defRPr>
+      </a:lvl7pPr>
+      <a:lvl8pPr marL="3429000" indent="-228600" algn="l" defTabSz="914400" rtl="0" eaLnBrk="1" latinLnBrk="0" hangingPunct="1">
+        <a:lnSpc>
+          <a:spcPct val="90000"/>
+        </a:lnSpc>
+        <a:spcBef>
+          <a:spcPts val="500"/>
+        </a:spcBef>
+        <a:buFont typeface="Arial" panose="020B0604020202020204" pitchFamily="34" charset="0"/>
+        <a:buChar char="•"/>
+        <a:defRPr sz="1800" kern="1200">
+          <a:solidFill>
+            <a:schemeClr val="tx1"/>
+          </a:solidFill>
+          <a:latin typeface="+mn-lt"/>
+          <a:ea typeface="+mn-ea"/>
+          <a:cs typeface="+mn-cs"/>
+        </a:defRPr>
+      </a:lvl8pPr>
+      <a:lvl9pPr marL="3886200" indent="-228600" algn="l" defTabSz="914400" rtl="0" eaLnBrk="1" latinLnBrk="0" hangingPunct="1">
+        <a:lnSpc>
+          <a:spcPct val="90000"/>
+        </a:lnSpc>
+        <a:spcBef>
+          <a:spcPts val="500"/>
+        </a:spcBef>
+        <a:buFont typeface="Arial" panose="020B0604020202020204" pitchFamily="34" charset="0"/>
+        <a:buChar char="•"/>
+        <a:defRPr sz="1800" kern="1200">
+          <a:solidFill>
+            <a:schemeClr val="tx1"/>
+          </a:solidFill>
+          <a:latin typeface="+mn-lt"/>
+          <a:ea typeface="+mn-ea"/>
+          <a:cs typeface="+mn-cs"/>
+        </a:defRPr>
+      </a:lvl9pPr>
+    </p:bodyStyle>
+    <p:otherStyle>
+      <a:defPPr>
+        <a:defRPr lang="en-US"/>
+      </a:defPPr>
+      <a:lvl1pPr marL="0" algn="l" defTabSz="914400" rtl="0" eaLnBrk="1" latinLnBrk="0" hangingPunct="1">
+        <a:defRPr sz="1800" kern="1200">
+          <a:solidFill>
+            <a:schemeClr val="tx1"/>
+          </a:solidFill>
+          <a:latin typeface="+mn-lt"/>
+          <a:ea typeface="+mn-ea"/>
+          <a:cs typeface="+mn-cs"/>
+        </a:defRPr>
+      </a:lvl1pPr>
+      <a:lvl2pPr marL="457200" algn="l" defTabSz="914400" rtl="0" eaLnBrk="1" latinLnBrk="0" hangingPunct="1">
+        <a:defRPr sz="1800" kern="1200">
+          <a:solidFill>
+            <a:schemeClr val="tx1"/>
+          </a:solidFill>
+          <a:latin typeface="+mn-lt"/>
+          <a:ea typeface="+mn-ea"/>
+          <a:cs typeface="+mn-cs"/>
+        </a:defRPr>
+      </a:lvl2pPr>
+      <a:lvl3pPr marL="914400" algn="l" defTabSz="914400" rtl="0" eaLnBrk="1" latinLnBrk="0" hangingPunct="1">
+        <a:defRPr sz="1800" kern="1200">
+          <a:solidFill>
+            <a:schemeClr val="tx1"/>
+          </a:solidFill>
+          <a:latin typeface="+mn-lt"/>
+          <a:ea typeface="+mn-ea"/>
+          <a:cs typeface="+mn-cs"/>
+        </a:defRPr>
+      </a:lvl3pPr>
+      <a:lvl4pPr marL="1371600" algn="l" defTabSz="914400" rtl="0" eaLnBrk="1" latinLnBrk="0" hangingPunct="1">
+        <a:defRPr sz="1800" kern="1200">
+          <a:solidFill>
+            <a:schemeClr val="tx1"/>
+          </a:solidFill>
+          <a:latin typeface="+mn-lt"/>
+          <a:ea typeface="+mn-ea"/>
+          <a:cs typeface="+mn-cs"/>
+        </a:defRPr>
+      </a:lvl4pPr>
+      <a:lvl5pPr marL="1828800" algn="l" defTabSz="914400" rtl="0" eaLnBrk="1" latinLnBrk="0" hangingPunct="1">
+        <a:defRPr sz="1800" kern="1200">
+          <a:solidFill>
+            <a:schemeClr val="tx1"/>
+          </a:solidFill>
+          <a:latin typeface="+mn-lt"/>
+          <a:ea typeface="+mn-ea"/>
+          <a:cs typeface="+mn-cs"/>
+        </a:defRPr>
+      </a:lvl5pPr>
+      <a:lvl6pPr marL="2286000" algn="l" defTabSz="914400" rtl="0" eaLnBrk="1" latinLnBrk="0" hangingPunct="1">
+        <a:defRPr sz="1800" kern="1200">
+          <a:solidFill>
+            <a:schemeClr val="tx1"/>
+          </a:solidFill>
+          <a:latin typeface="+mn-lt"/>
+          <a:ea typeface="+mn-ea"/>
+          <a:cs typeface="+mn-cs"/>
+        </a:defRPr>
+      </a:lvl6pPr>
+      <a:lvl7pPr marL="2743200" algn="l" defTabSz="914400" rtl="0" eaLnBrk="1" latinLnBrk="0" hangingPunct="1">
+        <a:defRPr sz="1800" kern="1200">
+          <a:solidFill>
+            <a:schemeClr val="tx1"/>
+          </a:solidFill>
+          <a:latin typeface="+mn-lt"/>
+          <a:ea typeface="+mn-ea"/>
+          <a:cs typeface="+mn-cs"/>
+        </a:defRPr>
+      </a:lvl7pPr>
+      <a:lvl8pPr marL="3200400" algn="l" defTabSz="914400" rtl="0" eaLnBrk="1" latinLnBrk="0" hangingPunct="1">
+        <a:defRPr sz="1800" kern="1200">
+          <a:solidFill>
+            <a:schemeClr val="tx1"/>
+          </a:solidFill>
+          <a:latin typeface="+mn-lt"/>
+          <a:ea typeface="+mn-ea"/>
+          <a:cs typeface="+mn-cs"/>
+        </a:defRPr>
+      </a:lvl8pPr>
+      <a:lvl9pPr marL="3657600" algn="l" defTabSz="914400" rtl="0" eaLnBrk="1" latinLnBrk="0" hangingPunct="1">
+        <a:defRPr sz="1800" kern="1200">
+          <a:solidFill>
+            <a:schemeClr val="tx1"/>
+          </a:solidFill>
+          <a:latin typeface="+mn-lt"/>
+          <a:ea typeface="+mn-ea"/>
+          <a:cs typeface="+mn-cs"/>
+        </a:defRPr>
+      </a:lvl9pPr>
+    </p:otherStyle>
+  </p:txStyles>
 </p:sldMaster>
 </file>
 
 <file path=ppt/slides/slide1.xml><?xml version="1.0" encoding="utf-8"?>
-<p:sld xmlns:a="http://schemas.openxmlformats.org/drawingml/2006/main" xmlns:p="http://schemas.openxmlformats.org/presentationml/2006/main" xmlns:r="http://schemas.openxmlformats.org/officeDocument/2006/relationships" xmlns:p14="http://schemas.microsoft.com/office/powerpoint/2010/main" xmlns:p15="http://schemas.microsoft.com/office/powerpoint/2012/main" xmlns:mc="http://schemas.openxmlformats.org/markup-compatibility/2006">
+<p:sld xmlns:a="http://schemas.openxmlformats.org/drawingml/2006/main" xmlns:r="http://schemas.openxmlformats.org/officeDocument/2006/relationships" xmlns:p="http://schemas.openxmlformats.org/presentationml/2006/main">
   <p:cSld>
     <p:spTree>
       <p:nvGrpSpPr>
@@ -6988,26 +8261,27 @@
           <a:bodyPr anchor="ctr">
             <a:noAutofit/>
           </a:bodyPr>
+          <a:lstStyle/>
           <a:p>
             <a:pPr>
               <a:lnSpc>
                 <a:spcPct val="80000"/>
               </a:lnSpc>
               <a:tabLst>
-                <a:tab algn="l" pos="0"/>
+                <a:tab pos="0" algn="l"/>
               </a:tabLst>
             </a:pPr>
             <a:r>
-              <a:rPr b="1" lang="en-US" sz="3200" spc="-1" strike="noStrike">
+              <a:rPr lang="en-US" sz="3200" b="1" strike="noStrike" spc="-1">
                 <a:solidFill>
-                  <a:srgbClr val="7f7f7f"/>
+                  <a:srgbClr val="7F7F7F"/>
                 </a:solidFill>
                 <a:latin typeface="Arial"/>
                 <a:ea typeface="Arial"/>
               </a:rPr>
               <a:t>REVIEW LAST MONTH</a:t>
             </a:r>
-            <a:endParaRPr b="0" lang="en-IN" sz="3200" spc="-1" strike="noStrike">
+            <a:endParaRPr lang="en-IN" sz="3200" b="0" strike="noStrike" spc="-1">
               <a:solidFill>
                 <a:srgbClr val="000000"/>
               </a:solidFill>
@@ -7039,26 +8313,27 @@
           <a:bodyPr anchor="ctr">
             <a:noAutofit/>
           </a:bodyPr>
+          <a:lstStyle/>
           <a:p>
             <a:pPr>
               <a:lnSpc>
                 <a:spcPct val="100000"/>
               </a:lnSpc>
               <a:tabLst>
-                <a:tab algn="l" pos="0"/>
+                <a:tab pos="0" algn="l"/>
               </a:tabLst>
             </a:pPr>
             <a:r>
-              <a:rPr b="0" lang="en-US" sz="1000" spc="-1" strike="noStrike">
+              <a:rPr lang="en-US" sz="1000" b="0" strike="noStrike" spc="-1">
                 <a:solidFill>
-                  <a:srgbClr val="0c0c0c"/>
+                  <a:srgbClr val="0C0C0C"/>
                 </a:solidFill>
                 <a:latin typeface="Arial"/>
                 <a:ea typeface="Arial"/>
               </a:rPr>
               <a:t>March 20</a:t>
             </a:r>
-            <a:endParaRPr b="0" lang="en-IN" sz="1000" spc="-1" strike="noStrike">
+            <a:endParaRPr lang="en-IN" sz="1000" b="0" strike="noStrike" spc="-1">
               <a:latin typeface="Times New Roman"/>
             </a:endParaRPr>
           </a:p>
@@ -7087,26 +8362,27 @@
           <a:bodyPr anchor="ctr">
             <a:noAutofit/>
           </a:bodyPr>
+          <a:lstStyle/>
           <a:p>
             <a:pPr algn="r">
               <a:lnSpc>
                 <a:spcPct val="100000"/>
               </a:lnSpc>
               <a:tabLst>
-                <a:tab algn="l" pos="0"/>
+                <a:tab pos="0" algn="l"/>
               </a:tabLst>
             </a:pPr>
             <a:fld id="{9944A69D-7315-40B8-A159-8D356E70CE90}" type="slidenum">
-              <a:rPr b="0" lang="en-US" sz="1000" spc="-1" strike="noStrike">
+              <a:rPr lang="en-US" sz="1000" b="0" strike="noStrike" spc="-1">
                 <a:solidFill>
-                  <a:srgbClr val="0c0c0c"/>
+                  <a:srgbClr val="0C0C0C"/>
                 </a:solidFill>
                 <a:latin typeface="Arial"/>
                 <a:ea typeface="Arial"/>
               </a:rPr>
-              <a:t>&lt;number&gt;</a:t>
+              <a:t>1</a:t>
             </a:fld>
-            <a:endParaRPr b="0" lang="en-IN" sz="1000" spc="-1" strike="noStrike">
+            <a:endParaRPr lang="en-IN" sz="1000" b="0" strike="noStrike" spc="-1">
               <a:latin typeface="Times New Roman"/>
             </a:endParaRPr>
           </a:p>
@@ -7116,37 +8392,54 @@
         <p:nvGraphicFramePr>
           <p:cNvPr id="162" name="Table 4"/>
           <p:cNvGraphicFramePr/>
-          <p:nvPr/>
+          <p:nvPr>
+            <p:extLst>
+              <p:ext uri="{D42A27DB-BD31-4B8C-83A1-F6EECF244321}">
+                <p14:modId xmlns:p14="http://schemas.microsoft.com/office/powerpoint/2010/main" val="3208487935"/>
+              </p:ext>
+            </p:extLst>
+          </p:nvPr>
         </p:nvGraphicFramePr>
         <p:xfrm>
           <a:off x="983520" y="1849680"/>
-          <a:ext cx="9712440" cy="2586240"/>
+          <a:ext cx="9712800" cy="3567600"/>
         </p:xfrm>
         <a:graphic>
           <a:graphicData uri="http://schemas.openxmlformats.org/drawingml/2006/table">
             <a:tbl>
               <a:tblPr/>
               <a:tblGrid>
-                <a:gridCol w="3886200"/>
-                <a:gridCol w="5826600"/>
+                <a:gridCol w="3886200">
+                  <a:extLst>
+                    <a:ext uri="{9D8B030D-6E8A-4147-A177-3AD203B41FA5}">
+                      <a16:colId xmlns:a16="http://schemas.microsoft.com/office/drawing/2014/main" val="20000"/>
+                    </a:ext>
+                  </a:extLst>
+                </a:gridCol>
+                <a:gridCol w="5826600">
+                  <a:extLst>
+                    <a:ext uri="{9D8B030D-6E8A-4147-A177-3AD203B41FA5}">
+                      <a16:colId xmlns:a16="http://schemas.microsoft.com/office/drawing/2014/main" val="20001"/>
+                    </a:ext>
+                  </a:extLst>
+                </a:gridCol>
               </a:tblGrid>
               <a:tr h="473760">
                 <a:tc>
                   <a:txBody>
-                    <a:bodyPr lIns="324000" rIns="136800" tIns="136800" bIns="136800" anchor="ctr">
-                      <a:noAutofit/>
-                    </a:bodyPr>
+                    <a:bodyPr/>
+                    <a:lstStyle/>
                     <a:p>
                       <a:pPr>
                         <a:lnSpc>
                           <a:spcPct val="100000"/>
                         </a:lnSpc>
                         <a:tabLst>
-                          <a:tab algn="l" pos="0"/>
+                          <a:tab pos="0" algn="l"/>
                         </a:tabLst>
                       </a:pPr>
                       <a:r>
-                        <a:rPr b="0" lang="en-US" sz="1400" spc="-1" strike="noStrike">
+                        <a:rPr lang="en-US" sz="1400" b="0" strike="noStrike" spc="-1">
                           <a:solidFill>
                             <a:srgbClr val="000000"/>
                           </a:solidFill>
@@ -7155,7 +8448,7 @@
                         </a:rPr>
                         <a:t>Share learnings from the month</a:t>
                       </a:r>
-                      <a:endParaRPr b="0" lang="en-IN" sz="1400" spc="-1" strike="noStrike">
+                      <a:endParaRPr lang="en-IN" sz="1400" b="0" strike="noStrike" spc="-1">
                         <a:latin typeface="Arial"/>
                       </a:endParaRPr>
                     </a:p>
@@ -7168,7 +8461,7 @@
                     </a:lnL>
                     <a:lnR w="9360">
                       <a:solidFill>
-                        <a:srgbClr val="2f5897"/>
+                        <a:srgbClr val="2F5897"/>
                       </a:solidFill>
                     </a:lnR>
                     <a:lnT w="9360">
@@ -7178,7 +8471,7 @@
                     </a:lnT>
                     <a:lnB w="9360">
                       <a:solidFill>
-                        <a:srgbClr val="2f5897"/>
+                        <a:srgbClr val="2F5897"/>
                       </a:solidFill>
                     </a:lnB>
                     <a:noFill/>
@@ -7186,11 +8479,10 @@
                 </a:tc>
                 <a:tc>
                   <a:txBody>
-                    <a:bodyPr lIns="324000" rIns="136800" tIns="136800" bIns="136800" anchor="ctr">
-                      <a:noAutofit/>
-                    </a:bodyPr>
+                    <a:bodyPr/>
+                    <a:lstStyle/>
                     <a:p>
-                      <a:pPr lvl="2" marL="343080" indent="-342720">
+                      <a:pPr marL="343080" lvl="2" indent="-342720">
                         <a:lnSpc>
                           <a:spcPct val="100000"/>
                         </a:lnSpc>
@@ -7200,28 +8492,21 @@
                         <a:buFont typeface="Arial"/>
                         <a:buAutoNum type="arabicPeriod"/>
                         <a:tabLst>
-                          <a:tab algn="l" pos="352440"/>
+                          <a:tab pos="352440" algn="l"/>
                         </a:tabLst>
                       </a:pPr>
                       <a:r>
-                        <a:rPr b="0" lang="en-US" sz="1400" spc="-1" strike="noStrike">
-                          <a:solidFill>
-                            <a:srgbClr val="000000"/>
-                          </a:solidFill>
+                        <a:rPr lang="en-IN" sz="1400" b="0" strike="noStrike" spc="-1" dirty="0">
                           <a:latin typeface="Arial"/>
-                          <a:ea typeface="Arial"/>
                         </a:rPr>
-                        <a:t>More precise work ca reduce work time.</a:t>
+                        <a:t>Windows process and thread</a:t>
                       </a:r>
-                      <a:endParaRPr b="0" lang="en-IN" sz="1400" spc="-1" strike="noStrike">
-                        <a:latin typeface="Arial"/>
-                      </a:endParaRPr>
                     </a:p>
                   </a:txBody>
                   <a:tcPr marL="324000" marR="136800">
                     <a:lnL w="9360">
                       <a:solidFill>
-                        <a:srgbClr val="2f5897"/>
+                        <a:srgbClr val="2F5897"/>
                       </a:solidFill>
                     </a:lnL>
                     <a:lnR w="9360">
@@ -7236,30 +8521,34 @@
                     </a:lnT>
                     <a:lnB w="9360">
                       <a:solidFill>
-                        <a:srgbClr val="2f5897"/>
+                        <a:srgbClr val="2F5897"/>
                       </a:solidFill>
                     </a:lnB>
                     <a:noFill/>
                   </a:tcPr>
                 </a:tc>
+                <a:extLst>
+                  <a:ext uri="{0D108BD9-81ED-4DB2-BD59-A6C34878D82A}">
+                    <a16:rowId xmlns:a16="http://schemas.microsoft.com/office/drawing/2014/main" val="10000"/>
+                  </a:ext>
+                </a:extLst>
               </a:tr>
               <a:tr h="1073160">
                 <a:tc>
                   <a:txBody>
-                    <a:bodyPr lIns="324000" rIns="136800" tIns="136800" bIns="136800" anchor="ctr">
-                      <a:noAutofit/>
-                    </a:bodyPr>
+                    <a:bodyPr/>
+                    <a:lstStyle/>
                     <a:p>
                       <a:pPr>
                         <a:lnSpc>
                           <a:spcPct val="100000"/>
                         </a:lnSpc>
                         <a:tabLst>
-                          <a:tab algn="l" pos="0"/>
+                          <a:tab pos="0" algn="l"/>
                         </a:tabLst>
                       </a:pPr>
                       <a:r>
-                        <a:rPr b="0" lang="en-US" sz="1400" spc="-1" strike="noStrike">
+                        <a:rPr lang="en-US" sz="1400" b="0" strike="noStrike" spc="-1">
                           <a:solidFill>
                             <a:srgbClr val="000000"/>
                           </a:solidFill>
@@ -7268,7 +8557,7 @@
                         </a:rPr>
                         <a:t>What worked in the last month</a:t>
                       </a:r>
-                      <a:endParaRPr b="0" lang="en-IN" sz="1400" spc="-1" strike="noStrike">
+                      <a:endParaRPr lang="en-IN" sz="1400" b="0" strike="noStrike" spc="-1">
                         <a:latin typeface="Arial"/>
                       </a:endParaRPr>
                     </a:p>
@@ -7281,17 +8570,17 @@
                     </a:lnL>
                     <a:lnR w="9360">
                       <a:solidFill>
-                        <a:srgbClr val="2f5897"/>
+                        <a:srgbClr val="2F5897"/>
                       </a:solidFill>
                     </a:lnR>
                     <a:lnT w="9360">
                       <a:solidFill>
-                        <a:srgbClr val="2f5897"/>
+                        <a:srgbClr val="2F5897"/>
                       </a:solidFill>
                     </a:lnT>
                     <a:lnB w="9360">
                       <a:solidFill>
-                        <a:srgbClr val="2f5897"/>
+                        <a:srgbClr val="2F5897"/>
                       </a:solidFill>
                     </a:lnB>
                     <a:noFill/>
@@ -7299,11 +8588,10 @@
                 </a:tc>
                 <a:tc>
                   <a:txBody>
-                    <a:bodyPr lIns="324000" rIns="136800" tIns="136800" bIns="136800" anchor="ctr">
-                      <a:noAutofit/>
-                    </a:bodyPr>
+                    <a:bodyPr/>
+                    <a:lstStyle/>
                     <a:p>
-                      <a:pPr lvl="2" marL="343080" indent="-342720">
+                      <a:pPr marL="343260" lvl="2" indent="-342900">
                         <a:lnSpc>
                           <a:spcPct val="100000"/>
                         </a:lnSpc>
@@ -7314,21 +8602,17 @@
                         <a:buAutoNum type="arabicPeriod"/>
                       </a:pPr>
                       <a:r>
-                        <a:rPr b="0" lang="en-IN" sz="1400" spc="-1" strike="noStrike">
+                        <a:rPr lang="en-IN" sz="1400" b="0" strike="noStrike" spc="-1" dirty="0">
                           <a:solidFill>
                             <a:srgbClr val="000000"/>
                           </a:solidFill>
                           <a:latin typeface="Arial"/>
-                          <a:ea typeface="Arial"/>
                         </a:rPr>
-                        <a:t>Webstie scraper</a:t>
+                        <a:t>Data collector Desktop Application</a:t>
                       </a:r>
-                      <a:endParaRPr b="0" lang="en-IN" sz="1400" spc="-1" strike="noStrike">
-                        <a:latin typeface="Arial"/>
-                      </a:endParaRPr>
                     </a:p>
                     <a:p>
-                      <a:pPr lvl="2" marL="343080" indent="-342720">
+                      <a:pPr marL="343260" lvl="2" indent="-342900">
                         <a:lnSpc>
                           <a:spcPct val="100000"/>
                         </a:lnSpc>
@@ -7339,21 +8623,38 @@
                         <a:buAutoNum type="arabicPeriod"/>
                       </a:pPr>
                       <a:r>
-                        <a:rPr b="0" lang="en-IN" sz="1400" spc="-1" strike="noStrike">
+                        <a:rPr lang="en-IN" sz="1400" b="0" strike="noStrike" spc="-1" dirty="0">
                           <a:solidFill>
                             <a:srgbClr val="000000"/>
                           </a:solidFill>
                           <a:latin typeface="Arial"/>
                           <a:ea typeface="Arial"/>
                         </a:rPr>
-                        <a:t>Keyword Extractor.</a:t>
+                        <a:t>Chat bot using </a:t>
                       </a:r>
-                      <a:endParaRPr b="0" lang="en-IN" sz="1400" spc="-1" strike="noStrike">
-                        <a:latin typeface="Arial"/>
-                      </a:endParaRPr>
+                      <a:r>
+                        <a:rPr lang="en-IN" sz="1400" b="0" strike="noStrike" spc="-1" dirty="0" err="1">
+                          <a:solidFill>
+                            <a:srgbClr val="000000"/>
+                          </a:solidFill>
+                          <a:latin typeface="Arial"/>
+                          <a:ea typeface="Arial"/>
+                        </a:rPr>
+                        <a:t>nlp</a:t>
+                      </a:r>
+                      <a:r>
+                        <a:rPr lang="en-IN" sz="1400" b="0" strike="noStrike" spc="-1" dirty="0">
+                          <a:solidFill>
+                            <a:srgbClr val="000000"/>
+                          </a:solidFill>
+                          <a:latin typeface="Arial"/>
+                          <a:ea typeface="Arial"/>
+                        </a:rPr>
+                        <a:t>..</a:t>
+                      </a:r>
                     </a:p>
                     <a:p>
-                      <a:pPr lvl="2" marL="343080" indent="-342720">
+                      <a:pPr marL="343260" lvl="2" indent="-342900">
                         <a:lnSpc>
                           <a:spcPct val="100000"/>
                         </a:lnSpc>
@@ -7364,16 +8665,15 @@
                         <a:buAutoNum type="arabicPeriod"/>
                       </a:pPr>
                       <a:r>
-                        <a:rPr b="0" lang="en-IN" sz="1400" spc="-1" strike="noStrike">
+                        <a:rPr lang="en-IN" sz="1400" b="0" strike="noStrike" spc="-1" dirty="0">
                           <a:solidFill>
                             <a:srgbClr val="000000"/>
                           </a:solidFill>
                           <a:latin typeface="Arial"/>
-                          <a:ea typeface="Arial"/>
                         </a:rPr>
-                        <a:t>Recomendation api.</a:t>
+                        <a:t>Preparation of the marketing module.</a:t>
                       </a:r>
-                      <a:endParaRPr b="0" lang="en-IN" sz="1400" spc="-1" strike="noStrike">
+                      <a:endParaRPr lang="en-IN" sz="1400" b="0" strike="noStrike" spc="-1" dirty="0">
                         <a:latin typeface="Arial"/>
                       </a:endParaRPr>
                     </a:p>
@@ -7381,7 +8681,7 @@
                   <a:tcPr marL="324000" marR="136800">
                     <a:lnL w="9360">
                       <a:solidFill>
-                        <a:srgbClr val="2f5897"/>
+                        <a:srgbClr val="2F5897"/>
                       </a:solidFill>
                     </a:lnL>
                     <a:lnR w="9360">
@@ -7391,35 +8691,39 @@
                     </a:lnR>
                     <a:lnT w="9360">
                       <a:solidFill>
-                        <a:srgbClr val="2f5897"/>
+                        <a:srgbClr val="2F5897"/>
                       </a:solidFill>
                     </a:lnT>
                     <a:lnB w="9360">
                       <a:solidFill>
-                        <a:srgbClr val="2f5897"/>
+                        <a:srgbClr val="2F5897"/>
                       </a:solidFill>
                     </a:lnB>
                     <a:noFill/>
                   </a:tcPr>
                 </a:tc>
+                <a:extLst>
+                  <a:ext uri="{0D108BD9-81ED-4DB2-BD59-A6C34878D82A}">
+                    <a16:rowId xmlns:a16="http://schemas.microsoft.com/office/drawing/2014/main" val="10001"/>
+                  </a:ext>
+                </a:extLst>
               </a:tr>
               <a:tr h="1073160">
                 <a:tc>
                   <a:txBody>
-                    <a:bodyPr lIns="324000" rIns="136800" tIns="136800" bIns="136800" anchor="ctr">
-                      <a:noAutofit/>
-                    </a:bodyPr>
+                    <a:bodyPr/>
+                    <a:lstStyle/>
                     <a:p>
                       <a:pPr>
                         <a:lnSpc>
                           <a:spcPct val="100000"/>
                         </a:lnSpc>
                         <a:tabLst>
-                          <a:tab algn="l" pos="0"/>
+                          <a:tab pos="0" algn="l"/>
                         </a:tabLst>
                       </a:pPr>
                       <a:r>
-                        <a:rPr b="0" lang="en-US" sz="1400" spc="-1" strike="noStrike">
+                        <a:rPr lang="en-US" sz="1400" b="0" strike="noStrike" spc="-1">
                           <a:solidFill>
                             <a:srgbClr val="000000"/>
                           </a:solidFill>
@@ -7428,7 +8732,7 @@
                         </a:rPr>
                         <a:t>What did not work</a:t>
                       </a:r>
-                      <a:endParaRPr b="0" lang="en-IN" sz="1400" spc="-1" strike="noStrike">
+                      <a:endParaRPr lang="en-IN" sz="1400" b="0" strike="noStrike" spc="-1">
                         <a:latin typeface="Arial"/>
                       </a:endParaRPr>
                     </a:p>
@@ -7441,27 +8745,34 @@
                     </a:lnL>
                     <a:lnR w="9360">
                       <a:solidFill>
-                        <a:srgbClr val="2f5897"/>
+                        <a:srgbClr val="2F5897"/>
                       </a:solidFill>
                     </a:lnR>
                     <a:lnT w="9360">
                       <a:solidFill>
-                        <a:srgbClr val="2f5897"/>
+                        <a:srgbClr val="2F5897"/>
                       </a:solidFill>
                     </a:lnT>
                     <a:lnB w="9360">
                       <a:solidFill>
-                        <a:srgbClr val="2f5897"/>
+                        <a:srgbClr val="2F5897"/>
                       </a:solidFill>
                     </a:lnB>
                     <a:noFill/>
                   </a:tcPr>
                 </a:tc>
                 <a:tc>
+                  <a:txBody>
+                    <a:bodyPr/>
+                    <a:lstStyle/>
+                    <a:p>
+                      <a:endParaRPr lang="en-US" dirty="0"/>
+                    </a:p>
+                  </a:txBody>
                   <a:tcPr marL="324000" marR="136800">
                     <a:lnL w="9360">
                       <a:solidFill>
-                        <a:srgbClr val="2f5897"/>
+                        <a:srgbClr val="2F5897"/>
                       </a:solidFill>
                     </a:lnL>
                     <a:lnR w="9360">
@@ -7471,35 +8782,39 @@
                     </a:lnR>
                     <a:lnT w="9360">
                       <a:solidFill>
-                        <a:srgbClr val="2f5897"/>
+                        <a:srgbClr val="2F5897"/>
                       </a:solidFill>
                     </a:lnT>
                     <a:lnB w="9360">
                       <a:solidFill>
-                        <a:srgbClr val="2f5897"/>
+                        <a:srgbClr val="2F5897"/>
                       </a:solidFill>
                     </a:lnB>
                     <a:noFill/>
                   </a:tcPr>
                 </a:tc>
+                <a:extLst>
+                  <a:ext uri="{0D108BD9-81ED-4DB2-BD59-A6C34878D82A}">
+                    <a16:rowId xmlns:a16="http://schemas.microsoft.com/office/drawing/2014/main" val="10002"/>
+                  </a:ext>
+                </a:extLst>
               </a:tr>
               <a:tr h="473760">
                 <a:tc>
                   <a:txBody>
-                    <a:bodyPr lIns="324000" rIns="136800" tIns="136800" bIns="136800" anchor="ctr">
-                      <a:noAutofit/>
-                    </a:bodyPr>
+                    <a:bodyPr/>
+                    <a:lstStyle/>
                     <a:p>
                       <a:pPr>
                         <a:lnSpc>
                           <a:spcPct val="100000"/>
                         </a:lnSpc>
                         <a:tabLst>
-                          <a:tab algn="l" pos="0"/>
+                          <a:tab pos="0" algn="l"/>
                         </a:tabLst>
                       </a:pPr>
                       <a:r>
-                        <a:rPr b="0" lang="en-US" sz="1400" spc="-1" strike="noStrike">
+                        <a:rPr lang="en-US" sz="1400" b="0" strike="noStrike" spc="-1">
                           <a:solidFill>
                             <a:srgbClr val="000000"/>
                           </a:solidFill>
@@ -7508,7 +8823,7 @@
                         </a:rPr>
                         <a:t>What could have been better</a:t>
                       </a:r>
-                      <a:endParaRPr b="0" lang="en-IN" sz="1400" spc="-1" strike="noStrike">
+                      <a:endParaRPr lang="en-IN" sz="1400" b="0" strike="noStrike" spc="-1">
                         <a:latin typeface="Arial"/>
                       </a:endParaRPr>
                     </a:p>
@@ -7521,27 +8836,37 @@
                     </a:lnL>
                     <a:lnR w="9360">
                       <a:solidFill>
-                        <a:srgbClr val="2f5897"/>
+                        <a:srgbClr val="2F5897"/>
                       </a:solidFill>
                     </a:lnR>
                     <a:lnT w="9360">
                       <a:solidFill>
-                        <a:srgbClr val="2f5897"/>
+                        <a:srgbClr val="2F5897"/>
                       </a:solidFill>
                     </a:lnT>
                     <a:lnB w="9360">
                       <a:solidFill>
-                        <a:srgbClr val="2f5897"/>
+                        <a:srgbClr val="2F5897"/>
                       </a:solidFill>
                     </a:lnB>
                     <a:noFill/>
                   </a:tcPr>
                 </a:tc>
                 <a:tc>
+                  <a:txBody>
+                    <a:bodyPr/>
+                    <a:lstStyle/>
+                    <a:p>
+                      <a:r>
+                        <a:rPr lang="en-US" dirty="0"/>
+                        <a:t>Work in structural way could have done better </a:t>
+                      </a:r>
+                    </a:p>
+                  </a:txBody>
                   <a:tcPr marL="324000" marR="136800">
                     <a:lnL w="9360">
                       <a:solidFill>
-                        <a:srgbClr val="2f5897"/>
+                        <a:srgbClr val="2F5897"/>
                       </a:solidFill>
                     </a:lnL>
                     <a:lnR w="9360">
@@ -7551,35 +8876,39 @@
                     </a:lnR>
                     <a:lnT w="9360">
                       <a:solidFill>
-                        <a:srgbClr val="2f5897"/>
+                        <a:srgbClr val="2F5897"/>
                       </a:solidFill>
                     </a:lnT>
                     <a:lnB w="9360">
                       <a:solidFill>
-                        <a:srgbClr val="2f5897"/>
+                        <a:srgbClr val="2F5897"/>
                       </a:solidFill>
                     </a:lnB>
                     <a:noFill/>
                   </a:tcPr>
                 </a:tc>
+                <a:extLst>
+                  <a:ext uri="{0D108BD9-81ED-4DB2-BD59-A6C34878D82A}">
+                    <a16:rowId xmlns:a16="http://schemas.microsoft.com/office/drawing/2014/main" val="10003"/>
+                  </a:ext>
+                </a:extLst>
               </a:tr>
               <a:tr h="473760">
                 <a:tc>
                   <a:txBody>
-                    <a:bodyPr lIns="324000" rIns="136800" tIns="136800" bIns="136800" anchor="ctr">
-                      <a:noAutofit/>
-                    </a:bodyPr>
+                    <a:bodyPr/>
+                    <a:lstStyle/>
                     <a:p>
                       <a:pPr>
                         <a:lnSpc>
                           <a:spcPct val="100000"/>
                         </a:lnSpc>
                         <a:tabLst>
-                          <a:tab algn="l" pos="0"/>
+                          <a:tab pos="0" algn="l"/>
                         </a:tabLst>
                       </a:pPr>
                       <a:r>
-                        <a:rPr b="0" lang="en-US" sz="1400" spc="-1" strike="noStrike">
+                        <a:rPr lang="en-US" sz="1400" b="0" strike="noStrike" spc="-1" dirty="0">
                           <a:solidFill>
                             <a:srgbClr val="000000"/>
                           </a:solidFill>
@@ -7588,7 +8917,7 @@
                         </a:rPr>
                         <a:t>Individual highlights worth sharing</a:t>
                       </a:r>
-                      <a:endParaRPr b="0" lang="en-IN" sz="1400" spc="-1" strike="noStrike">
+                      <a:endParaRPr lang="en-IN" sz="1400" b="0" strike="noStrike" spc="-1" dirty="0">
                         <a:latin typeface="Arial"/>
                       </a:endParaRPr>
                     </a:p>
@@ -7601,27 +8930,34 @@
                     </a:lnL>
                     <a:lnR w="9360">
                       <a:solidFill>
-                        <a:srgbClr val="2f5897"/>
+                        <a:srgbClr val="2F5897"/>
                       </a:solidFill>
                     </a:lnR>
                     <a:lnT w="9360">
                       <a:solidFill>
-                        <a:srgbClr val="2f5897"/>
+                        <a:srgbClr val="2F5897"/>
                       </a:solidFill>
                     </a:lnT>
                     <a:lnB w="9360">
                       <a:solidFill>
-                        <a:srgbClr val="2f5897"/>
+                        <a:srgbClr val="2F5897"/>
                       </a:solidFill>
                     </a:lnB>
                     <a:noFill/>
                   </a:tcPr>
                 </a:tc>
                 <a:tc>
+                  <a:txBody>
+                    <a:bodyPr/>
+                    <a:lstStyle/>
+                    <a:p>
+                      <a:endParaRPr lang="en-US" dirty="0"/>
+                    </a:p>
+                  </a:txBody>
                   <a:tcPr marL="324000" marR="136800">
                     <a:lnL w="9360">
                       <a:solidFill>
-                        <a:srgbClr val="2f5897"/>
+                        <a:srgbClr val="2F5897"/>
                       </a:solidFill>
                     </a:lnL>
                     <a:lnR w="9360">
@@ -7631,17 +8967,22 @@
                     </a:lnR>
                     <a:lnT w="9360">
                       <a:solidFill>
-                        <a:srgbClr val="2f5897"/>
+                        <a:srgbClr val="2F5897"/>
                       </a:solidFill>
                     </a:lnT>
                     <a:lnB w="9360">
                       <a:solidFill>
-                        <a:srgbClr val="2f5897"/>
+                        <a:srgbClr val="2F5897"/>
                       </a:solidFill>
                     </a:lnB>
                     <a:noFill/>
                   </a:tcPr>
                 </a:tc>
+                <a:extLst>
+                  <a:ext uri="{0D108BD9-81ED-4DB2-BD59-A6C34878D82A}">
+                    <a16:rowId xmlns:a16="http://schemas.microsoft.com/office/drawing/2014/main" val="10004"/>
+                  </a:ext>
+                </a:extLst>
               </a:tr>
             </a:tbl>
           </a:graphicData>
@@ -7670,26 +9011,27 @@
           <a:bodyPr anchor="ctr">
             <a:noAutofit/>
           </a:bodyPr>
+          <a:lstStyle/>
           <a:p>
             <a:pPr>
               <a:lnSpc>
                 <a:spcPct val="100000"/>
               </a:lnSpc>
               <a:tabLst>
-                <a:tab algn="l" pos="0"/>
+                <a:tab pos="0" algn="l"/>
               </a:tabLst>
             </a:pPr>
             <a:r>
-              <a:rPr b="0" lang="en-US" sz="1000" spc="-1" strike="noStrike">
+              <a:rPr lang="en-US" sz="1000" b="0" strike="noStrike" spc="-1">
                 <a:solidFill>
-                  <a:srgbClr val="0c0c0c"/>
+                  <a:srgbClr val="0C0C0C"/>
                 </a:solidFill>
                 <a:latin typeface="Arial"/>
                 <a:ea typeface="Arial"/>
               </a:rPr>
               <a:t>HOMZHUB - PROPRIETARY &amp; CONFIDENTIAL</a:t>
             </a:r>
-            <a:endParaRPr b="0" lang="en-IN" sz="1000" spc="-1" strike="noStrike">
+            <a:endParaRPr lang="en-IN" sz="1000" b="0" strike="noStrike" spc="-1">
               <a:latin typeface="Times New Roman"/>
             </a:endParaRPr>
           </a:p>
@@ -7697,14 +9039,9 @@
       </p:sp>
     </p:spTree>
   </p:cSld>
-  <mc:AlternateContent>
-    <mc:Choice Requires="p14">
-      <p:transition spd="slow" p14:dur="2000"/>
-    </mc:Choice>
-    <mc:Fallback>
-      <p:transition spd="slow"/>
-    </mc:Fallback>
-  </mc:AlternateContent>
+  <p:clrMapOvr>
+    <a:masterClrMapping/>
+  </p:clrMapOvr>
 </p:sld>
 </file>
 
@@ -7719,34 +9056,34 @@
         <a:sysClr val="window" lastClr="FFFFFF"/>
       </a:lt1>
       <a:dk2>
-        <a:srgbClr val="2f5897"/>
+        <a:srgbClr val="2F5897"/>
       </a:dk2>
       <a:lt2>
-        <a:srgbClr val="e4e9ef"/>
+        <a:srgbClr val="E4E9EF"/>
       </a:lt2>
       <a:accent1>
-        <a:srgbClr val="6076b4"/>
+        <a:srgbClr val="6076B4"/>
       </a:accent1>
       <a:accent2>
-        <a:srgbClr val="9c5252"/>
+        <a:srgbClr val="9C5252"/>
       </a:accent2>
       <a:accent3>
-        <a:srgbClr val="e68422"/>
+        <a:srgbClr val="E68422"/>
       </a:accent3>
       <a:accent4>
         <a:srgbClr val="846648"/>
       </a:accent4>
       <a:accent5>
-        <a:srgbClr val="63891f"/>
+        <a:srgbClr val="63891F"/>
       </a:accent5>
       <a:accent6>
         <a:srgbClr val="758085"/>
       </a:accent6>
       <a:hlink>
-        <a:srgbClr val="3399ff"/>
+        <a:srgbClr val="3399FF"/>
       </a:hlink>
       <a:folHlink>
-        <a:srgbClr val="b2b2b2"/>
+        <a:srgbClr val="B2B2B2"/>
       </a:folHlink>
     </a:clrScheme>
     <a:fontScheme name="Office">
@@ -7931,6 +9268,8 @@
       </a:bgFillStyleLst>
     </a:fmtScheme>
   </a:themeElements>
+  <a:objectDefaults/>
+  <a:extraClrSchemeLst/>
 </a:theme>
 </file>
 
@@ -7945,34 +9284,34 @@
         <a:sysClr val="window" lastClr="FFFFFF"/>
       </a:lt1>
       <a:dk2>
-        <a:srgbClr val="2f5897"/>
+        <a:srgbClr val="2F5897"/>
       </a:dk2>
       <a:lt2>
-        <a:srgbClr val="e4e9ef"/>
+        <a:srgbClr val="E4E9EF"/>
       </a:lt2>
       <a:accent1>
-        <a:srgbClr val="6076b4"/>
+        <a:srgbClr val="6076B4"/>
       </a:accent1>
       <a:accent2>
-        <a:srgbClr val="9c5252"/>
+        <a:srgbClr val="9C5252"/>
       </a:accent2>
       <a:accent3>
-        <a:srgbClr val="e68422"/>
+        <a:srgbClr val="E68422"/>
       </a:accent3>
       <a:accent4>
         <a:srgbClr val="846648"/>
       </a:accent4>
       <a:accent5>
-        <a:srgbClr val="63891f"/>
+        <a:srgbClr val="63891F"/>
       </a:accent5>
       <a:accent6>
         <a:srgbClr val="758085"/>
       </a:accent6>
       <a:hlink>
-        <a:srgbClr val="3399ff"/>
+        <a:srgbClr val="3399FF"/>
       </a:hlink>
       <a:folHlink>
-        <a:srgbClr val="b2b2b2"/>
+        <a:srgbClr val="B2B2B2"/>
       </a:folHlink>
     </a:clrScheme>
     <a:fontScheme name="Office">
@@ -8157,6 +9496,8 @@
       </a:bgFillStyleLst>
     </a:fmtScheme>
   </a:themeElements>
+  <a:objectDefaults/>
+  <a:extraClrSchemeLst/>
 </a:theme>
 </file>
 
@@ -8171,34 +9512,34 @@
         <a:sysClr val="window" lastClr="FFFFFF"/>
       </a:lt1>
       <a:dk2>
-        <a:srgbClr val="2f5897"/>
+        <a:srgbClr val="2F5897"/>
       </a:dk2>
       <a:lt2>
-        <a:srgbClr val="e4e9ef"/>
+        <a:srgbClr val="E4E9EF"/>
       </a:lt2>
       <a:accent1>
-        <a:srgbClr val="6076b4"/>
+        <a:srgbClr val="6076B4"/>
       </a:accent1>
       <a:accent2>
-        <a:srgbClr val="9c5252"/>
+        <a:srgbClr val="9C5252"/>
       </a:accent2>
       <a:accent3>
-        <a:srgbClr val="e68422"/>
+        <a:srgbClr val="E68422"/>
       </a:accent3>
       <a:accent4>
         <a:srgbClr val="846648"/>
       </a:accent4>
       <a:accent5>
-        <a:srgbClr val="63891f"/>
+        <a:srgbClr val="63891F"/>
       </a:accent5>
       <a:accent6>
         <a:srgbClr val="758085"/>
       </a:accent6>
       <a:hlink>
-        <a:srgbClr val="3399ff"/>
+        <a:srgbClr val="3399FF"/>
       </a:hlink>
       <a:folHlink>
-        <a:srgbClr val="b2b2b2"/>
+        <a:srgbClr val="B2B2B2"/>
       </a:folHlink>
     </a:clrScheme>
     <a:fontScheme name="Office">
@@ -8383,6 +9724,8 @@
       </a:bgFillStyleLst>
     </a:fmtScheme>
   </a:themeElements>
+  <a:objectDefaults/>
+  <a:extraClrSchemeLst/>
 </a:theme>
 </file>
 
@@ -8397,34 +9740,34 @@
         <a:sysClr val="window" lastClr="FFFFFF"/>
       </a:lt1>
       <a:dk2>
-        <a:srgbClr val="2f5897"/>
+        <a:srgbClr val="2F5897"/>
       </a:dk2>
       <a:lt2>
-        <a:srgbClr val="e4e9ef"/>
+        <a:srgbClr val="E4E9EF"/>
       </a:lt2>
       <a:accent1>
-        <a:srgbClr val="6076b4"/>
+        <a:srgbClr val="6076B4"/>
       </a:accent1>
       <a:accent2>
-        <a:srgbClr val="9c5252"/>
+        <a:srgbClr val="9C5252"/>
       </a:accent2>
       <a:accent3>
-        <a:srgbClr val="e68422"/>
+        <a:srgbClr val="E68422"/>
       </a:accent3>
       <a:accent4>
         <a:srgbClr val="846648"/>
       </a:accent4>
       <a:accent5>
-        <a:srgbClr val="63891f"/>
+        <a:srgbClr val="63891F"/>
       </a:accent5>
       <a:accent6>
         <a:srgbClr val="758085"/>
       </a:accent6>
       <a:hlink>
-        <a:srgbClr val="3399ff"/>
+        <a:srgbClr val="3399FF"/>
       </a:hlink>
       <a:folHlink>
-        <a:srgbClr val="b2b2b2"/>
+        <a:srgbClr val="B2B2B2"/>
       </a:folHlink>
     </a:clrScheme>
     <a:fontScheme name="Office">
@@ -8609,5 +9952,7 @@
       </a:bgFillStyleLst>
     </a:fmtScheme>
   </a:themeElements>
+  <a:objectDefaults/>
+  <a:extraClrSchemeLst/>
 </a:theme>
 </file>
--- a/Pune Monthly tech - Oct.pptx
+++ b/Pune Monthly tech - Oct.pptx
@@ -109,6 +109,11 @@
       </a:defRPr>
     </a:lvl9pPr>
   </p:defaultTextStyle>
+  <p:extLst>
+    <p:ext uri="{EFAFB233-063F-42B5-8137-9DF3F51BA10A}">
+      <p15:sldGuideLst xmlns:p15="http://schemas.microsoft.com/office/powerpoint/2012/main"/>
+    </p:ext>
+  </p:extLst>
 </p:presentation>
 </file>
 
@@ -8395,7 +8400,7 @@
           <p:nvPr>
             <p:extLst>
               <p:ext uri="{D42A27DB-BD31-4B8C-83A1-F6EECF244321}">
-                <p14:modId xmlns:p14="http://schemas.microsoft.com/office/powerpoint/2010/main" val="3208487935"/>
+                <p14:modId xmlns:p14="http://schemas.microsoft.com/office/powerpoint/2010/main" val="2066757103"/>
               </p:ext>
             </p:extLst>
           </p:nvPr>
@@ -8858,7 +8863,7 @@
                     <a:lstStyle/>
                     <a:p>
                       <a:r>
-                        <a:rPr lang="en-US" dirty="0"/>
+                        <a:rPr lang="en-US" sz="1400" dirty="0"/>
                         <a:t>Work in structural way could have done better </a:t>
                       </a:r>
                     </a:p>
